--- a/Project/Drawings.pptx
+++ b/Project/Drawings.pptx
@@ -289,7 +289,7 @@
           <a:p>
             <a:fld id="{0DBF645A-F2FA-6B44-9CD1-4A4883394FAA}" type="datetimeFigureOut">
               <a:rPr lang="en-US" smtClean="0"/>
-              <a:t>5/11/15</a:t>
+              <a:t>8/4/15</a:t>
             </a:fld>
             <a:endParaRPr lang="en-US"/>
           </a:p>
@@ -459,7 +459,7 @@
           <a:p>
             <a:fld id="{0DBF645A-F2FA-6B44-9CD1-4A4883394FAA}" type="datetimeFigureOut">
               <a:rPr lang="en-US" smtClean="0"/>
-              <a:t>5/11/15</a:t>
+              <a:t>8/4/15</a:t>
             </a:fld>
             <a:endParaRPr lang="en-US"/>
           </a:p>
@@ -639,7 +639,7 @@
           <a:p>
             <a:fld id="{0DBF645A-F2FA-6B44-9CD1-4A4883394FAA}" type="datetimeFigureOut">
               <a:rPr lang="en-US" smtClean="0"/>
-              <a:t>5/11/15</a:t>
+              <a:t>8/4/15</a:t>
             </a:fld>
             <a:endParaRPr lang="en-US"/>
           </a:p>
@@ -809,7 +809,7 @@
           <a:p>
             <a:fld id="{0DBF645A-F2FA-6B44-9CD1-4A4883394FAA}" type="datetimeFigureOut">
               <a:rPr lang="en-US" smtClean="0"/>
-              <a:t>5/11/15</a:t>
+              <a:t>8/4/15</a:t>
             </a:fld>
             <a:endParaRPr lang="en-US"/>
           </a:p>
@@ -1055,7 +1055,7 @@
           <a:p>
             <a:fld id="{0DBF645A-F2FA-6B44-9CD1-4A4883394FAA}" type="datetimeFigureOut">
               <a:rPr lang="en-US" smtClean="0"/>
-              <a:t>5/11/15</a:t>
+              <a:t>8/4/15</a:t>
             </a:fld>
             <a:endParaRPr lang="en-US"/>
           </a:p>
@@ -1343,7 +1343,7 @@
           <a:p>
             <a:fld id="{0DBF645A-F2FA-6B44-9CD1-4A4883394FAA}" type="datetimeFigureOut">
               <a:rPr lang="en-US" smtClean="0"/>
-              <a:t>5/11/15</a:t>
+              <a:t>8/4/15</a:t>
             </a:fld>
             <a:endParaRPr lang="en-US"/>
           </a:p>
@@ -1765,7 +1765,7 @@
           <a:p>
             <a:fld id="{0DBF645A-F2FA-6B44-9CD1-4A4883394FAA}" type="datetimeFigureOut">
               <a:rPr lang="en-US" smtClean="0"/>
-              <a:t>5/11/15</a:t>
+              <a:t>8/4/15</a:t>
             </a:fld>
             <a:endParaRPr lang="en-US"/>
           </a:p>
@@ -1883,7 +1883,7 @@
           <a:p>
             <a:fld id="{0DBF645A-F2FA-6B44-9CD1-4A4883394FAA}" type="datetimeFigureOut">
               <a:rPr lang="en-US" smtClean="0"/>
-              <a:t>5/11/15</a:t>
+              <a:t>8/4/15</a:t>
             </a:fld>
             <a:endParaRPr lang="en-US"/>
           </a:p>
@@ -1978,7 +1978,7 @@
           <a:p>
             <a:fld id="{0DBF645A-F2FA-6B44-9CD1-4A4883394FAA}" type="datetimeFigureOut">
               <a:rPr lang="en-US" smtClean="0"/>
-              <a:t>5/11/15</a:t>
+              <a:t>8/4/15</a:t>
             </a:fld>
             <a:endParaRPr lang="en-US"/>
           </a:p>
@@ -2255,7 +2255,7 @@
           <a:p>
             <a:fld id="{0DBF645A-F2FA-6B44-9CD1-4A4883394FAA}" type="datetimeFigureOut">
               <a:rPr lang="en-US" smtClean="0"/>
-              <a:t>5/11/15</a:t>
+              <a:t>8/4/15</a:t>
             </a:fld>
             <a:endParaRPr lang="en-US"/>
           </a:p>
@@ -2508,7 +2508,7 @@
           <a:p>
             <a:fld id="{0DBF645A-F2FA-6B44-9CD1-4A4883394FAA}" type="datetimeFigureOut">
               <a:rPr lang="en-US" smtClean="0"/>
-              <a:t>5/11/15</a:t>
+              <a:t>8/4/15</a:t>
             </a:fld>
             <a:endParaRPr lang="en-US"/>
           </a:p>
@@ -2721,7 +2721,7 @@
           <a:p>
             <a:fld id="{0DBF645A-F2FA-6B44-9CD1-4A4883394FAA}" type="datetimeFigureOut">
               <a:rPr lang="en-US" smtClean="0"/>
-              <a:t>5/11/15</a:t>
+              <a:t>8/4/15</a:t>
             </a:fld>
             <a:endParaRPr lang="en-US"/>
           </a:p>
@@ -3780,7 +3780,7 @@
         </p:nvSpPr>
         <p:spPr>
           <a:xfrm>
-            <a:off x="560805" y="362901"/>
+            <a:off x="560805" y="523893"/>
             <a:ext cx="148448" cy="164955"/>
           </a:xfrm>
           <a:prstGeom prst="ellipse">
@@ -3818,7 +3818,7 @@
         </p:nvSpPr>
         <p:spPr>
           <a:xfrm>
-            <a:off x="713205" y="399836"/>
+            <a:off x="713205" y="560828"/>
             <a:ext cx="148448" cy="164955"/>
           </a:xfrm>
           <a:prstGeom prst="ellipse">
@@ -3856,7 +3856,7 @@
         </p:nvSpPr>
         <p:spPr>
           <a:xfrm>
-            <a:off x="865605" y="321306"/>
+            <a:off x="865605" y="482298"/>
             <a:ext cx="148448" cy="164955"/>
           </a:xfrm>
           <a:prstGeom prst="ellipse">
@@ -3894,7 +3894,7 @@
         </p:nvSpPr>
         <p:spPr>
           <a:xfrm>
-            <a:off x="968523" y="539686"/>
+            <a:off x="968523" y="700678"/>
             <a:ext cx="148448" cy="164955"/>
           </a:xfrm>
           <a:prstGeom prst="ellipse">
@@ -3932,7 +3932,7 @@
         </p:nvSpPr>
         <p:spPr>
           <a:xfrm>
-            <a:off x="1170405" y="411671"/>
+            <a:off x="1170405" y="572663"/>
             <a:ext cx="148448" cy="164955"/>
           </a:xfrm>
           <a:prstGeom prst="ellipse">
@@ -3970,7 +3970,7 @@
         </p:nvSpPr>
         <p:spPr>
           <a:xfrm>
-            <a:off x="515277" y="680251"/>
+            <a:off x="515277" y="841243"/>
             <a:ext cx="148448" cy="164955"/>
           </a:xfrm>
           <a:prstGeom prst="ellipse">
@@ -4008,7 +4008,7 @@
         </p:nvSpPr>
         <p:spPr>
           <a:xfrm>
-            <a:off x="667677" y="717186"/>
+            <a:off x="667677" y="878178"/>
             <a:ext cx="148448" cy="164955"/>
           </a:xfrm>
           <a:prstGeom prst="ellipse">
@@ -4046,7 +4046,7 @@
         </p:nvSpPr>
         <p:spPr>
           <a:xfrm>
-            <a:off x="820077" y="638656"/>
+            <a:off x="820077" y="799648"/>
             <a:ext cx="148448" cy="164955"/>
           </a:xfrm>
           <a:prstGeom prst="ellipse">
@@ -4084,7 +4084,7 @@
         </p:nvSpPr>
         <p:spPr>
           <a:xfrm>
-            <a:off x="922995" y="857036"/>
+            <a:off x="922995" y="1018028"/>
             <a:ext cx="148448" cy="164955"/>
           </a:xfrm>
           <a:prstGeom prst="ellipse">
@@ -4122,7 +4122,7 @@
         </p:nvSpPr>
         <p:spPr>
           <a:xfrm>
-            <a:off x="1124877" y="729021"/>
+            <a:off x="1124877" y="890013"/>
             <a:ext cx="148448" cy="164955"/>
           </a:xfrm>
           <a:prstGeom prst="ellipse">
@@ -4160,7 +4160,7 @@
         </p:nvSpPr>
         <p:spPr>
           <a:xfrm>
-            <a:off x="1274001" y="581281"/>
+            <a:off x="1274001" y="742273"/>
             <a:ext cx="148448" cy="164955"/>
           </a:xfrm>
           <a:prstGeom prst="ellipse">
@@ -4198,7 +4198,7 @@
         </p:nvSpPr>
         <p:spPr>
           <a:xfrm>
-            <a:off x="1426401" y="618216"/>
+            <a:off x="1426401" y="779208"/>
             <a:ext cx="148448" cy="164955"/>
           </a:xfrm>
           <a:prstGeom prst="ellipse">
@@ -4236,7 +4236,7 @@
         </p:nvSpPr>
         <p:spPr>
           <a:xfrm>
-            <a:off x="1578801" y="539686"/>
+            <a:off x="1578801" y="700678"/>
             <a:ext cx="148448" cy="164955"/>
           </a:xfrm>
           <a:prstGeom prst="ellipse">
@@ -4274,7 +4274,7 @@
         </p:nvSpPr>
         <p:spPr>
           <a:xfrm>
-            <a:off x="1681719" y="758066"/>
+            <a:off x="1681719" y="919058"/>
             <a:ext cx="148448" cy="164955"/>
           </a:xfrm>
           <a:prstGeom prst="ellipse">
@@ -4312,7 +4312,7 @@
         </p:nvSpPr>
         <p:spPr>
           <a:xfrm>
-            <a:off x="1883601" y="630051"/>
+            <a:off x="1883601" y="791043"/>
             <a:ext cx="148448" cy="164955"/>
           </a:xfrm>
           <a:prstGeom prst="ellipse">
@@ -4350,7 +4350,7 @@
         </p:nvSpPr>
         <p:spPr>
           <a:xfrm>
-            <a:off x="1092567" y="927676"/>
+            <a:off x="1092567" y="1088668"/>
             <a:ext cx="148448" cy="164955"/>
           </a:xfrm>
           <a:prstGeom prst="ellipse">
@@ -4388,7 +4388,7 @@
         </p:nvSpPr>
         <p:spPr>
           <a:xfrm>
-            <a:off x="1244967" y="964611"/>
+            <a:off x="1244967" y="1125603"/>
             <a:ext cx="148448" cy="164955"/>
           </a:xfrm>
           <a:prstGeom prst="ellipse">
@@ -4426,7 +4426,7 @@
         </p:nvSpPr>
         <p:spPr>
           <a:xfrm>
-            <a:off x="1397367" y="886081"/>
+            <a:off x="1397367" y="1047073"/>
             <a:ext cx="148448" cy="164955"/>
           </a:xfrm>
           <a:prstGeom prst="ellipse">
@@ -4464,7 +4464,7 @@
         </p:nvSpPr>
         <p:spPr>
           <a:xfrm>
-            <a:off x="1500285" y="1104461"/>
+            <a:off x="1500285" y="1265453"/>
             <a:ext cx="148448" cy="164955"/>
           </a:xfrm>
           <a:prstGeom prst="ellipse">
@@ -4502,7 +4502,7 @@
         </p:nvSpPr>
         <p:spPr>
           <a:xfrm>
-            <a:off x="1702167" y="976446"/>
+            <a:off x="1702167" y="1137438"/>
             <a:ext cx="148448" cy="164955"/>
           </a:xfrm>
           <a:prstGeom prst="ellipse">
@@ -4540,7 +4540,7 @@
         </p:nvSpPr>
         <p:spPr>
           <a:xfrm>
-            <a:off x="515277" y="1076131"/>
+            <a:off x="515277" y="1237123"/>
             <a:ext cx="148448" cy="164955"/>
           </a:xfrm>
           <a:prstGeom prst="ellipse">
@@ -4578,7 +4578,7 @@
         </p:nvSpPr>
         <p:spPr>
           <a:xfrm>
-            <a:off x="667677" y="1113066"/>
+            <a:off x="667677" y="1274058"/>
             <a:ext cx="148448" cy="164955"/>
           </a:xfrm>
           <a:prstGeom prst="ellipse">
@@ -4616,7 +4616,7 @@
         </p:nvSpPr>
         <p:spPr>
           <a:xfrm>
-            <a:off x="820077" y="1034536"/>
+            <a:off x="820077" y="1195528"/>
             <a:ext cx="148448" cy="164955"/>
           </a:xfrm>
           <a:prstGeom prst="ellipse">
@@ -4654,7 +4654,7 @@
         </p:nvSpPr>
         <p:spPr>
           <a:xfrm>
-            <a:off x="922995" y="1252916"/>
+            <a:off x="922995" y="1413908"/>
             <a:ext cx="148448" cy="164955"/>
           </a:xfrm>
           <a:prstGeom prst="ellipse">
@@ -4692,7 +4692,7 @@
         </p:nvSpPr>
         <p:spPr>
           <a:xfrm>
-            <a:off x="1124877" y="1124901"/>
+            <a:off x="1124877" y="1285893"/>
             <a:ext cx="148448" cy="164955"/>
           </a:xfrm>
           <a:prstGeom prst="ellipse">
@@ -4730,7 +4730,7 @@
         </p:nvSpPr>
         <p:spPr>
           <a:xfrm>
-            <a:off x="1867785" y="878191"/>
+            <a:off x="1867785" y="1039183"/>
             <a:ext cx="148448" cy="164955"/>
           </a:xfrm>
           <a:prstGeom prst="ellipse">
@@ -4768,7 +4768,7 @@
         </p:nvSpPr>
         <p:spPr>
           <a:xfrm>
-            <a:off x="2020185" y="915126"/>
+            <a:off x="2020185" y="1076118"/>
             <a:ext cx="148448" cy="164955"/>
           </a:xfrm>
           <a:prstGeom prst="ellipse">
@@ -4806,7 +4806,7 @@
         </p:nvSpPr>
         <p:spPr>
           <a:xfrm>
-            <a:off x="2172585" y="836596"/>
+            <a:off x="2172585" y="997588"/>
             <a:ext cx="148448" cy="164955"/>
           </a:xfrm>
           <a:prstGeom prst="ellipse">
@@ -4844,7 +4844,7 @@
         </p:nvSpPr>
         <p:spPr>
           <a:xfrm>
-            <a:off x="2275503" y="1054976"/>
+            <a:off x="2275503" y="1215968"/>
             <a:ext cx="148448" cy="164955"/>
           </a:xfrm>
           <a:prstGeom prst="ellipse">
@@ -4882,7 +4882,7 @@
         </p:nvSpPr>
         <p:spPr>
           <a:xfrm>
-            <a:off x="2477385" y="926961"/>
+            <a:off x="2477385" y="1087953"/>
             <a:ext cx="148448" cy="164955"/>
           </a:xfrm>
           <a:prstGeom prst="ellipse">
@@ -4920,7 +4920,7 @@
         </p:nvSpPr>
         <p:spPr>
           <a:xfrm>
-            <a:off x="2020185" y="486256"/>
+            <a:off x="2020185" y="647248"/>
             <a:ext cx="148448" cy="164955"/>
           </a:xfrm>
           <a:prstGeom prst="ellipse">
@@ -4958,7 +4958,7 @@
         </p:nvSpPr>
         <p:spPr>
           <a:xfrm>
-            <a:off x="2172585" y="523191"/>
+            <a:off x="2172585" y="684183"/>
             <a:ext cx="148448" cy="164955"/>
           </a:xfrm>
           <a:prstGeom prst="ellipse">
@@ -4996,7 +4996,7 @@
         </p:nvSpPr>
         <p:spPr>
           <a:xfrm>
-            <a:off x="2324985" y="444661"/>
+            <a:off x="2324985" y="605653"/>
             <a:ext cx="148448" cy="164955"/>
           </a:xfrm>
           <a:prstGeom prst="ellipse">
@@ -5034,7 +5034,7 @@
         </p:nvSpPr>
         <p:spPr>
           <a:xfrm>
-            <a:off x="2427903" y="663041"/>
+            <a:off x="2427903" y="824033"/>
             <a:ext cx="148448" cy="164955"/>
           </a:xfrm>
           <a:prstGeom prst="ellipse">
@@ -5072,7 +5072,7 @@
         </p:nvSpPr>
         <p:spPr>
           <a:xfrm>
-            <a:off x="2629785" y="535026"/>
+            <a:off x="2629785" y="696018"/>
             <a:ext cx="148448" cy="164955"/>
           </a:xfrm>
           <a:prstGeom prst="ellipse">
@@ -5110,7 +5110,7 @@
         </p:nvSpPr>
         <p:spPr>
           <a:xfrm>
-            <a:off x="1805763" y="1146056"/>
+            <a:off x="1805763" y="1307048"/>
             <a:ext cx="148448" cy="164955"/>
           </a:xfrm>
           <a:prstGeom prst="ellipse">
@@ -5148,7 +5148,7 @@
         </p:nvSpPr>
         <p:spPr>
           <a:xfrm>
-            <a:off x="1958163" y="1182991"/>
+            <a:off x="1958163" y="1343983"/>
             <a:ext cx="148448" cy="164955"/>
           </a:xfrm>
           <a:prstGeom prst="ellipse">
@@ -5186,7 +5186,7 @@
         </p:nvSpPr>
         <p:spPr>
           <a:xfrm>
-            <a:off x="2110563" y="1104461"/>
+            <a:off x="2110563" y="1265453"/>
             <a:ext cx="148448" cy="164955"/>
           </a:xfrm>
           <a:prstGeom prst="ellipse">
@@ -5224,7 +5224,7 @@
         </p:nvSpPr>
         <p:spPr>
           <a:xfrm>
-            <a:off x="2213481" y="1322841"/>
+            <a:off x="2213481" y="1483833"/>
             <a:ext cx="148448" cy="164955"/>
           </a:xfrm>
           <a:prstGeom prst="ellipse">
@@ -5262,7 +5262,7 @@
         </p:nvSpPr>
         <p:spPr>
           <a:xfrm>
-            <a:off x="2415363" y="1194826"/>
+            <a:off x="2415363" y="1355818"/>
             <a:ext cx="148448" cy="164955"/>
           </a:xfrm>
           <a:prstGeom prst="ellipse">
@@ -5300,7 +5300,7 @@
         </p:nvSpPr>
         <p:spPr>
           <a:xfrm>
-            <a:off x="1376919" y="304811"/>
+            <a:off x="1376919" y="465803"/>
             <a:ext cx="148448" cy="164955"/>
           </a:xfrm>
           <a:prstGeom prst="ellipse">
@@ -5338,7 +5338,7 @@
         </p:nvSpPr>
         <p:spPr>
           <a:xfrm>
-            <a:off x="1529319" y="341746"/>
+            <a:off x="1529319" y="502738"/>
             <a:ext cx="148448" cy="164955"/>
           </a:xfrm>
           <a:prstGeom prst="ellipse">
@@ -5376,7 +5376,7 @@
         </p:nvSpPr>
         <p:spPr>
           <a:xfrm>
-            <a:off x="1681719" y="263216"/>
+            <a:off x="1681719" y="424208"/>
             <a:ext cx="148448" cy="164955"/>
           </a:xfrm>
           <a:prstGeom prst="ellipse">
@@ -5414,7 +5414,7 @@
         </p:nvSpPr>
         <p:spPr>
           <a:xfrm>
-            <a:off x="1784637" y="481596"/>
+            <a:off x="1784637" y="642588"/>
             <a:ext cx="148448" cy="164955"/>
           </a:xfrm>
           <a:prstGeom prst="ellipse">
@@ -5452,56 +5452,12 @@
         </p:nvSpPr>
         <p:spPr>
           <a:xfrm>
-            <a:off x="1986519" y="353581"/>
-            <a:ext cx="148448" cy="164955"/>
-          </a:xfrm>
-          <a:prstGeom prst="ellipse">
-            <a:avLst/>
-          </a:prstGeom>
-        </p:spPr>
-        <p:style>
-          <a:lnRef idx="1">
-            <a:schemeClr val="accent1"/>
-          </a:lnRef>
-          <a:fillRef idx="3">
-            <a:schemeClr val="accent1"/>
-          </a:fillRef>
-          <a:effectRef idx="2">
-            <a:schemeClr val="accent1"/>
-          </a:effectRef>
-          <a:fontRef idx="minor">
-            <a:schemeClr val="lt1"/>
-          </a:fontRef>
-        </p:style>
-        <p:txBody>
-          <a:bodyPr rtlCol="0" anchor="ctr"/>
-          <a:lstStyle/>
-          <a:p>
-            <a:pPr algn="ctr"/>
-            <a:endParaRPr lang="en-US"/>
-          </a:p>
-        </p:txBody>
-      </p:sp>
-      <p:sp>
-        <p:nvSpPr>
-          <p:cNvPr id="50" name="Oval 49"/>
-          <p:cNvSpPr/>
-          <p:nvPr/>
-        </p:nvSpPr>
-        <p:spPr>
-          <a:xfrm>
-            <a:off x="395862" y="362901"/>
-            <a:ext cx="2382371" cy="1054970"/>
-          </a:xfrm>
-          <a:prstGeom prst="ellipse">
-            <a:avLst/>
-          </a:prstGeom>
-          <a:noFill/>
-          <a:ln w="38100" cmpd="sng">
-            <a:solidFill>
-              <a:srgbClr val="FF0000"/>
-            </a:solidFill>
-          </a:ln>
+            <a:off x="1986519" y="514573"/>
+            <a:ext cx="148448" cy="164955"/>
+          </a:xfrm>
+          <a:prstGeom prst="ellipse">
+            <a:avLst/>
+          </a:prstGeom>
         </p:spPr>
         <p:style>
           <a:lnRef idx="1">
@@ -5604,7 +5560,7 @@
         </p:nvCxnSpPr>
         <p:spPr>
           <a:xfrm>
-            <a:off x="3628735" y="2655774"/>
+            <a:off x="3551941" y="2619929"/>
             <a:ext cx="1237069" cy="1616558"/>
           </a:xfrm>
           <a:prstGeom prst="line">
@@ -5814,8 +5770,8 @@
         </p:nvCxnSpPr>
         <p:spPr>
           <a:xfrm flipV="1">
-            <a:off x="1727929" y="4272333"/>
-            <a:ext cx="444656" cy="923747"/>
+            <a:off x="2315691" y="4579454"/>
+            <a:ext cx="292256" cy="582243"/>
           </a:xfrm>
           <a:prstGeom prst="line">
             <a:avLst/>
@@ -5849,8 +5805,8 @@
         </p:nvCxnSpPr>
         <p:spPr>
           <a:xfrm>
-            <a:off x="1718669" y="5196080"/>
-            <a:ext cx="2214883" cy="0"/>
+            <a:off x="2321033" y="5179584"/>
+            <a:ext cx="1612519" cy="16496"/>
           </a:xfrm>
           <a:prstGeom prst="line">
             <a:avLst/>
@@ -6031,14 +5987,14 @@
         </p:nvSpPr>
         <p:spPr>
           <a:xfrm rot="19287598">
-            <a:off x="4110971" y="1843469"/>
+            <a:off x="4279055" y="2086231"/>
             <a:ext cx="700778" cy="2382286"/>
           </a:xfrm>
           <a:prstGeom prst="ellipse">
             <a:avLst/>
           </a:prstGeom>
           <a:noFill/>
-          <a:ln>
+          <a:ln w="38100" cmpd="sng">
             <a:solidFill>
               <a:srgbClr val="008000"/>
             </a:solidFill>
@@ -6171,8 +6127,8 @@
         </p:nvSpPr>
         <p:spPr>
           <a:xfrm>
-            <a:off x="6612690" y="700454"/>
-            <a:ext cx="1964264" cy="1377978"/>
+            <a:off x="6612690" y="700453"/>
+            <a:ext cx="1964264" cy="1589273"/>
           </a:xfrm>
           <a:prstGeom prst="rect">
             <a:avLst/>
@@ -6221,7 +6177,7 @@
         <p:spPr>
           <a:xfrm>
             <a:off x="6612690" y="632719"/>
-            <a:ext cx="1591732" cy="1615827"/>
+            <a:ext cx="1591732" cy="1877437"/>
           </a:xfrm>
           <a:prstGeom prst="rect">
             <a:avLst/>
@@ -6275,6 +6231,36 @@
               </a:rPr>
               <a:t>Cov</a:t>
             </a:r>
+            <a:r>
+              <a:rPr lang="en-US" sz="1700" dirty="0" smtClean="0">
+                <a:latin typeface="Arial"/>
+                <a:cs typeface="Arial"/>
+              </a:rPr>
+              <a:t> A</a:t>
+            </a:r>
+          </a:p>
+          <a:p>
+            <a:r>
+              <a:rPr lang="en-US" sz="1700" dirty="0" smtClean="0">
+                <a:latin typeface="Arial"/>
+                <a:cs typeface="Arial"/>
+              </a:rPr>
+              <a:t>Desired </a:t>
+            </a:r>
+            <a:r>
+              <a:rPr lang="en-US" sz="1700" dirty="0" err="1" smtClean="0">
+                <a:latin typeface="Arial"/>
+                <a:cs typeface="Arial"/>
+              </a:rPr>
+              <a:t>Cov</a:t>
+            </a:r>
+            <a:r>
+              <a:rPr lang="en-US" sz="1700" dirty="0" smtClean="0">
+                <a:latin typeface="Arial"/>
+                <a:cs typeface="Arial"/>
+              </a:rPr>
+              <a:t> B</a:t>
+            </a:r>
             <a:endParaRPr lang="en-US" sz="1700" dirty="0" smtClean="0">
               <a:latin typeface="Arial"/>
               <a:cs typeface="Arial"/>
@@ -6288,10 +6274,6 @@
               </a:rPr>
               <a:t>Goal Regions</a:t>
             </a:r>
-            <a:endParaRPr lang="en-US" sz="1700" dirty="0" smtClean="0">
-              <a:latin typeface="Arial"/>
-              <a:cs typeface="Arial"/>
-            </a:endParaRPr>
           </a:p>
           <a:p>
             <a:endParaRPr lang="en-US" sz="1400" dirty="0">
@@ -6349,13 +6331,249 @@
       </p:sp>
       <p:sp>
         <p:nvSpPr>
-          <p:cNvPr id="97" name="Donut 96"/>
-          <p:cNvSpPr/>
-          <p:nvPr/>
-        </p:nvSpPr>
-        <p:spPr>
-          <a:xfrm>
-            <a:off x="1547133" y="756165"/>
+          <p:cNvPr id="98" name="Donut 97"/>
+          <p:cNvSpPr/>
+          <p:nvPr/>
+        </p:nvSpPr>
+        <p:spPr>
+          <a:xfrm>
+            <a:off x="8111281" y="1521087"/>
+            <a:ext cx="389467" cy="211666"/>
+          </a:xfrm>
+          <a:prstGeom prst="donut">
+            <a:avLst/>
+          </a:prstGeom>
+          <a:solidFill>
+            <a:srgbClr val="008000"/>
+          </a:solidFill>
+          <a:ln>
+            <a:noFill/>
+          </a:ln>
+        </p:spPr>
+        <p:style>
+          <a:lnRef idx="1">
+            <a:schemeClr val="accent1"/>
+          </a:lnRef>
+          <a:fillRef idx="3">
+            <a:schemeClr val="accent1"/>
+          </a:fillRef>
+          <a:effectRef idx="2">
+            <a:schemeClr val="accent1"/>
+          </a:effectRef>
+          <a:fontRef idx="minor">
+            <a:schemeClr val="lt1"/>
+          </a:fontRef>
+        </p:style>
+        <p:txBody>
+          <a:bodyPr rtlCol="0" anchor="ctr"/>
+          <a:lstStyle/>
+          <a:p>
+            <a:pPr algn="ctr"/>
+            <a:endParaRPr lang="en-US">
+              <a:solidFill>
+                <a:schemeClr val="tx1"/>
+              </a:solidFill>
+            </a:endParaRPr>
+          </a:p>
+        </p:txBody>
+      </p:sp>
+      <p:sp>
+        <p:nvSpPr>
+          <p:cNvPr id="99" name="Donut 98"/>
+          <p:cNvSpPr/>
+          <p:nvPr/>
+        </p:nvSpPr>
+        <p:spPr>
+          <a:xfrm>
+            <a:off x="8227523" y="2009725"/>
+            <a:ext cx="203199" cy="211666"/>
+          </a:xfrm>
+          <a:prstGeom prst="donut">
+            <a:avLst/>
+          </a:prstGeom>
+          <a:noFill/>
+          <a:ln>
+            <a:solidFill>
+              <a:srgbClr val="008000"/>
+            </a:solidFill>
+          </a:ln>
+        </p:spPr>
+        <p:style>
+          <a:lnRef idx="1">
+            <a:schemeClr val="accent1"/>
+          </a:lnRef>
+          <a:fillRef idx="3">
+            <a:schemeClr val="accent1"/>
+          </a:fillRef>
+          <a:effectRef idx="2">
+            <a:schemeClr val="accent1"/>
+          </a:effectRef>
+          <a:fontRef idx="minor">
+            <a:schemeClr val="lt1"/>
+          </a:fontRef>
+        </p:style>
+        <p:txBody>
+          <a:bodyPr rtlCol="0" anchor="ctr"/>
+          <a:lstStyle/>
+          <a:p>
+            <a:pPr algn="ctr"/>
+            <a:endParaRPr lang="en-US">
+              <a:solidFill>
+                <a:schemeClr val="tx1"/>
+              </a:solidFill>
+            </a:endParaRPr>
+          </a:p>
+        </p:txBody>
+      </p:sp>
+      <p:sp>
+        <p:nvSpPr>
+          <p:cNvPr id="71" name="Donut 70"/>
+          <p:cNvSpPr/>
+          <p:nvPr/>
+        </p:nvSpPr>
+        <p:spPr>
+          <a:xfrm>
+            <a:off x="8120593" y="1745039"/>
+            <a:ext cx="389467" cy="211666"/>
+          </a:xfrm>
+          <a:prstGeom prst="donut">
+            <a:avLst/>
+          </a:prstGeom>
+          <a:solidFill>
+            <a:schemeClr val="tx2">
+              <a:lumMod val="75000"/>
+            </a:schemeClr>
+          </a:solidFill>
+          <a:ln>
+            <a:solidFill>
+              <a:schemeClr val="tx2"/>
+            </a:solidFill>
+          </a:ln>
+        </p:spPr>
+        <p:style>
+          <a:lnRef idx="1">
+            <a:schemeClr val="accent1"/>
+          </a:lnRef>
+          <a:fillRef idx="3">
+            <a:schemeClr val="accent1"/>
+          </a:fillRef>
+          <a:effectRef idx="2">
+            <a:schemeClr val="accent1"/>
+          </a:effectRef>
+          <a:fontRef idx="minor">
+            <a:schemeClr val="lt1"/>
+          </a:fontRef>
+        </p:style>
+        <p:txBody>
+          <a:bodyPr rtlCol="0" anchor="ctr"/>
+          <a:lstStyle/>
+          <a:p>
+            <a:pPr algn="ctr"/>
+            <a:endParaRPr lang="en-US">
+              <a:solidFill>
+                <a:schemeClr val="tx1"/>
+              </a:solidFill>
+            </a:endParaRPr>
+          </a:p>
+        </p:txBody>
+      </p:sp>
+      <p:sp>
+        <p:nvSpPr>
+          <p:cNvPr id="73" name="Oval 72"/>
+          <p:cNvSpPr/>
+          <p:nvPr/>
+        </p:nvSpPr>
+        <p:spPr>
+          <a:xfrm rot="1494605">
+            <a:off x="1470320" y="3577732"/>
+            <a:ext cx="849088" cy="2566332"/>
+          </a:xfrm>
+          <a:prstGeom prst="ellipse">
+            <a:avLst/>
+          </a:prstGeom>
+          <a:noFill/>
+          <a:ln w="38100" cmpd="sng">
+            <a:solidFill>
+              <a:srgbClr val="1F497D"/>
+            </a:solidFill>
+          </a:ln>
+        </p:spPr>
+        <p:style>
+          <a:lnRef idx="1">
+            <a:schemeClr val="accent1"/>
+          </a:lnRef>
+          <a:fillRef idx="3">
+            <a:schemeClr val="accent1"/>
+          </a:fillRef>
+          <a:effectRef idx="2">
+            <a:schemeClr val="accent1"/>
+          </a:effectRef>
+          <a:fontRef idx="minor">
+            <a:schemeClr val="lt1"/>
+          </a:fontRef>
+        </p:style>
+        <p:txBody>
+          <a:bodyPr rtlCol="0" anchor="ctr"/>
+          <a:lstStyle/>
+          <a:p>
+            <a:pPr algn="ctr"/>
+            <a:endParaRPr lang="en-US"/>
+          </a:p>
+        </p:txBody>
+      </p:sp>
+      <p:sp>
+        <p:nvSpPr>
+          <p:cNvPr id="139" name="Oval 138"/>
+          <p:cNvSpPr/>
+          <p:nvPr/>
+        </p:nvSpPr>
+        <p:spPr>
+          <a:xfrm>
+            <a:off x="456980" y="496574"/>
+            <a:ext cx="2382371" cy="1054970"/>
+          </a:xfrm>
+          <a:prstGeom prst="ellipse">
+            <a:avLst/>
+          </a:prstGeom>
+          <a:noFill/>
+          <a:ln w="38100" cmpd="sng">
+            <a:solidFill>
+              <a:srgbClr val="FF0000"/>
+            </a:solidFill>
+          </a:ln>
+        </p:spPr>
+        <p:style>
+          <a:lnRef idx="1">
+            <a:schemeClr val="accent1"/>
+          </a:lnRef>
+          <a:fillRef idx="3">
+            <a:schemeClr val="accent1"/>
+          </a:fillRef>
+          <a:effectRef idx="2">
+            <a:schemeClr val="accent1"/>
+          </a:effectRef>
+          <a:fontRef idx="minor">
+            <a:schemeClr val="lt1"/>
+          </a:fontRef>
+        </p:style>
+        <p:txBody>
+          <a:bodyPr rtlCol="0" anchor="ctr"/>
+          <a:lstStyle/>
+          <a:p>
+            <a:pPr algn="ctr"/>
+            <a:endParaRPr lang="en-US"/>
+          </a:p>
+        </p:txBody>
+      </p:sp>
+      <p:sp>
+        <p:nvSpPr>
+          <p:cNvPr id="140" name="Donut 139"/>
+          <p:cNvSpPr/>
+          <p:nvPr/>
+        </p:nvSpPr>
+        <p:spPr>
+          <a:xfrm>
+            <a:off x="1608251" y="889838"/>
             <a:ext cx="203199" cy="211666"/>
           </a:xfrm>
           <a:prstGeom prst="donut">
@@ -6387,7 +6605,15 @@
           <a:lstStyle/>
           <a:p>
             <a:pPr algn="ctr"/>
-            <a:endParaRPr lang="en-US">
+            <a:r>
+              <a:rPr lang="en-US" dirty="0" smtClean="0">
+                <a:solidFill>
+                  <a:schemeClr val="tx1"/>
+                </a:solidFill>
+              </a:rPr>
+              <a:t> </a:t>
+            </a:r>
+            <a:endParaRPr lang="en-US" dirty="0">
               <a:solidFill>
                 <a:schemeClr val="tx1"/>
               </a:solidFill>
@@ -6397,20 +6623,3646 @@
       </p:sp>
       <p:sp>
         <p:nvSpPr>
-          <p:cNvPr id="98" name="Donut 97"/>
-          <p:cNvSpPr/>
-          <p:nvPr/>
-        </p:nvSpPr>
-        <p:spPr>
-          <a:xfrm>
-            <a:off x="8111281" y="1521087"/>
-            <a:ext cx="389467" cy="211666"/>
+          <p:cNvPr id="141" name="Oval 140"/>
+          <p:cNvSpPr/>
+          <p:nvPr/>
+        </p:nvSpPr>
+        <p:spPr>
+          <a:xfrm>
+            <a:off x="3939795" y="2224879"/>
+            <a:ext cx="148448" cy="164955"/>
+          </a:xfrm>
+          <a:prstGeom prst="ellipse">
+            <a:avLst/>
+          </a:prstGeom>
+        </p:spPr>
+        <p:style>
+          <a:lnRef idx="1">
+            <a:schemeClr val="accent1"/>
+          </a:lnRef>
+          <a:fillRef idx="3">
+            <a:schemeClr val="accent1"/>
+          </a:fillRef>
+          <a:effectRef idx="2">
+            <a:schemeClr val="accent1"/>
+          </a:effectRef>
+          <a:fontRef idx="minor">
+            <a:schemeClr val="lt1"/>
+          </a:fontRef>
+        </p:style>
+        <p:txBody>
+          <a:bodyPr rtlCol="0" anchor="ctr"/>
+          <a:lstStyle/>
+          <a:p>
+            <a:pPr algn="ctr"/>
+            <a:endParaRPr lang="en-US"/>
+          </a:p>
+        </p:txBody>
+      </p:sp>
+      <p:sp>
+        <p:nvSpPr>
+          <p:cNvPr id="142" name="Oval 141"/>
+          <p:cNvSpPr/>
+          <p:nvPr/>
+        </p:nvSpPr>
+        <p:spPr>
+          <a:xfrm>
+            <a:off x="4092195" y="2261814"/>
+            <a:ext cx="148448" cy="164955"/>
+          </a:xfrm>
+          <a:prstGeom prst="ellipse">
+            <a:avLst/>
+          </a:prstGeom>
+        </p:spPr>
+        <p:style>
+          <a:lnRef idx="1">
+            <a:schemeClr val="accent1"/>
+          </a:lnRef>
+          <a:fillRef idx="3">
+            <a:schemeClr val="accent1"/>
+          </a:fillRef>
+          <a:effectRef idx="2">
+            <a:schemeClr val="accent1"/>
+          </a:effectRef>
+          <a:fontRef idx="minor">
+            <a:schemeClr val="lt1"/>
+          </a:fontRef>
+        </p:style>
+        <p:txBody>
+          <a:bodyPr rtlCol="0" anchor="ctr"/>
+          <a:lstStyle/>
+          <a:p>
+            <a:pPr algn="ctr"/>
+            <a:endParaRPr lang="en-US"/>
+          </a:p>
+        </p:txBody>
+      </p:sp>
+      <p:sp>
+        <p:nvSpPr>
+          <p:cNvPr id="143" name="Oval 142"/>
+          <p:cNvSpPr/>
+          <p:nvPr/>
+        </p:nvSpPr>
+        <p:spPr>
+          <a:xfrm>
+            <a:off x="3744436" y="2292577"/>
+            <a:ext cx="148448" cy="164955"/>
+          </a:xfrm>
+          <a:prstGeom prst="ellipse">
+            <a:avLst/>
+          </a:prstGeom>
+        </p:spPr>
+        <p:style>
+          <a:lnRef idx="1">
+            <a:schemeClr val="accent1"/>
+          </a:lnRef>
+          <a:fillRef idx="3">
+            <a:schemeClr val="accent1"/>
+          </a:fillRef>
+          <a:effectRef idx="2">
+            <a:schemeClr val="accent1"/>
+          </a:effectRef>
+          <a:fontRef idx="minor">
+            <a:schemeClr val="lt1"/>
+          </a:fontRef>
+        </p:style>
+        <p:txBody>
+          <a:bodyPr rtlCol="0" anchor="ctr"/>
+          <a:lstStyle/>
+          <a:p>
+            <a:pPr algn="ctr"/>
+            <a:endParaRPr lang="en-US"/>
+          </a:p>
+        </p:txBody>
+      </p:sp>
+      <p:sp>
+        <p:nvSpPr>
+          <p:cNvPr id="144" name="Oval 143"/>
+          <p:cNvSpPr/>
+          <p:nvPr/>
+        </p:nvSpPr>
+        <p:spPr>
+          <a:xfrm>
+            <a:off x="4347513" y="2401664"/>
+            <a:ext cx="148448" cy="164955"/>
+          </a:xfrm>
+          <a:prstGeom prst="ellipse">
+            <a:avLst/>
+          </a:prstGeom>
+        </p:spPr>
+        <p:style>
+          <a:lnRef idx="1">
+            <a:schemeClr val="accent1"/>
+          </a:lnRef>
+          <a:fillRef idx="3">
+            <a:schemeClr val="accent1"/>
+          </a:fillRef>
+          <a:effectRef idx="2">
+            <a:schemeClr val="accent1"/>
+          </a:effectRef>
+          <a:fontRef idx="minor">
+            <a:schemeClr val="lt1"/>
+          </a:fontRef>
+        </p:style>
+        <p:txBody>
+          <a:bodyPr rtlCol="0" anchor="ctr"/>
+          <a:lstStyle/>
+          <a:p>
+            <a:pPr algn="ctr"/>
+            <a:endParaRPr lang="en-US"/>
+          </a:p>
+        </p:txBody>
+      </p:sp>
+      <p:sp>
+        <p:nvSpPr>
+          <p:cNvPr id="145" name="Oval 144"/>
+          <p:cNvSpPr/>
+          <p:nvPr/>
+        </p:nvSpPr>
+        <p:spPr>
+          <a:xfrm>
+            <a:off x="3828699" y="1899573"/>
+            <a:ext cx="148448" cy="164955"/>
+          </a:xfrm>
+          <a:prstGeom prst="ellipse">
+            <a:avLst/>
+          </a:prstGeom>
+        </p:spPr>
+        <p:style>
+          <a:lnRef idx="1">
+            <a:schemeClr val="accent1"/>
+          </a:lnRef>
+          <a:fillRef idx="3">
+            <a:schemeClr val="accent1"/>
+          </a:fillRef>
+          <a:effectRef idx="2">
+            <a:schemeClr val="accent1"/>
+          </a:effectRef>
+          <a:fontRef idx="minor">
+            <a:schemeClr val="lt1"/>
+          </a:fontRef>
+        </p:style>
+        <p:txBody>
+          <a:bodyPr rtlCol="0" anchor="ctr"/>
+          <a:lstStyle/>
+          <a:p>
+            <a:pPr algn="ctr"/>
+            <a:endParaRPr lang="en-US"/>
+          </a:p>
+        </p:txBody>
+      </p:sp>
+      <p:sp>
+        <p:nvSpPr>
+          <p:cNvPr id="146" name="Oval 145"/>
+          <p:cNvSpPr/>
+          <p:nvPr/>
+        </p:nvSpPr>
+        <p:spPr>
+          <a:xfrm>
+            <a:off x="3894267" y="2542229"/>
+            <a:ext cx="148448" cy="164955"/>
+          </a:xfrm>
+          <a:prstGeom prst="ellipse">
+            <a:avLst/>
+          </a:prstGeom>
+        </p:spPr>
+        <p:style>
+          <a:lnRef idx="1">
+            <a:schemeClr val="accent1"/>
+          </a:lnRef>
+          <a:fillRef idx="3">
+            <a:schemeClr val="accent1"/>
+          </a:fillRef>
+          <a:effectRef idx="2">
+            <a:schemeClr val="accent1"/>
+          </a:effectRef>
+          <a:fontRef idx="minor">
+            <a:schemeClr val="lt1"/>
+          </a:fontRef>
+        </p:style>
+        <p:txBody>
+          <a:bodyPr rtlCol="0" anchor="ctr"/>
+          <a:lstStyle/>
+          <a:p>
+            <a:pPr algn="ctr"/>
+            <a:endParaRPr lang="en-US"/>
+          </a:p>
+        </p:txBody>
+      </p:sp>
+      <p:sp>
+        <p:nvSpPr>
+          <p:cNvPr id="147" name="Oval 146"/>
+          <p:cNvSpPr/>
+          <p:nvPr/>
+        </p:nvSpPr>
+        <p:spPr>
+          <a:xfrm>
+            <a:off x="4046667" y="2579164"/>
+            <a:ext cx="148448" cy="164955"/>
+          </a:xfrm>
+          <a:prstGeom prst="ellipse">
+            <a:avLst/>
+          </a:prstGeom>
+        </p:spPr>
+        <p:style>
+          <a:lnRef idx="1">
+            <a:schemeClr val="accent1"/>
+          </a:lnRef>
+          <a:fillRef idx="3">
+            <a:schemeClr val="accent1"/>
+          </a:fillRef>
+          <a:effectRef idx="2">
+            <a:schemeClr val="accent1"/>
+          </a:effectRef>
+          <a:fontRef idx="minor">
+            <a:schemeClr val="lt1"/>
+          </a:fontRef>
+        </p:style>
+        <p:txBody>
+          <a:bodyPr rtlCol="0" anchor="ctr"/>
+          <a:lstStyle/>
+          <a:p>
+            <a:pPr algn="ctr"/>
+            <a:endParaRPr lang="en-US"/>
+          </a:p>
+        </p:txBody>
+      </p:sp>
+      <p:sp>
+        <p:nvSpPr>
+          <p:cNvPr id="148" name="Oval 147"/>
+          <p:cNvSpPr/>
+          <p:nvPr/>
+        </p:nvSpPr>
+        <p:spPr>
+          <a:xfrm>
+            <a:off x="4199067" y="2500634"/>
+            <a:ext cx="148448" cy="164955"/>
+          </a:xfrm>
+          <a:prstGeom prst="ellipse">
+            <a:avLst/>
+          </a:prstGeom>
+        </p:spPr>
+        <p:style>
+          <a:lnRef idx="1">
+            <a:schemeClr val="accent1"/>
+          </a:lnRef>
+          <a:fillRef idx="3">
+            <a:schemeClr val="accent1"/>
+          </a:fillRef>
+          <a:effectRef idx="2">
+            <a:schemeClr val="accent1"/>
+          </a:effectRef>
+          <a:fontRef idx="minor">
+            <a:schemeClr val="lt1"/>
+          </a:fontRef>
+        </p:style>
+        <p:txBody>
+          <a:bodyPr rtlCol="0" anchor="ctr"/>
+          <a:lstStyle/>
+          <a:p>
+            <a:pPr algn="ctr"/>
+            <a:endParaRPr lang="en-US"/>
+          </a:p>
+        </p:txBody>
+      </p:sp>
+      <p:sp>
+        <p:nvSpPr>
+          <p:cNvPr id="149" name="Oval 148"/>
+          <p:cNvSpPr/>
+          <p:nvPr/>
+        </p:nvSpPr>
+        <p:spPr>
+          <a:xfrm>
+            <a:off x="4301985" y="2719014"/>
+            <a:ext cx="148448" cy="164955"/>
+          </a:xfrm>
+          <a:prstGeom prst="ellipse">
+            <a:avLst/>
+          </a:prstGeom>
+        </p:spPr>
+        <p:style>
+          <a:lnRef idx="1">
+            <a:schemeClr val="accent1"/>
+          </a:lnRef>
+          <a:fillRef idx="3">
+            <a:schemeClr val="accent1"/>
+          </a:fillRef>
+          <a:effectRef idx="2">
+            <a:schemeClr val="accent1"/>
+          </a:effectRef>
+          <a:fontRef idx="minor">
+            <a:schemeClr val="lt1"/>
+          </a:fontRef>
+        </p:style>
+        <p:txBody>
+          <a:bodyPr rtlCol="0" anchor="ctr"/>
+          <a:lstStyle/>
+          <a:p>
+            <a:pPr algn="ctr"/>
+            <a:endParaRPr lang="en-US"/>
+          </a:p>
+        </p:txBody>
+      </p:sp>
+      <p:sp>
+        <p:nvSpPr>
+          <p:cNvPr id="150" name="Oval 149"/>
+          <p:cNvSpPr/>
+          <p:nvPr/>
+        </p:nvSpPr>
+        <p:spPr>
+          <a:xfrm>
+            <a:off x="4503867" y="2590999"/>
+            <a:ext cx="148448" cy="164955"/>
+          </a:xfrm>
+          <a:prstGeom prst="ellipse">
+            <a:avLst/>
+          </a:prstGeom>
+        </p:spPr>
+        <p:style>
+          <a:lnRef idx="1">
+            <a:schemeClr val="accent1"/>
+          </a:lnRef>
+          <a:fillRef idx="3">
+            <a:schemeClr val="accent1"/>
+          </a:fillRef>
+          <a:effectRef idx="2">
+            <a:schemeClr val="accent1"/>
+          </a:effectRef>
+          <a:fontRef idx="minor">
+            <a:schemeClr val="lt1"/>
+          </a:fontRef>
+        </p:style>
+        <p:txBody>
+          <a:bodyPr rtlCol="0" anchor="ctr"/>
+          <a:lstStyle/>
+          <a:p>
+            <a:pPr algn="ctr"/>
+            <a:endParaRPr lang="en-US"/>
+          </a:p>
+        </p:txBody>
+      </p:sp>
+      <p:sp>
+        <p:nvSpPr>
+          <p:cNvPr id="151" name="Oval 150"/>
+          <p:cNvSpPr/>
+          <p:nvPr/>
+        </p:nvSpPr>
+        <p:spPr>
+          <a:xfrm>
+            <a:off x="4331043" y="3230331"/>
+            <a:ext cx="148448" cy="164955"/>
+          </a:xfrm>
+          <a:prstGeom prst="ellipse">
+            <a:avLst/>
+          </a:prstGeom>
+        </p:spPr>
+        <p:style>
+          <a:lnRef idx="1">
+            <a:schemeClr val="accent1"/>
+          </a:lnRef>
+          <a:fillRef idx="3">
+            <a:schemeClr val="accent1"/>
+          </a:fillRef>
+          <a:effectRef idx="2">
+            <a:schemeClr val="accent1"/>
+          </a:effectRef>
+          <a:fontRef idx="minor">
+            <a:schemeClr val="lt1"/>
+          </a:fontRef>
+        </p:style>
+        <p:txBody>
+          <a:bodyPr rtlCol="0" anchor="ctr"/>
+          <a:lstStyle/>
+          <a:p>
+            <a:pPr algn="ctr"/>
+            <a:endParaRPr lang="en-US"/>
+          </a:p>
+        </p:txBody>
+      </p:sp>
+      <p:sp>
+        <p:nvSpPr>
+          <p:cNvPr id="152" name="Oval 151"/>
+          <p:cNvSpPr/>
+          <p:nvPr/>
+        </p:nvSpPr>
+        <p:spPr>
+          <a:xfrm>
+            <a:off x="4483443" y="3267266"/>
+            <a:ext cx="148448" cy="164955"/>
+          </a:xfrm>
+          <a:prstGeom prst="ellipse">
+            <a:avLst/>
+          </a:prstGeom>
+        </p:spPr>
+        <p:style>
+          <a:lnRef idx="1">
+            <a:schemeClr val="accent1"/>
+          </a:lnRef>
+          <a:fillRef idx="3">
+            <a:schemeClr val="accent1"/>
+          </a:fillRef>
+          <a:effectRef idx="2">
+            <a:schemeClr val="accent1"/>
+          </a:effectRef>
+          <a:fontRef idx="minor">
+            <a:schemeClr val="lt1"/>
+          </a:fontRef>
+        </p:style>
+        <p:txBody>
+          <a:bodyPr rtlCol="0" anchor="ctr"/>
+          <a:lstStyle/>
+          <a:p>
+            <a:pPr algn="ctr"/>
+            <a:endParaRPr lang="en-US"/>
+          </a:p>
+        </p:txBody>
+      </p:sp>
+      <p:sp>
+        <p:nvSpPr>
+          <p:cNvPr id="153" name="Oval 152"/>
+          <p:cNvSpPr/>
+          <p:nvPr/>
+        </p:nvSpPr>
+        <p:spPr>
+          <a:xfrm>
+            <a:off x="4635843" y="3188736"/>
+            <a:ext cx="148448" cy="164955"/>
+          </a:xfrm>
+          <a:prstGeom prst="ellipse">
+            <a:avLst/>
+          </a:prstGeom>
+        </p:spPr>
+        <p:style>
+          <a:lnRef idx="1">
+            <a:schemeClr val="accent1"/>
+          </a:lnRef>
+          <a:fillRef idx="3">
+            <a:schemeClr val="accent1"/>
+          </a:fillRef>
+          <a:effectRef idx="2">
+            <a:schemeClr val="accent1"/>
+          </a:effectRef>
+          <a:fontRef idx="minor">
+            <a:schemeClr val="lt1"/>
+          </a:fontRef>
+        </p:style>
+        <p:txBody>
+          <a:bodyPr rtlCol="0" anchor="ctr"/>
+          <a:lstStyle/>
+          <a:p>
+            <a:pPr algn="ctr"/>
+            <a:endParaRPr lang="en-US"/>
+          </a:p>
+        </p:txBody>
+      </p:sp>
+      <p:sp>
+        <p:nvSpPr>
+          <p:cNvPr id="154" name="Oval 153"/>
+          <p:cNvSpPr/>
+          <p:nvPr/>
+        </p:nvSpPr>
+        <p:spPr>
+          <a:xfrm>
+            <a:off x="4738761" y="3407116"/>
+            <a:ext cx="148448" cy="164955"/>
+          </a:xfrm>
+          <a:prstGeom prst="ellipse">
+            <a:avLst/>
+          </a:prstGeom>
+        </p:spPr>
+        <p:style>
+          <a:lnRef idx="1">
+            <a:schemeClr val="accent1"/>
+          </a:lnRef>
+          <a:fillRef idx="3">
+            <a:schemeClr val="accent1"/>
+          </a:fillRef>
+          <a:effectRef idx="2">
+            <a:schemeClr val="accent1"/>
+          </a:effectRef>
+          <a:fontRef idx="minor">
+            <a:schemeClr val="lt1"/>
+          </a:fontRef>
+        </p:style>
+        <p:txBody>
+          <a:bodyPr rtlCol="0" anchor="ctr"/>
+          <a:lstStyle/>
+          <a:p>
+            <a:pPr algn="ctr"/>
+            <a:endParaRPr lang="en-US"/>
+          </a:p>
+        </p:txBody>
+      </p:sp>
+      <p:sp>
+        <p:nvSpPr>
+          <p:cNvPr id="155" name="Oval 154"/>
+          <p:cNvSpPr/>
+          <p:nvPr/>
+        </p:nvSpPr>
+        <p:spPr>
+          <a:xfrm>
+            <a:off x="4904871" y="3762077"/>
+            <a:ext cx="148448" cy="164955"/>
+          </a:xfrm>
+          <a:prstGeom prst="ellipse">
+            <a:avLst/>
+          </a:prstGeom>
+        </p:spPr>
+        <p:style>
+          <a:lnRef idx="1">
+            <a:schemeClr val="accent1"/>
+          </a:lnRef>
+          <a:fillRef idx="3">
+            <a:schemeClr val="accent1"/>
+          </a:fillRef>
+          <a:effectRef idx="2">
+            <a:schemeClr val="accent1"/>
+          </a:effectRef>
+          <a:fontRef idx="minor">
+            <a:schemeClr val="lt1"/>
+          </a:fontRef>
+        </p:style>
+        <p:txBody>
+          <a:bodyPr rtlCol="0" anchor="ctr"/>
+          <a:lstStyle/>
+          <a:p>
+            <a:pPr algn="ctr"/>
+            <a:endParaRPr lang="en-US"/>
+          </a:p>
+        </p:txBody>
+      </p:sp>
+      <p:sp>
+        <p:nvSpPr>
+          <p:cNvPr id="156" name="Oval 155"/>
+          <p:cNvSpPr/>
+          <p:nvPr/>
+        </p:nvSpPr>
+        <p:spPr>
+          <a:xfrm>
+            <a:off x="4471557" y="2789654"/>
+            <a:ext cx="148448" cy="164955"/>
+          </a:xfrm>
+          <a:prstGeom prst="ellipse">
+            <a:avLst/>
+          </a:prstGeom>
+        </p:spPr>
+        <p:style>
+          <a:lnRef idx="1">
+            <a:schemeClr val="accent1"/>
+          </a:lnRef>
+          <a:fillRef idx="3">
+            <a:schemeClr val="accent1"/>
+          </a:fillRef>
+          <a:effectRef idx="2">
+            <a:schemeClr val="accent1"/>
+          </a:effectRef>
+          <a:fontRef idx="minor">
+            <a:schemeClr val="lt1"/>
+          </a:fontRef>
+        </p:style>
+        <p:txBody>
+          <a:bodyPr rtlCol="0" anchor="ctr"/>
+          <a:lstStyle/>
+          <a:p>
+            <a:pPr algn="ctr"/>
+            <a:endParaRPr lang="en-US"/>
+          </a:p>
+        </p:txBody>
+      </p:sp>
+      <p:sp>
+        <p:nvSpPr>
+          <p:cNvPr id="157" name="Oval 156"/>
+          <p:cNvSpPr/>
+          <p:nvPr/>
+        </p:nvSpPr>
+        <p:spPr>
+          <a:xfrm>
+            <a:off x="4623957" y="2826589"/>
+            <a:ext cx="148448" cy="164955"/>
+          </a:xfrm>
+          <a:prstGeom prst="ellipse">
+            <a:avLst/>
+          </a:prstGeom>
+        </p:spPr>
+        <p:style>
+          <a:lnRef idx="1">
+            <a:schemeClr val="accent1"/>
+          </a:lnRef>
+          <a:fillRef idx="3">
+            <a:schemeClr val="accent1"/>
+          </a:fillRef>
+          <a:effectRef idx="2">
+            <a:schemeClr val="accent1"/>
+          </a:effectRef>
+          <a:fontRef idx="minor">
+            <a:schemeClr val="lt1"/>
+          </a:fontRef>
+        </p:style>
+        <p:txBody>
+          <a:bodyPr rtlCol="0" anchor="ctr"/>
+          <a:lstStyle/>
+          <a:p>
+            <a:pPr algn="ctr"/>
+            <a:endParaRPr lang="en-US"/>
+          </a:p>
+        </p:txBody>
+      </p:sp>
+      <p:sp>
+        <p:nvSpPr>
+          <p:cNvPr id="158" name="Oval 157"/>
+          <p:cNvSpPr/>
+          <p:nvPr/>
+        </p:nvSpPr>
+        <p:spPr>
+          <a:xfrm>
+            <a:off x="4454409" y="3535131"/>
+            <a:ext cx="148448" cy="164955"/>
+          </a:xfrm>
+          <a:prstGeom prst="ellipse">
+            <a:avLst/>
+          </a:prstGeom>
+        </p:spPr>
+        <p:style>
+          <a:lnRef idx="1">
+            <a:schemeClr val="accent1"/>
+          </a:lnRef>
+          <a:fillRef idx="3">
+            <a:schemeClr val="accent1"/>
+          </a:fillRef>
+          <a:effectRef idx="2">
+            <a:schemeClr val="accent1"/>
+          </a:effectRef>
+          <a:fontRef idx="minor">
+            <a:schemeClr val="lt1"/>
+          </a:fontRef>
+        </p:style>
+        <p:txBody>
+          <a:bodyPr rtlCol="0" anchor="ctr"/>
+          <a:lstStyle/>
+          <a:p>
+            <a:pPr algn="ctr"/>
+            <a:endParaRPr lang="en-US"/>
+          </a:p>
+        </p:txBody>
+      </p:sp>
+      <p:sp>
+        <p:nvSpPr>
+          <p:cNvPr id="159" name="Oval 158"/>
+          <p:cNvSpPr/>
+          <p:nvPr/>
+        </p:nvSpPr>
+        <p:spPr>
+          <a:xfrm>
+            <a:off x="4651466" y="3753511"/>
+            <a:ext cx="148448" cy="164955"/>
+          </a:xfrm>
+          <a:prstGeom prst="ellipse">
+            <a:avLst/>
+          </a:prstGeom>
+        </p:spPr>
+        <p:style>
+          <a:lnRef idx="1">
+            <a:schemeClr val="accent1"/>
+          </a:lnRef>
+          <a:fillRef idx="3">
+            <a:schemeClr val="accent1"/>
+          </a:fillRef>
+          <a:effectRef idx="2">
+            <a:schemeClr val="accent1"/>
+          </a:effectRef>
+          <a:fontRef idx="minor">
+            <a:schemeClr val="lt1"/>
+          </a:fontRef>
+        </p:style>
+        <p:txBody>
+          <a:bodyPr rtlCol="0" anchor="ctr"/>
+          <a:lstStyle/>
+          <a:p>
+            <a:pPr algn="ctr"/>
+            <a:endParaRPr lang="en-US"/>
+          </a:p>
+        </p:txBody>
+      </p:sp>
+      <p:sp>
+        <p:nvSpPr>
+          <p:cNvPr id="160" name="Oval 159"/>
+          <p:cNvSpPr/>
+          <p:nvPr/>
+        </p:nvSpPr>
+        <p:spPr>
+          <a:xfrm>
+            <a:off x="4759209" y="3625496"/>
+            <a:ext cx="148448" cy="164955"/>
+          </a:xfrm>
+          <a:prstGeom prst="ellipse">
+            <a:avLst/>
+          </a:prstGeom>
+        </p:spPr>
+        <p:style>
+          <a:lnRef idx="1">
+            <a:schemeClr val="accent1"/>
+          </a:lnRef>
+          <a:fillRef idx="3">
+            <a:schemeClr val="accent1"/>
+          </a:fillRef>
+          <a:effectRef idx="2">
+            <a:schemeClr val="accent1"/>
+          </a:effectRef>
+          <a:fontRef idx="minor">
+            <a:schemeClr val="lt1"/>
+          </a:fontRef>
+        </p:style>
+        <p:txBody>
+          <a:bodyPr rtlCol="0" anchor="ctr"/>
+          <a:lstStyle/>
+          <a:p>
+            <a:pPr algn="ctr"/>
+            <a:endParaRPr lang="en-US"/>
+          </a:p>
+        </p:txBody>
+      </p:sp>
+      <p:sp>
+        <p:nvSpPr>
+          <p:cNvPr id="161" name="Oval 160"/>
+          <p:cNvSpPr/>
+          <p:nvPr/>
+        </p:nvSpPr>
+        <p:spPr>
+          <a:xfrm>
+            <a:off x="3951043" y="2741496"/>
+            <a:ext cx="148448" cy="164955"/>
+          </a:xfrm>
+          <a:prstGeom prst="ellipse">
+            <a:avLst/>
+          </a:prstGeom>
+        </p:spPr>
+        <p:style>
+          <a:lnRef idx="1">
+            <a:schemeClr val="accent1"/>
+          </a:lnRef>
+          <a:fillRef idx="3">
+            <a:schemeClr val="accent1"/>
+          </a:fillRef>
+          <a:effectRef idx="2">
+            <a:schemeClr val="accent1"/>
+          </a:effectRef>
+          <a:fontRef idx="minor">
+            <a:schemeClr val="lt1"/>
+          </a:fontRef>
+        </p:style>
+        <p:txBody>
+          <a:bodyPr rtlCol="0" anchor="ctr"/>
+          <a:lstStyle/>
+          <a:p>
+            <a:pPr algn="ctr"/>
+            <a:endParaRPr lang="en-US"/>
+          </a:p>
+        </p:txBody>
+      </p:sp>
+      <p:sp>
+        <p:nvSpPr>
+          <p:cNvPr id="162" name="Oval 161"/>
+          <p:cNvSpPr/>
+          <p:nvPr/>
+        </p:nvSpPr>
+        <p:spPr>
+          <a:xfrm>
+            <a:off x="4046667" y="2975044"/>
+            <a:ext cx="148448" cy="164955"/>
+          </a:xfrm>
+          <a:prstGeom prst="ellipse">
+            <a:avLst/>
+          </a:prstGeom>
+        </p:spPr>
+        <p:style>
+          <a:lnRef idx="1">
+            <a:schemeClr val="accent1"/>
+          </a:lnRef>
+          <a:fillRef idx="3">
+            <a:schemeClr val="accent1"/>
+          </a:fillRef>
+          <a:effectRef idx="2">
+            <a:schemeClr val="accent1"/>
+          </a:effectRef>
+          <a:fontRef idx="minor">
+            <a:schemeClr val="lt1"/>
+          </a:fontRef>
+        </p:style>
+        <p:txBody>
+          <a:bodyPr rtlCol="0" anchor="ctr"/>
+          <a:lstStyle/>
+          <a:p>
+            <a:pPr algn="ctr"/>
+            <a:endParaRPr lang="en-US"/>
+          </a:p>
+        </p:txBody>
+      </p:sp>
+      <p:sp>
+        <p:nvSpPr>
+          <p:cNvPr id="163" name="Oval 162"/>
+          <p:cNvSpPr/>
+          <p:nvPr/>
+        </p:nvSpPr>
+        <p:spPr>
+          <a:xfrm>
+            <a:off x="4199067" y="2896514"/>
+            <a:ext cx="148448" cy="164955"/>
+          </a:xfrm>
+          <a:prstGeom prst="ellipse">
+            <a:avLst/>
+          </a:prstGeom>
+        </p:spPr>
+        <p:style>
+          <a:lnRef idx="1">
+            <a:schemeClr val="accent1"/>
+          </a:lnRef>
+          <a:fillRef idx="3">
+            <a:schemeClr val="accent1"/>
+          </a:fillRef>
+          <a:effectRef idx="2">
+            <a:schemeClr val="accent1"/>
+          </a:effectRef>
+          <a:fontRef idx="minor">
+            <a:schemeClr val="lt1"/>
+          </a:fontRef>
+        </p:style>
+        <p:txBody>
+          <a:bodyPr rtlCol="0" anchor="ctr"/>
+          <a:lstStyle/>
+          <a:p>
+            <a:pPr algn="ctr"/>
+            <a:endParaRPr lang="en-US"/>
+          </a:p>
+        </p:txBody>
+      </p:sp>
+      <p:sp>
+        <p:nvSpPr>
+          <p:cNvPr id="164" name="Oval 163"/>
+          <p:cNvSpPr/>
+          <p:nvPr/>
+        </p:nvSpPr>
+        <p:spPr>
+          <a:xfrm>
+            <a:off x="4301985" y="3114894"/>
+            <a:ext cx="148448" cy="164955"/>
+          </a:xfrm>
+          <a:prstGeom prst="ellipse">
+            <a:avLst/>
+          </a:prstGeom>
+        </p:spPr>
+        <p:style>
+          <a:lnRef idx="1">
+            <a:schemeClr val="accent1"/>
+          </a:lnRef>
+          <a:fillRef idx="3">
+            <a:schemeClr val="accent1"/>
+          </a:fillRef>
+          <a:effectRef idx="2">
+            <a:schemeClr val="accent1"/>
+          </a:effectRef>
+          <a:fontRef idx="minor">
+            <a:schemeClr val="lt1"/>
+          </a:fontRef>
+        </p:style>
+        <p:txBody>
+          <a:bodyPr rtlCol="0" anchor="ctr"/>
+          <a:lstStyle/>
+          <a:p>
+            <a:pPr algn="ctr"/>
+            <a:endParaRPr lang="en-US"/>
+          </a:p>
+        </p:txBody>
+      </p:sp>
+      <p:sp>
+        <p:nvSpPr>
+          <p:cNvPr id="165" name="Oval 164"/>
+          <p:cNvSpPr/>
+          <p:nvPr/>
+        </p:nvSpPr>
+        <p:spPr>
+          <a:xfrm>
+            <a:off x="4503867" y="2986879"/>
+            <a:ext cx="148448" cy="164955"/>
+          </a:xfrm>
+          <a:prstGeom prst="ellipse">
+            <a:avLst/>
+          </a:prstGeom>
+        </p:spPr>
+        <p:style>
+          <a:lnRef idx="1">
+            <a:schemeClr val="accent1"/>
+          </a:lnRef>
+          <a:fillRef idx="3">
+            <a:schemeClr val="accent1"/>
+          </a:fillRef>
+          <a:effectRef idx="2">
+            <a:schemeClr val="accent1"/>
+          </a:effectRef>
+          <a:fontRef idx="minor">
+            <a:schemeClr val="lt1"/>
+          </a:fontRef>
+        </p:style>
+        <p:txBody>
+          <a:bodyPr rtlCol="0" anchor="ctr"/>
+          <a:lstStyle/>
+          <a:p>
+            <a:pPr algn="ctr"/>
+            <a:endParaRPr lang="en-US"/>
+          </a:p>
+        </p:txBody>
+      </p:sp>
+      <p:sp>
+        <p:nvSpPr>
+          <p:cNvPr id="166" name="Oval 165"/>
+          <p:cNvSpPr/>
+          <p:nvPr/>
+        </p:nvSpPr>
+        <p:spPr>
+          <a:xfrm>
+            <a:off x="4889055" y="4010217"/>
+            <a:ext cx="148448" cy="164955"/>
+          </a:xfrm>
+          <a:prstGeom prst="ellipse">
+            <a:avLst/>
+          </a:prstGeom>
+        </p:spPr>
+        <p:style>
+          <a:lnRef idx="1">
+            <a:schemeClr val="accent1"/>
+          </a:lnRef>
+          <a:fillRef idx="3">
+            <a:schemeClr val="accent1"/>
+          </a:fillRef>
+          <a:effectRef idx="2">
+            <a:schemeClr val="accent1"/>
+          </a:effectRef>
+          <a:fontRef idx="minor">
+            <a:schemeClr val="lt1"/>
+          </a:fontRef>
+        </p:style>
+        <p:txBody>
+          <a:bodyPr rtlCol="0" anchor="ctr"/>
+          <a:lstStyle/>
+          <a:p>
+            <a:pPr algn="ctr"/>
+            <a:endParaRPr lang="en-US"/>
+          </a:p>
+        </p:txBody>
+      </p:sp>
+      <p:sp>
+        <p:nvSpPr>
+          <p:cNvPr id="167" name="Oval 166"/>
+          <p:cNvSpPr/>
+          <p:nvPr/>
+        </p:nvSpPr>
+        <p:spPr>
+          <a:xfrm>
+            <a:off x="5041455" y="4047152"/>
+            <a:ext cx="148448" cy="164955"/>
+          </a:xfrm>
+          <a:prstGeom prst="ellipse">
+            <a:avLst/>
+          </a:prstGeom>
+        </p:spPr>
+        <p:style>
+          <a:lnRef idx="1">
+            <a:schemeClr val="accent1"/>
+          </a:lnRef>
+          <a:fillRef idx="3">
+            <a:schemeClr val="accent1"/>
+          </a:fillRef>
+          <a:effectRef idx="2">
+            <a:schemeClr val="accent1"/>
+          </a:effectRef>
+          <a:fontRef idx="minor">
+            <a:schemeClr val="lt1"/>
+          </a:fontRef>
+        </p:style>
+        <p:txBody>
+          <a:bodyPr rtlCol="0" anchor="ctr"/>
+          <a:lstStyle/>
+          <a:p>
+            <a:pPr algn="ctr"/>
+            <a:endParaRPr lang="en-US"/>
+          </a:p>
+        </p:txBody>
+      </p:sp>
+      <p:sp>
+        <p:nvSpPr>
+          <p:cNvPr id="168" name="Oval 167"/>
+          <p:cNvSpPr/>
+          <p:nvPr/>
+        </p:nvSpPr>
+        <p:spPr>
+          <a:xfrm>
+            <a:off x="5193855" y="3968622"/>
+            <a:ext cx="148448" cy="164955"/>
+          </a:xfrm>
+          <a:prstGeom prst="ellipse">
+            <a:avLst/>
+          </a:prstGeom>
+        </p:spPr>
+        <p:style>
+          <a:lnRef idx="1">
+            <a:schemeClr val="accent1"/>
+          </a:lnRef>
+          <a:fillRef idx="3">
+            <a:schemeClr val="accent1"/>
+          </a:fillRef>
+          <a:effectRef idx="2">
+            <a:schemeClr val="accent1"/>
+          </a:effectRef>
+          <a:fontRef idx="minor">
+            <a:schemeClr val="lt1"/>
+          </a:fontRef>
+        </p:style>
+        <p:txBody>
+          <a:bodyPr rtlCol="0" anchor="ctr"/>
+          <a:lstStyle/>
+          <a:p>
+            <a:pPr algn="ctr"/>
+            <a:endParaRPr lang="en-US"/>
+          </a:p>
+        </p:txBody>
+      </p:sp>
+      <p:sp>
+        <p:nvSpPr>
+          <p:cNvPr id="169" name="Oval 168"/>
+          <p:cNvSpPr/>
+          <p:nvPr/>
+        </p:nvSpPr>
+        <p:spPr>
+          <a:xfrm>
+            <a:off x="5296773" y="4187002"/>
+            <a:ext cx="148448" cy="164955"/>
+          </a:xfrm>
+          <a:prstGeom prst="ellipse">
+            <a:avLst/>
+          </a:prstGeom>
+        </p:spPr>
+        <p:style>
+          <a:lnRef idx="1">
+            <a:schemeClr val="accent1"/>
+          </a:lnRef>
+          <a:fillRef idx="3">
+            <a:schemeClr val="accent1"/>
+          </a:fillRef>
+          <a:effectRef idx="2">
+            <a:schemeClr val="accent1"/>
+          </a:effectRef>
+          <a:fontRef idx="minor">
+            <a:schemeClr val="lt1"/>
+          </a:fontRef>
+        </p:style>
+        <p:txBody>
+          <a:bodyPr rtlCol="0" anchor="ctr"/>
+          <a:lstStyle/>
+          <a:p>
+            <a:pPr algn="ctr"/>
+            <a:endParaRPr lang="en-US"/>
+          </a:p>
+        </p:txBody>
+      </p:sp>
+      <p:sp>
+        <p:nvSpPr>
+          <p:cNvPr id="170" name="Oval 169"/>
+          <p:cNvSpPr/>
+          <p:nvPr/>
+        </p:nvSpPr>
+        <p:spPr>
+          <a:xfrm>
+            <a:off x="5498655" y="4058987"/>
+            <a:ext cx="148448" cy="164955"/>
+          </a:xfrm>
+          <a:prstGeom prst="ellipse">
+            <a:avLst/>
+          </a:prstGeom>
+        </p:spPr>
+        <p:style>
+          <a:lnRef idx="1">
+            <a:schemeClr val="accent1"/>
+          </a:lnRef>
+          <a:fillRef idx="3">
+            <a:schemeClr val="accent1"/>
+          </a:fillRef>
+          <a:effectRef idx="2">
+            <a:schemeClr val="accent1"/>
+          </a:effectRef>
+          <a:fontRef idx="minor">
+            <a:schemeClr val="lt1"/>
+          </a:fontRef>
+        </p:style>
+        <p:txBody>
+          <a:bodyPr rtlCol="0" anchor="ctr"/>
+          <a:lstStyle/>
+          <a:p>
+            <a:pPr algn="ctr"/>
+            <a:endParaRPr lang="en-US"/>
+          </a:p>
+        </p:txBody>
+      </p:sp>
+      <p:sp>
+        <p:nvSpPr>
+          <p:cNvPr id="171" name="Oval 170"/>
+          <p:cNvSpPr/>
+          <p:nvPr/>
+        </p:nvSpPr>
+        <p:spPr>
+          <a:xfrm>
+            <a:off x="5041455" y="3618282"/>
+            <a:ext cx="148448" cy="164955"/>
+          </a:xfrm>
+          <a:prstGeom prst="ellipse">
+            <a:avLst/>
+          </a:prstGeom>
+        </p:spPr>
+        <p:style>
+          <a:lnRef idx="1">
+            <a:schemeClr val="accent1"/>
+          </a:lnRef>
+          <a:fillRef idx="3">
+            <a:schemeClr val="accent1"/>
+          </a:fillRef>
+          <a:effectRef idx="2">
+            <a:schemeClr val="accent1"/>
+          </a:effectRef>
+          <a:fontRef idx="minor">
+            <a:schemeClr val="lt1"/>
+          </a:fontRef>
+        </p:style>
+        <p:txBody>
+          <a:bodyPr rtlCol="0" anchor="ctr"/>
+          <a:lstStyle/>
+          <a:p>
+            <a:pPr algn="ctr"/>
+            <a:endParaRPr lang="en-US"/>
+          </a:p>
+        </p:txBody>
+      </p:sp>
+      <p:sp>
+        <p:nvSpPr>
+          <p:cNvPr id="172" name="Oval 171"/>
+          <p:cNvSpPr/>
+          <p:nvPr/>
+        </p:nvSpPr>
+        <p:spPr>
+          <a:xfrm>
+            <a:off x="5193855" y="3655217"/>
+            <a:ext cx="148448" cy="164955"/>
+          </a:xfrm>
+          <a:prstGeom prst="ellipse">
+            <a:avLst/>
+          </a:prstGeom>
+        </p:spPr>
+        <p:style>
+          <a:lnRef idx="1">
+            <a:schemeClr val="accent1"/>
+          </a:lnRef>
+          <a:fillRef idx="3">
+            <a:schemeClr val="accent1"/>
+          </a:fillRef>
+          <a:effectRef idx="2">
+            <a:schemeClr val="accent1"/>
+          </a:effectRef>
+          <a:fontRef idx="minor">
+            <a:schemeClr val="lt1"/>
+          </a:fontRef>
+        </p:style>
+        <p:txBody>
+          <a:bodyPr rtlCol="0" anchor="ctr"/>
+          <a:lstStyle/>
+          <a:p>
+            <a:pPr algn="ctr"/>
+            <a:endParaRPr lang="en-US"/>
+          </a:p>
+        </p:txBody>
+      </p:sp>
+      <p:sp>
+        <p:nvSpPr>
+          <p:cNvPr id="173" name="Oval 172"/>
+          <p:cNvSpPr/>
+          <p:nvPr/>
+        </p:nvSpPr>
+        <p:spPr>
+          <a:xfrm>
+            <a:off x="5033888" y="3324638"/>
+            <a:ext cx="148448" cy="164955"/>
+          </a:xfrm>
+          <a:prstGeom prst="ellipse">
+            <a:avLst/>
+          </a:prstGeom>
+        </p:spPr>
+        <p:style>
+          <a:lnRef idx="1">
+            <a:schemeClr val="accent1"/>
+          </a:lnRef>
+          <a:fillRef idx="3">
+            <a:schemeClr val="accent1"/>
+          </a:fillRef>
+          <a:effectRef idx="2">
+            <a:schemeClr val="accent1"/>
+          </a:effectRef>
+          <a:fontRef idx="minor">
+            <a:schemeClr val="lt1"/>
+          </a:fontRef>
+        </p:style>
+        <p:txBody>
+          <a:bodyPr rtlCol="0" anchor="ctr"/>
+          <a:lstStyle/>
+          <a:p>
+            <a:pPr algn="ctr"/>
+            <a:endParaRPr lang="en-US"/>
+          </a:p>
+        </p:txBody>
+      </p:sp>
+      <p:sp>
+        <p:nvSpPr>
+          <p:cNvPr id="174" name="Oval 173"/>
+          <p:cNvSpPr/>
+          <p:nvPr/>
+        </p:nvSpPr>
+        <p:spPr>
+          <a:xfrm>
+            <a:off x="5301395" y="4574494"/>
+            <a:ext cx="148448" cy="164955"/>
+          </a:xfrm>
+          <a:prstGeom prst="ellipse">
+            <a:avLst/>
+          </a:prstGeom>
+        </p:spPr>
+        <p:style>
+          <a:lnRef idx="1">
+            <a:schemeClr val="accent1"/>
+          </a:lnRef>
+          <a:fillRef idx="3">
+            <a:schemeClr val="accent1"/>
+          </a:fillRef>
+          <a:effectRef idx="2">
+            <a:schemeClr val="accent1"/>
+          </a:effectRef>
+          <a:fontRef idx="minor">
+            <a:schemeClr val="lt1"/>
+          </a:fontRef>
+        </p:style>
+        <p:txBody>
+          <a:bodyPr rtlCol="0" anchor="ctr"/>
+          <a:lstStyle/>
+          <a:p>
+            <a:pPr algn="ctr"/>
+            <a:endParaRPr lang="en-US"/>
+          </a:p>
+        </p:txBody>
+      </p:sp>
+      <p:sp>
+        <p:nvSpPr>
+          <p:cNvPr id="175" name="Oval 174"/>
+          <p:cNvSpPr/>
+          <p:nvPr/>
+        </p:nvSpPr>
+        <p:spPr>
+          <a:xfrm>
+            <a:off x="5429537" y="4514864"/>
+            <a:ext cx="148448" cy="164955"/>
+          </a:xfrm>
+          <a:prstGeom prst="ellipse">
+            <a:avLst/>
+          </a:prstGeom>
+        </p:spPr>
+        <p:style>
+          <a:lnRef idx="1">
+            <a:schemeClr val="accent1"/>
+          </a:lnRef>
+          <a:fillRef idx="3">
+            <a:schemeClr val="accent1"/>
+          </a:fillRef>
+          <a:effectRef idx="2">
+            <a:schemeClr val="accent1"/>
+          </a:effectRef>
+          <a:fontRef idx="minor">
+            <a:schemeClr val="lt1"/>
+          </a:fontRef>
+        </p:style>
+        <p:txBody>
+          <a:bodyPr rtlCol="0" anchor="ctr"/>
+          <a:lstStyle/>
+          <a:p>
+            <a:pPr algn="ctr"/>
+            <a:endParaRPr lang="en-US"/>
+          </a:p>
+        </p:txBody>
+      </p:sp>
+      <p:sp>
+        <p:nvSpPr>
+          <p:cNvPr id="176" name="Oval 175"/>
+          <p:cNvSpPr/>
+          <p:nvPr/>
+        </p:nvSpPr>
+        <p:spPr>
+          <a:xfrm>
+            <a:off x="3539000" y="2559140"/>
+            <a:ext cx="148448" cy="164955"/>
+          </a:xfrm>
+          <a:prstGeom prst="ellipse">
+            <a:avLst/>
+          </a:prstGeom>
+        </p:spPr>
+        <p:style>
+          <a:lnRef idx="1">
+            <a:schemeClr val="accent1"/>
+          </a:lnRef>
+          <a:fillRef idx="3">
+            <a:schemeClr val="accent1"/>
+          </a:fillRef>
+          <a:effectRef idx="2">
+            <a:schemeClr val="accent1"/>
+          </a:effectRef>
+          <a:fontRef idx="minor">
+            <a:schemeClr val="lt1"/>
+          </a:fontRef>
+        </p:style>
+        <p:txBody>
+          <a:bodyPr rtlCol="0" anchor="ctr"/>
+          <a:lstStyle/>
+          <a:p>
+            <a:pPr algn="ctr"/>
+            <a:endParaRPr lang="en-US"/>
+          </a:p>
+        </p:txBody>
+      </p:sp>
+      <p:sp>
+        <p:nvSpPr>
+          <p:cNvPr id="177" name="Oval 176"/>
+          <p:cNvSpPr/>
+          <p:nvPr/>
+        </p:nvSpPr>
+        <p:spPr>
+          <a:xfrm>
+            <a:off x="5649576" y="4515094"/>
+            <a:ext cx="148448" cy="164955"/>
+          </a:xfrm>
+          <a:prstGeom prst="ellipse">
+            <a:avLst/>
+          </a:prstGeom>
+        </p:spPr>
+        <p:style>
+          <a:lnRef idx="1">
+            <a:schemeClr val="accent1"/>
+          </a:lnRef>
+          <a:fillRef idx="3">
+            <a:schemeClr val="accent1"/>
+          </a:fillRef>
+          <a:effectRef idx="2">
+            <a:schemeClr val="accent1"/>
+          </a:effectRef>
+          <a:fontRef idx="minor">
+            <a:schemeClr val="lt1"/>
+          </a:fontRef>
+        </p:style>
+        <p:txBody>
+          <a:bodyPr rtlCol="0" anchor="ctr"/>
+          <a:lstStyle/>
+          <a:p>
+            <a:pPr algn="ctr"/>
+            <a:endParaRPr lang="en-US"/>
+          </a:p>
+        </p:txBody>
+      </p:sp>
+      <p:sp>
+        <p:nvSpPr>
+          <p:cNvPr id="178" name="Oval 177"/>
+          <p:cNvSpPr/>
+          <p:nvPr/>
+        </p:nvSpPr>
+        <p:spPr>
+          <a:xfrm>
+            <a:off x="5131833" y="4236487"/>
+            <a:ext cx="148448" cy="164955"/>
+          </a:xfrm>
+          <a:prstGeom prst="ellipse">
+            <a:avLst/>
+          </a:prstGeom>
+        </p:spPr>
+        <p:style>
+          <a:lnRef idx="1">
+            <a:schemeClr val="accent1"/>
+          </a:lnRef>
+          <a:fillRef idx="3">
+            <a:schemeClr val="accent1"/>
+          </a:fillRef>
+          <a:effectRef idx="2">
+            <a:schemeClr val="accent1"/>
+          </a:effectRef>
+          <a:fontRef idx="minor">
+            <a:schemeClr val="lt1"/>
+          </a:fontRef>
+        </p:style>
+        <p:txBody>
+          <a:bodyPr rtlCol="0" anchor="ctr"/>
+          <a:lstStyle/>
+          <a:p>
+            <a:pPr algn="ctr"/>
+            <a:endParaRPr lang="en-US"/>
+          </a:p>
+        </p:txBody>
+      </p:sp>
+      <p:sp>
+        <p:nvSpPr>
+          <p:cNvPr id="179" name="Oval 178"/>
+          <p:cNvSpPr/>
+          <p:nvPr/>
+        </p:nvSpPr>
+        <p:spPr>
+          <a:xfrm>
+            <a:off x="5270523" y="3971891"/>
+            <a:ext cx="148448" cy="164955"/>
+          </a:xfrm>
+          <a:prstGeom prst="ellipse">
+            <a:avLst/>
+          </a:prstGeom>
+        </p:spPr>
+        <p:style>
+          <a:lnRef idx="1">
+            <a:schemeClr val="accent1"/>
+          </a:lnRef>
+          <a:fillRef idx="3">
+            <a:schemeClr val="accent1"/>
+          </a:fillRef>
+          <a:effectRef idx="2">
+            <a:schemeClr val="accent1"/>
+          </a:effectRef>
+          <a:fontRef idx="minor">
+            <a:schemeClr val="lt1"/>
+          </a:fontRef>
+        </p:style>
+        <p:txBody>
+          <a:bodyPr rtlCol="0" anchor="ctr"/>
+          <a:lstStyle/>
+          <a:p>
+            <a:pPr algn="ctr"/>
+            <a:endParaRPr lang="en-US"/>
+          </a:p>
+        </p:txBody>
+      </p:sp>
+      <p:sp>
+        <p:nvSpPr>
+          <p:cNvPr id="180" name="Oval 179"/>
+          <p:cNvSpPr/>
+          <p:nvPr/>
+        </p:nvSpPr>
+        <p:spPr>
+          <a:xfrm>
+            <a:off x="5436633" y="4326852"/>
+            <a:ext cx="148448" cy="164955"/>
+          </a:xfrm>
+          <a:prstGeom prst="ellipse">
+            <a:avLst/>
+          </a:prstGeom>
+        </p:spPr>
+        <p:style>
+          <a:lnRef idx="1">
+            <a:schemeClr val="accent1"/>
+          </a:lnRef>
+          <a:fillRef idx="3">
+            <a:schemeClr val="accent1"/>
+          </a:fillRef>
+          <a:effectRef idx="2">
+            <a:schemeClr val="accent1"/>
+          </a:effectRef>
+          <a:fontRef idx="minor">
+            <a:schemeClr val="lt1"/>
+          </a:fontRef>
+        </p:style>
+        <p:txBody>
+          <a:bodyPr rtlCol="0" anchor="ctr"/>
+          <a:lstStyle/>
+          <a:p>
+            <a:pPr algn="ctr"/>
+            <a:endParaRPr lang="en-US"/>
+          </a:p>
+        </p:txBody>
+      </p:sp>
+      <p:sp>
+        <p:nvSpPr>
+          <p:cNvPr id="181" name="Oval 180"/>
+          <p:cNvSpPr/>
+          <p:nvPr/>
+        </p:nvSpPr>
+        <p:spPr>
+          <a:xfrm>
+            <a:off x="4433961" y="2953861"/>
+            <a:ext cx="148448" cy="164955"/>
+          </a:xfrm>
+          <a:prstGeom prst="ellipse">
+            <a:avLst/>
+          </a:prstGeom>
+        </p:spPr>
+        <p:style>
+          <a:lnRef idx="1">
+            <a:schemeClr val="accent1"/>
+          </a:lnRef>
+          <a:fillRef idx="3">
+            <a:schemeClr val="accent1"/>
+          </a:fillRef>
+          <a:effectRef idx="2">
+            <a:schemeClr val="accent1"/>
+          </a:effectRef>
+          <a:fontRef idx="minor">
+            <a:schemeClr val="lt1"/>
+          </a:fontRef>
+        </p:style>
+        <p:txBody>
+          <a:bodyPr rtlCol="0" anchor="ctr"/>
+          <a:lstStyle/>
+          <a:p>
+            <a:pPr algn="ctr"/>
+            <a:endParaRPr lang="en-US"/>
+          </a:p>
+        </p:txBody>
+      </p:sp>
+      <p:sp>
+        <p:nvSpPr>
+          <p:cNvPr id="182" name="Oval 181"/>
+          <p:cNvSpPr/>
+          <p:nvPr/>
+        </p:nvSpPr>
+        <p:spPr>
+          <a:xfrm>
+            <a:off x="4586361" y="2990796"/>
+            <a:ext cx="148448" cy="164955"/>
+          </a:xfrm>
+          <a:prstGeom prst="ellipse">
+            <a:avLst/>
+          </a:prstGeom>
+        </p:spPr>
+        <p:style>
+          <a:lnRef idx="1">
+            <a:schemeClr val="accent1"/>
+          </a:lnRef>
+          <a:fillRef idx="3">
+            <a:schemeClr val="accent1"/>
+          </a:fillRef>
+          <a:effectRef idx="2">
+            <a:schemeClr val="accent1"/>
+          </a:effectRef>
+          <a:fontRef idx="minor">
+            <a:schemeClr val="lt1"/>
+          </a:fontRef>
+        </p:style>
+        <p:txBody>
+          <a:bodyPr rtlCol="0" anchor="ctr"/>
+          <a:lstStyle/>
+          <a:p>
+            <a:pPr algn="ctr"/>
+            <a:endParaRPr lang="en-US"/>
+          </a:p>
+        </p:txBody>
+      </p:sp>
+      <p:sp>
+        <p:nvSpPr>
+          <p:cNvPr id="183" name="Oval 182"/>
+          <p:cNvSpPr/>
+          <p:nvPr/>
+        </p:nvSpPr>
+        <p:spPr>
+          <a:xfrm>
+            <a:off x="4738761" y="2912266"/>
+            <a:ext cx="148448" cy="164955"/>
+          </a:xfrm>
+          <a:prstGeom prst="ellipse">
+            <a:avLst/>
+          </a:prstGeom>
+        </p:spPr>
+        <p:style>
+          <a:lnRef idx="1">
+            <a:schemeClr val="accent1"/>
+          </a:lnRef>
+          <a:fillRef idx="3">
+            <a:schemeClr val="accent1"/>
+          </a:fillRef>
+          <a:effectRef idx="2">
+            <a:schemeClr val="accent1"/>
+          </a:effectRef>
+          <a:fontRef idx="minor">
+            <a:schemeClr val="lt1"/>
+          </a:fontRef>
+        </p:style>
+        <p:txBody>
+          <a:bodyPr rtlCol="0" anchor="ctr"/>
+          <a:lstStyle/>
+          <a:p>
+            <a:pPr algn="ctr"/>
+            <a:endParaRPr lang="en-US"/>
+          </a:p>
+        </p:txBody>
+      </p:sp>
+      <p:sp>
+        <p:nvSpPr>
+          <p:cNvPr id="184" name="Oval 183"/>
+          <p:cNvSpPr/>
+          <p:nvPr/>
+        </p:nvSpPr>
+        <p:spPr>
+          <a:xfrm>
+            <a:off x="4805907" y="3613622"/>
+            <a:ext cx="148448" cy="164955"/>
+          </a:xfrm>
+          <a:prstGeom prst="ellipse">
+            <a:avLst/>
+          </a:prstGeom>
+        </p:spPr>
+        <p:style>
+          <a:lnRef idx="1">
+            <a:schemeClr val="accent1"/>
+          </a:lnRef>
+          <a:fillRef idx="3">
+            <a:schemeClr val="accent1"/>
+          </a:fillRef>
+          <a:effectRef idx="2">
+            <a:schemeClr val="accent1"/>
+          </a:effectRef>
+          <a:fontRef idx="minor">
+            <a:schemeClr val="lt1"/>
+          </a:fontRef>
+        </p:style>
+        <p:txBody>
+          <a:bodyPr rtlCol="0" anchor="ctr"/>
+          <a:lstStyle/>
+          <a:p>
+            <a:pPr algn="ctr"/>
+            <a:endParaRPr lang="en-US"/>
+          </a:p>
+        </p:txBody>
+      </p:sp>
+      <p:sp>
+        <p:nvSpPr>
+          <p:cNvPr id="185" name="Oval 184"/>
+          <p:cNvSpPr/>
+          <p:nvPr/>
+        </p:nvSpPr>
+        <p:spPr>
+          <a:xfrm>
+            <a:off x="3744436" y="2576951"/>
+            <a:ext cx="148448" cy="164955"/>
+          </a:xfrm>
+          <a:prstGeom prst="ellipse">
+            <a:avLst/>
+          </a:prstGeom>
+        </p:spPr>
+        <p:style>
+          <a:lnRef idx="1">
+            <a:schemeClr val="accent1"/>
+          </a:lnRef>
+          <a:fillRef idx="3">
+            <a:schemeClr val="accent1"/>
+          </a:fillRef>
+          <a:effectRef idx="2">
+            <a:schemeClr val="accent1"/>
+          </a:effectRef>
+          <a:fontRef idx="minor">
+            <a:schemeClr val="lt1"/>
+          </a:fontRef>
+        </p:style>
+        <p:txBody>
+          <a:bodyPr rtlCol="0" anchor="ctr"/>
+          <a:lstStyle/>
+          <a:p>
+            <a:pPr algn="ctr"/>
+            <a:endParaRPr lang="en-US"/>
+          </a:p>
+        </p:txBody>
+      </p:sp>
+      <p:sp>
+        <p:nvSpPr>
+          <p:cNvPr id="186" name="Oval 185"/>
+          <p:cNvSpPr/>
+          <p:nvPr/>
+        </p:nvSpPr>
+        <p:spPr>
+          <a:xfrm>
+            <a:off x="977649" y="5424063"/>
+            <a:ext cx="148448" cy="164955"/>
+          </a:xfrm>
+          <a:prstGeom prst="ellipse">
+            <a:avLst/>
+          </a:prstGeom>
+        </p:spPr>
+        <p:style>
+          <a:lnRef idx="1">
+            <a:schemeClr val="accent1"/>
+          </a:lnRef>
+          <a:fillRef idx="3">
+            <a:schemeClr val="accent1"/>
+          </a:fillRef>
+          <a:effectRef idx="2">
+            <a:schemeClr val="accent1"/>
+          </a:effectRef>
+          <a:fontRef idx="minor">
+            <a:schemeClr val="lt1"/>
+          </a:fontRef>
+        </p:style>
+        <p:txBody>
+          <a:bodyPr rtlCol="0" anchor="ctr"/>
+          <a:lstStyle/>
+          <a:p>
+            <a:pPr algn="ctr"/>
+            <a:endParaRPr lang="en-US"/>
+          </a:p>
+        </p:txBody>
+      </p:sp>
+      <p:sp>
+        <p:nvSpPr>
+          <p:cNvPr id="187" name="Oval 186"/>
+          <p:cNvSpPr/>
+          <p:nvPr/>
+        </p:nvSpPr>
+        <p:spPr>
+          <a:xfrm>
+            <a:off x="2046081" y="3933068"/>
+            <a:ext cx="148448" cy="164955"/>
+          </a:xfrm>
+          <a:prstGeom prst="ellipse">
+            <a:avLst/>
+          </a:prstGeom>
+        </p:spPr>
+        <p:style>
+          <a:lnRef idx="1">
+            <a:schemeClr val="accent1"/>
+          </a:lnRef>
+          <a:fillRef idx="3">
+            <a:schemeClr val="accent1"/>
+          </a:fillRef>
+          <a:effectRef idx="2">
+            <a:schemeClr val="accent1"/>
+          </a:effectRef>
+          <a:fontRef idx="minor">
+            <a:schemeClr val="lt1"/>
+          </a:fontRef>
+        </p:style>
+        <p:txBody>
+          <a:bodyPr rtlCol="0" anchor="ctr"/>
+          <a:lstStyle/>
+          <a:p>
+            <a:pPr algn="ctr"/>
+            <a:endParaRPr lang="en-US"/>
+          </a:p>
+        </p:txBody>
+      </p:sp>
+      <p:sp>
+        <p:nvSpPr>
+          <p:cNvPr id="188" name="Oval 187"/>
+          <p:cNvSpPr/>
+          <p:nvPr/>
+        </p:nvSpPr>
+        <p:spPr>
+          <a:xfrm>
+            <a:off x="1697673" y="4945706"/>
+            <a:ext cx="148448" cy="164955"/>
+          </a:xfrm>
+          <a:prstGeom prst="ellipse">
+            <a:avLst/>
+          </a:prstGeom>
+        </p:spPr>
+        <p:style>
+          <a:lnRef idx="1">
+            <a:schemeClr val="accent1"/>
+          </a:lnRef>
+          <a:fillRef idx="3">
+            <a:schemeClr val="accent1"/>
+          </a:fillRef>
+          <a:effectRef idx="2">
+            <a:schemeClr val="accent1"/>
+          </a:effectRef>
+          <a:fontRef idx="minor">
+            <a:schemeClr val="lt1"/>
+          </a:fontRef>
+        </p:style>
+        <p:txBody>
+          <a:bodyPr rtlCol="0" anchor="ctr"/>
+          <a:lstStyle/>
+          <a:p>
+            <a:pPr algn="ctr"/>
+            <a:endParaRPr lang="en-US"/>
+          </a:p>
+        </p:txBody>
+      </p:sp>
+      <p:sp>
+        <p:nvSpPr>
+          <p:cNvPr id="189" name="Oval 188"/>
+          <p:cNvSpPr/>
+          <p:nvPr/>
+        </p:nvSpPr>
+        <p:spPr>
+          <a:xfrm>
+            <a:off x="1800591" y="5164086"/>
+            <a:ext cx="148448" cy="164955"/>
+          </a:xfrm>
+          <a:prstGeom prst="ellipse">
+            <a:avLst/>
+          </a:prstGeom>
+        </p:spPr>
+        <p:style>
+          <a:lnRef idx="1">
+            <a:schemeClr val="accent1"/>
+          </a:lnRef>
+          <a:fillRef idx="3">
+            <a:schemeClr val="accent1"/>
+          </a:fillRef>
+          <a:effectRef idx="2">
+            <a:schemeClr val="accent1"/>
+          </a:effectRef>
+          <a:fontRef idx="minor">
+            <a:schemeClr val="lt1"/>
+          </a:fontRef>
+        </p:style>
+        <p:txBody>
+          <a:bodyPr rtlCol="0" anchor="ctr"/>
+          <a:lstStyle/>
+          <a:p>
+            <a:pPr algn="ctr"/>
+            <a:endParaRPr lang="en-US"/>
+          </a:p>
+        </p:txBody>
+      </p:sp>
+      <p:sp>
+        <p:nvSpPr>
+          <p:cNvPr id="190" name="Oval 189"/>
+          <p:cNvSpPr/>
+          <p:nvPr/>
+        </p:nvSpPr>
+        <p:spPr>
+          <a:xfrm>
+            <a:off x="1322805" y="4427879"/>
+            <a:ext cx="148448" cy="164955"/>
+          </a:xfrm>
+          <a:prstGeom prst="ellipse">
+            <a:avLst/>
+          </a:prstGeom>
+        </p:spPr>
+        <p:style>
+          <a:lnRef idx="1">
+            <a:schemeClr val="accent1"/>
+          </a:lnRef>
+          <a:fillRef idx="3">
+            <a:schemeClr val="accent1"/>
+          </a:fillRef>
+          <a:effectRef idx="2">
+            <a:schemeClr val="accent1"/>
+          </a:effectRef>
+          <a:fontRef idx="minor">
+            <a:schemeClr val="lt1"/>
+          </a:fontRef>
+        </p:style>
+        <p:txBody>
+          <a:bodyPr rtlCol="0" anchor="ctr"/>
+          <a:lstStyle/>
+          <a:p>
+            <a:pPr algn="ctr"/>
+            <a:endParaRPr lang="en-US"/>
+          </a:p>
+        </p:txBody>
+      </p:sp>
+      <p:sp>
+        <p:nvSpPr>
+          <p:cNvPr id="191" name="Oval 190"/>
+          <p:cNvSpPr/>
+          <p:nvPr/>
+        </p:nvSpPr>
+        <p:spPr>
+          <a:xfrm>
+            <a:off x="1347345" y="5304651"/>
+            <a:ext cx="148448" cy="164955"/>
+          </a:xfrm>
+          <a:prstGeom prst="ellipse">
+            <a:avLst/>
+          </a:prstGeom>
+        </p:spPr>
+        <p:style>
+          <a:lnRef idx="1">
+            <a:schemeClr val="accent1"/>
+          </a:lnRef>
+          <a:fillRef idx="3">
+            <a:schemeClr val="accent1"/>
+          </a:fillRef>
+          <a:effectRef idx="2">
+            <a:schemeClr val="accent1"/>
+          </a:effectRef>
+          <a:fontRef idx="minor">
+            <a:schemeClr val="lt1"/>
+          </a:fontRef>
+        </p:style>
+        <p:txBody>
+          <a:bodyPr rtlCol="0" anchor="ctr"/>
+          <a:lstStyle/>
+          <a:p>
+            <a:pPr algn="ctr"/>
+            <a:endParaRPr lang="en-US"/>
+          </a:p>
+        </p:txBody>
+      </p:sp>
+      <p:sp>
+        <p:nvSpPr>
+          <p:cNvPr id="192" name="Oval 191"/>
+          <p:cNvSpPr/>
+          <p:nvPr/>
+        </p:nvSpPr>
+        <p:spPr>
+          <a:xfrm>
+            <a:off x="1499745" y="5341586"/>
+            <a:ext cx="148448" cy="164955"/>
+          </a:xfrm>
+          <a:prstGeom prst="ellipse">
+            <a:avLst/>
+          </a:prstGeom>
+        </p:spPr>
+        <p:style>
+          <a:lnRef idx="1">
+            <a:schemeClr val="accent1"/>
+          </a:lnRef>
+          <a:fillRef idx="3">
+            <a:schemeClr val="accent1"/>
+          </a:fillRef>
+          <a:effectRef idx="2">
+            <a:schemeClr val="accent1"/>
+          </a:effectRef>
+          <a:fontRef idx="minor">
+            <a:schemeClr val="lt1"/>
+          </a:fontRef>
+        </p:style>
+        <p:txBody>
+          <a:bodyPr rtlCol="0" anchor="ctr"/>
+          <a:lstStyle/>
+          <a:p>
+            <a:pPr algn="ctr"/>
+            <a:endParaRPr lang="en-US"/>
+          </a:p>
+        </p:txBody>
+      </p:sp>
+      <p:sp>
+        <p:nvSpPr>
+          <p:cNvPr id="193" name="Oval 192"/>
+          <p:cNvSpPr/>
+          <p:nvPr/>
+        </p:nvSpPr>
+        <p:spPr>
+          <a:xfrm>
+            <a:off x="1652145" y="5263056"/>
+            <a:ext cx="148448" cy="164955"/>
+          </a:xfrm>
+          <a:prstGeom prst="ellipse">
+            <a:avLst/>
+          </a:prstGeom>
+        </p:spPr>
+        <p:style>
+          <a:lnRef idx="1">
+            <a:schemeClr val="accent1"/>
+          </a:lnRef>
+          <a:fillRef idx="3">
+            <a:schemeClr val="accent1"/>
+          </a:fillRef>
+          <a:effectRef idx="2">
+            <a:schemeClr val="accent1"/>
+          </a:effectRef>
+          <a:fontRef idx="minor">
+            <a:schemeClr val="lt1"/>
+          </a:fontRef>
+        </p:style>
+        <p:txBody>
+          <a:bodyPr rtlCol="0" anchor="ctr"/>
+          <a:lstStyle/>
+          <a:p>
+            <a:pPr algn="ctr"/>
+            <a:endParaRPr lang="en-US"/>
+          </a:p>
+        </p:txBody>
+      </p:sp>
+      <p:sp>
+        <p:nvSpPr>
+          <p:cNvPr id="194" name="Oval 193"/>
+          <p:cNvSpPr/>
+          <p:nvPr/>
+        </p:nvSpPr>
+        <p:spPr>
+          <a:xfrm>
+            <a:off x="1755063" y="5481436"/>
+            <a:ext cx="148448" cy="164955"/>
+          </a:xfrm>
+          <a:prstGeom prst="ellipse">
+            <a:avLst/>
+          </a:prstGeom>
+        </p:spPr>
+        <p:style>
+          <a:lnRef idx="1">
+            <a:schemeClr val="accent1"/>
+          </a:lnRef>
+          <a:fillRef idx="3">
+            <a:schemeClr val="accent1"/>
+          </a:fillRef>
+          <a:effectRef idx="2">
+            <a:schemeClr val="accent1"/>
+          </a:effectRef>
+          <a:fontRef idx="minor">
+            <a:schemeClr val="lt1"/>
+          </a:fontRef>
+        </p:style>
+        <p:txBody>
+          <a:bodyPr rtlCol="0" anchor="ctr"/>
+          <a:lstStyle/>
+          <a:p>
+            <a:pPr algn="ctr"/>
+            <a:endParaRPr lang="en-US"/>
+          </a:p>
+        </p:txBody>
+      </p:sp>
+      <p:sp>
+        <p:nvSpPr>
+          <p:cNvPr id="195" name="Oval 194"/>
+          <p:cNvSpPr/>
+          <p:nvPr/>
+        </p:nvSpPr>
+        <p:spPr>
+          <a:xfrm>
+            <a:off x="1831743" y="3797165"/>
+            <a:ext cx="148448" cy="164955"/>
+          </a:xfrm>
+          <a:prstGeom prst="ellipse">
+            <a:avLst/>
+          </a:prstGeom>
+        </p:spPr>
+        <p:style>
+          <a:lnRef idx="1">
+            <a:schemeClr val="accent1"/>
+          </a:lnRef>
+          <a:fillRef idx="3">
+            <a:schemeClr val="accent1"/>
+          </a:fillRef>
+          <a:effectRef idx="2">
+            <a:schemeClr val="accent1"/>
+          </a:effectRef>
+          <a:fontRef idx="minor">
+            <a:schemeClr val="lt1"/>
+          </a:fontRef>
+        </p:style>
+        <p:txBody>
+          <a:bodyPr rtlCol="0" anchor="ctr"/>
+          <a:lstStyle/>
+          <a:p>
+            <a:pPr algn="ctr"/>
+            <a:endParaRPr lang="en-US"/>
+          </a:p>
+        </p:txBody>
+      </p:sp>
+      <p:sp>
+        <p:nvSpPr>
+          <p:cNvPr id="196" name="Oval 195"/>
+          <p:cNvSpPr/>
+          <p:nvPr/>
+        </p:nvSpPr>
+        <p:spPr>
+          <a:xfrm>
+            <a:off x="1480059" y="4740593"/>
+            <a:ext cx="148448" cy="164955"/>
+          </a:xfrm>
+          <a:prstGeom prst="ellipse">
+            <a:avLst/>
+          </a:prstGeom>
+        </p:spPr>
+        <p:style>
+          <a:lnRef idx="1">
+            <a:schemeClr val="accent1"/>
+          </a:lnRef>
+          <a:fillRef idx="3">
+            <a:schemeClr val="accent1"/>
+          </a:fillRef>
+          <a:effectRef idx="2">
+            <a:schemeClr val="accent1"/>
+          </a:effectRef>
+          <a:fontRef idx="minor">
+            <a:schemeClr val="lt1"/>
+          </a:fontRef>
+        </p:style>
+        <p:txBody>
+          <a:bodyPr rtlCol="0" anchor="ctr"/>
+          <a:lstStyle/>
+          <a:p>
+            <a:pPr algn="ctr"/>
+            <a:endParaRPr lang="en-US"/>
+          </a:p>
+        </p:txBody>
+      </p:sp>
+      <p:sp>
+        <p:nvSpPr>
+          <p:cNvPr id="197" name="Oval 196"/>
+          <p:cNvSpPr/>
+          <p:nvPr/>
+        </p:nvSpPr>
+        <p:spPr>
+          <a:xfrm>
+            <a:off x="1632459" y="4777528"/>
+            <a:ext cx="148448" cy="164955"/>
+          </a:xfrm>
+          <a:prstGeom prst="ellipse">
+            <a:avLst/>
+          </a:prstGeom>
+        </p:spPr>
+        <p:style>
+          <a:lnRef idx="1">
+            <a:schemeClr val="accent1"/>
+          </a:lnRef>
+          <a:fillRef idx="3">
+            <a:schemeClr val="accent1"/>
+          </a:fillRef>
+          <a:effectRef idx="2">
+            <a:schemeClr val="accent1"/>
+          </a:effectRef>
+          <a:fontRef idx="minor">
+            <a:schemeClr val="lt1"/>
+          </a:fontRef>
+        </p:style>
+        <p:txBody>
+          <a:bodyPr rtlCol="0" anchor="ctr"/>
+          <a:lstStyle/>
+          <a:p>
+            <a:pPr algn="ctr"/>
+            <a:endParaRPr lang="en-US"/>
+          </a:p>
+        </p:txBody>
+      </p:sp>
+      <p:sp>
+        <p:nvSpPr>
+          <p:cNvPr id="198" name="Oval 197"/>
+          <p:cNvSpPr/>
+          <p:nvPr/>
+        </p:nvSpPr>
+        <p:spPr>
+          <a:xfrm>
+            <a:off x="1731201" y="4555894"/>
+            <a:ext cx="148448" cy="164955"/>
+          </a:xfrm>
+          <a:prstGeom prst="ellipse">
+            <a:avLst/>
+          </a:prstGeom>
+        </p:spPr>
+        <p:style>
+          <a:lnRef idx="1">
+            <a:schemeClr val="accent1"/>
+          </a:lnRef>
+          <a:fillRef idx="3">
+            <a:schemeClr val="accent1"/>
+          </a:fillRef>
+          <a:effectRef idx="2">
+            <a:schemeClr val="accent1"/>
+          </a:effectRef>
+          <a:fontRef idx="minor">
+            <a:schemeClr val="lt1"/>
+          </a:fontRef>
+        </p:style>
+        <p:txBody>
+          <a:bodyPr rtlCol="0" anchor="ctr"/>
+          <a:lstStyle/>
+          <a:p>
+            <a:pPr algn="ctr"/>
+            <a:endParaRPr lang="en-US"/>
+          </a:p>
+        </p:txBody>
+      </p:sp>
+      <p:sp>
+        <p:nvSpPr>
+          <p:cNvPr id="199" name="Oval 198"/>
+          <p:cNvSpPr/>
+          <p:nvPr/>
+        </p:nvSpPr>
+        <p:spPr>
+          <a:xfrm>
+            <a:off x="1834119" y="4774274"/>
+            <a:ext cx="148448" cy="164955"/>
+          </a:xfrm>
+          <a:prstGeom prst="ellipse">
+            <a:avLst/>
+          </a:prstGeom>
+        </p:spPr>
+        <p:style>
+          <a:lnRef idx="1">
+            <a:schemeClr val="accent1"/>
+          </a:lnRef>
+          <a:fillRef idx="3">
+            <a:schemeClr val="accent1"/>
+          </a:fillRef>
+          <a:effectRef idx="2">
+            <a:schemeClr val="accent1"/>
+          </a:effectRef>
+          <a:fontRef idx="minor">
+            <a:schemeClr val="lt1"/>
+          </a:fontRef>
+        </p:style>
+        <p:txBody>
+          <a:bodyPr rtlCol="0" anchor="ctr"/>
+          <a:lstStyle/>
+          <a:p>
+            <a:pPr algn="ctr"/>
+            <a:endParaRPr lang="en-US"/>
+          </a:p>
+        </p:txBody>
+      </p:sp>
+      <p:sp>
+        <p:nvSpPr>
+          <p:cNvPr id="200" name="Oval 199"/>
+          <p:cNvSpPr/>
+          <p:nvPr/>
+        </p:nvSpPr>
+        <p:spPr>
+          <a:xfrm>
+            <a:off x="2036001" y="4646259"/>
+            <a:ext cx="148448" cy="164955"/>
+          </a:xfrm>
+          <a:prstGeom prst="ellipse">
+            <a:avLst/>
+          </a:prstGeom>
+        </p:spPr>
+        <p:style>
+          <a:lnRef idx="1">
+            <a:schemeClr val="accent1"/>
+          </a:lnRef>
+          <a:fillRef idx="3">
+            <a:schemeClr val="accent1"/>
+          </a:fillRef>
+          <a:effectRef idx="2">
+            <a:schemeClr val="accent1"/>
+          </a:effectRef>
+          <a:fontRef idx="minor">
+            <a:schemeClr val="lt1"/>
+          </a:fontRef>
+        </p:style>
+        <p:txBody>
+          <a:bodyPr rtlCol="0" anchor="ctr"/>
+          <a:lstStyle/>
+          <a:p>
+            <a:pPr algn="ctr"/>
+            <a:endParaRPr lang="en-US"/>
+          </a:p>
+        </p:txBody>
+      </p:sp>
+      <p:sp>
+        <p:nvSpPr>
+          <p:cNvPr id="201" name="Oval 200"/>
+          <p:cNvSpPr/>
+          <p:nvPr/>
+        </p:nvSpPr>
+        <p:spPr>
+          <a:xfrm>
+            <a:off x="1318853" y="6121029"/>
+            <a:ext cx="148448" cy="164955"/>
+          </a:xfrm>
+          <a:prstGeom prst="ellipse">
+            <a:avLst/>
+          </a:prstGeom>
+        </p:spPr>
+        <p:style>
+          <a:lnRef idx="1">
+            <a:schemeClr val="accent1"/>
+          </a:lnRef>
+          <a:fillRef idx="3">
+            <a:schemeClr val="accent1"/>
+          </a:fillRef>
+          <a:effectRef idx="2">
+            <a:schemeClr val="accent1"/>
+          </a:effectRef>
+          <a:fontRef idx="minor">
+            <a:schemeClr val="lt1"/>
+          </a:fontRef>
+        </p:style>
+        <p:txBody>
+          <a:bodyPr rtlCol="0" anchor="ctr"/>
+          <a:lstStyle/>
+          <a:p>
+            <a:pPr algn="ctr"/>
+            <a:endParaRPr lang="en-US"/>
+          </a:p>
+        </p:txBody>
+      </p:sp>
+      <p:sp>
+        <p:nvSpPr>
+          <p:cNvPr id="202" name="Oval 201"/>
+          <p:cNvSpPr/>
+          <p:nvPr/>
+        </p:nvSpPr>
+        <p:spPr>
+          <a:xfrm>
+            <a:off x="1951833" y="4032755"/>
+            <a:ext cx="148448" cy="164955"/>
+          </a:xfrm>
+          <a:prstGeom prst="ellipse">
+            <a:avLst/>
+          </a:prstGeom>
+        </p:spPr>
+        <p:style>
+          <a:lnRef idx="1">
+            <a:schemeClr val="accent1"/>
+          </a:lnRef>
+          <a:fillRef idx="3">
+            <a:schemeClr val="accent1"/>
+          </a:fillRef>
+          <a:effectRef idx="2">
+            <a:schemeClr val="accent1"/>
+          </a:effectRef>
+          <a:fontRef idx="minor">
+            <a:schemeClr val="lt1"/>
+          </a:fontRef>
+        </p:style>
+        <p:txBody>
+          <a:bodyPr rtlCol="0" anchor="ctr"/>
+          <a:lstStyle/>
+          <a:p>
+            <a:pPr algn="ctr"/>
+            <a:endParaRPr lang="en-US"/>
+          </a:p>
+        </p:txBody>
+      </p:sp>
+      <p:sp>
+        <p:nvSpPr>
+          <p:cNvPr id="203" name="Oval 202"/>
+          <p:cNvSpPr/>
+          <p:nvPr/>
+        </p:nvSpPr>
+        <p:spPr>
+          <a:xfrm>
+            <a:off x="1136311" y="5959793"/>
+            <a:ext cx="148448" cy="164955"/>
+          </a:xfrm>
+          <a:prstGeom prst="ellipse">
+            <a:avLst/>
+          </a:prstGeom>
+        </p:spPr>
+        <p:style>
+          <a:lnRef idx="1">
+            <a:schemeClr val="accent1"/>
+          </a:lnRef>
+          <a:fillRef idx="3">
+            <a:schemeClr val="accent1"/>
+          </a:fillRef>
+          <a:effectRef idx="2">
+            <a:schemeClr val="accent1"/>
+          </a:effectRef>
+          <a:fontRef idx="minor">
+            <a:schemeClr val="lt1"/>
+          </a:fontRef>
+        </p:style>
+        <p:txBody>
+          <a:bodyPr rtlCol="0" anchor="ctr"/>
+          <a:lstStyle/>
+          <a:p>
+            <a:pPr algn="ctr"/>
+            <a:endParaRPr lang="en-US"/>
+          </a:p>
+        </p:txBody>
+      </p:sp>
+      <p:sp>
+        <p:nvSpPr>
+          <p:cNvPr id="204" name="Oval 203"/>
+          <p:cNvSpPr/>
+          <p:nvPr/>
+        </p:nvSpPr>
+        <p:spPr>
+          <a:xfrm>
+            <a:off x="1706343" y="5263773"/>
+            <a:ext cx="148448" cy="164955"/>
+          </a:xfrm>
+          <a:prstGeom prst="ellipse">
+            <a:avLst/>
+          </a:prstGeom>
+        </p:spPr>
+        <p:style>
+          <a:lnRef idx="1">
+            <a:schemeClr val="accent1"/>
+          </a:lnRef>
+          <a:fillRef idx="3">
+            <a:schemeClr val="accent1"/>
+          </a:fillRef>
+          <a:effectRef idx="2">
+            <a:schemeClr val="accent1"/>
+          </a:effectRef>
+          <a:fontRef idx="minor">
+            <a:schemeClr val="lt1"/>
+          </a:fontRef>
+        </p:style>
+        <p:txBody>
+          <a:bodyPr rtlCol="0" anchor="ctr"/>
+          <a:lstStyle/>
+          <a:p>
+            <a:pPr algn="ctr"/>
+            <a:endParaRPr lang="en-US"/>
+          </a:p>
+        </p:txBody>
+      </p:sp>
+      <p:sp>
+        <p:nvSpPr>
+          <p:cNvPr id="205" name="Oval 204"/>
+          <p:cNvSpPr/>
+          <p:nvPr/>
+        </p:nvSpPr>
+        <p:spPr>
+          <a:xfrm>
+            <a:off x="1854567" y="4992654"/>
+            <a:ext cx="148448" cy="164955"/>
+          </a:xfrm>
+          <a:prstGeom prst="ellipse">
+            <a:avLst/>
+          </a:prstGeom>
+        </p:spPr>
+        <p:style>
+          <a:lnRef idx="1">
+            <a:schemeClr val="accent1"/>
+          </a:lnRef>
+          <a:fillRef idx="3">
+            <a:schemeClr val="accent1"/>
+          </a:fillRef>
+          <a:effectRef idx="2">
+            <a:schemeClr val="accent1"/>
+          </a:effectRef>
+          <a:fontRef idx="minor">
+            <a:schemeClr val="lt1"/>
+          </a:fontRef>
+        </p:style>
+        <p:txBody>
+          <a:bodyPr rtlCol="0" anchor="ctr"/>
+          <a:lstStyle/>
+          <a:p>
+            <a:pPr algn="ctr"/>
+            <a:endParaRPr lang="en-US"/>
+          </a:p>
+        </p:txBody>
+      </p:sp>
+      <p:sp>
+        <p:nvSpPr>
+          <p:cNvPr id="206" name="Oval 205"/>
+          <p:cNvSpPr/>
+          <p:nvPr/>
+        </p:nvSpPr>
+        <p:spPr>
+          <a:xfrm>
+            <a:off x="1347345" y="5700531"/>
+            <a:ext cx="148448" cy="164955"/>
+          </a:xfrm>
+          <a:prstGeom prst="ellipse">
+            <a:avLst/>
+          </a:prstGeom>
+        </p:spPr>
+        <p:style>
+          <a:lnRef idx="1">
+            <a:schemeClr val="accent1"/>
+          </a:lnRef>
+          <a:fillRef idx="3">
+            <a:schemeClr val="accent1"/>
+          </a:fillRef>
+          <a:effectRef idx="2">
+            <a:schemeClr val="accent1"/>
+          </a:effectRef>
+          <a:fontRef idx="minor">
+            <a:schemeClr val="lt1"/>
+          </a:fontRef>
+        </p:style>
+        <p:txBody>
+          <a:bodyPr rtlCol="0" anchor="ctr"/>
+          <a:lstStyle/>
+          <a:p>
+            <a:pPr algn="ctr"/>
+            <a:endParaRPr lang="en-US"/>
+          </a:p>
+        </p:txBody>
+      </p:sp>
+      <p:sp>
+        <p:nvSpPr>
+          <p:cNvPr id="207" name="Oval 206"/>
+          <p:cNvSpPr/>
+          <p:nvPr/>
+        </p:nvSpPr>
+        <p:spPr>
+          <a:xfrm>
+            <a:off x="1499745" y="5737466"/>
+            <a:ext cx="148448" cy="164955"/>
+          </a:xfrm>
+          <a:prstGeom prst="ellipse">
+            <a:avLst/>
+          </a:prstGeom>
+        </p:spPr>
+        <p:style>
+          <a:lnRef idx="1">
+            <a:schemeClr val="accent1"/>
+          </a:lnRef>
+          <a:fillRef idx="3">
+            <a:schemeClr val="accent1"/>
+          </a:fillRef>
+          <a:effectRef idx="2">
+            <a:schemeClr val="accent1"/>
+          </a:effectRef>
+          <a:fontRef idx="minor">
+            <a:schemeClr val="lt1"/>
+          </a:fontRef>
+        </p:style>
+        <p:txBody>
+          <a:bodyPr rtlCol="0" anchor="ctr"/>
+          <a:lstStyle/>
+          <a:p>
+            <a:pPr algn="ctr"/>
+            <a:endParaRPr lang="en-US"/>
+          </a:p>
+        </p:txBody>
+      </p:sp>
+      <p:sp>
+        <p:nvSpPr>
+          <p:cNvPr id="208" name="Oval 207"/>
+          <p:cNvSpPr/>
+          <p:nvPr/>
+        </p:nvSpPr>
+        <p:spPr>
+          <a:xfrm>
+            <a:off x="1652145" y="5658936"/>
+            <a:ext cx="148448" cy="164955"/>
+          </a:xfrm>
+          <a:prstGeom prst="ellipse">
+            <a:avLst/>
+          </a:prstGeom>
+        </p:spPr>
+        <p:style>
+          <a:lnRef idx="1">
+            <a:schemeClr val="accent1"/>
+          </a:lnRef>
+          <a:fillRef idx="3">
+            <a:schemeClr val="accent1"/>
+          </a:fillRef>
+          <a:effectRef idx="2">
+            <a:schemeClr val="accent1"/>
+          </a:effectRef>
+          <a:fontRef idx="minor">
+            <a:schemeClr val="lt1"/>
+          </a:fontRef>
+        </p:style>
+        <p:txBody>
+          <a:bodyPr rtlCol="0" anchor="ctr"/>
+          <a:lstStyle/>
+          <a:p>
+            <a:pPr algn="ctr"/>
+            <a:endParaRPr lang="en-US"/>
+          </a:p>
+        </p:txBody>
+      </p:sp>
+      <p:sp>
+        <p:nvSpPr>
+          <p:cNvPr id="209" name="Oval 208"/>
+          <p:cNvSpPr/>
+          <p:nvPr/>
+        </p:nvSpPr>
+        <p:spPr>
+          <a:xfrm>
+            <a:off x="1755063" y="5877316"/>
+            <a:ext cx="148448" cy="164955"/>
+          </a:xfrm>
+          <a:prstGeom prst="ellipse">
+            <a:avLst/>
+          </a:prstGeom>
+        </p:spPr>
+        <p:style>
+          <a:lnRef idx="1">
+            <a:schemeClr val="accent1"/>
+          </a:lnRef>
+          <a:fillRef idx="3">
+            <a:schemeClr val="accent1"/>
+          </a:fillRef>
+          <a:effectRef idx="2">
+            <a:schemeClr val="accent1"/>
+          </a:effectRef>
+          <a:fontRef idx="minor">
+            <a:schemeClr val="lt1"/>
+          </a:fontRef>
+        </p:style>
+        <p:txBody>
+          <a:bodyPr rtlCol="0" anchor="ctr"/>
+          <a:lstStyle/>
+          <a:p>
+            <a:pPr algn="ctr"/>
+            <a:endParaRPr lang="en-US"/>
+          </a:p>
+        </p:txBody>
+      </p:sp>
+      <p:sp>
+        <p:nvSpPr>
+          <p:cNvPr id="210" name="Oval 209"/>
+          <p:cNvSpPr/>
+          <p:nvPr/>
+        </p:nvSpPr>
+        <p:spPr>
+          <a:xfrm>
+            <a:off x="1330935" y="5284213"/>
+            <a:ext cx="148448" cy="164955"/>
+          </a:xfrm>
+          <a:prstGeom prst="ellipse">
+            <a:avLst/>
+          </a:prstGeom>
+        </p:spPr>
+        <p:style>
+          <a:lnRef idx="1">
+            <a:schemeClr val="accent1"/>
+          </a:lnRef>
+          <a:fillRef idx="3">
+            <a:schemeClr val="accent1"/>
+          </a:fillRef>
+          <a:effectRef idx="2">
+            <a:schemeClr val="accent1"/>
+          </a:effectRef>
+          <a:fontRef idx="minor">
+            <a:schemeClr val="lt1"/>
+          </a:fontRef>
+        </p:style>
+        <p:txBody>
+          <a:bodyPr rtlCol="0" anchor="ctr"/>
+          <a:lstStyle/>
+          <a:p>
+            <a:pPr algn="ctr"/>
+            <a:endParaRPr lang="en-US"/>
+          </a:p>
+        </p:txBody>
+      </p:sp>
+      <p:sp>
+        <p:nvSpPr>
+          <p:cNvPr id="211" name="Oval 210"/>
+          <p:cNvSpPr/>
+          <p:nvPr/>
+        </p:nvSpPr>
+        <p:spPr>
+          <a:xfrm>
+            <a:off x="2020185" y="4894399"/>
+            <a:ext cx="148448" cy="164955"/>
+          </a:xfrm>
+          <a:prstGeom prst="ellipse">
+            <a:avLst/>
+          </a:prstGeom>
+        </p:spPr>
+        <p:style>
+          <a:lnRef idx="1">
+            <a:schemeClr val="accent1"/>
+          </a:lnRef>
+          <a:fillRef idx="3">
+            <a:schemeClr val="accent1"/>
+          </a:fillRef>
+          <a:effectRef idx="2">
+            <a:schemeClr val="accent1"/>
+          </a:effectRef>
+          <a:fontRef idx="minor">
+            <a:schemeClr val="lt1"/>
+          </a:fontRef>
+        </p:style>
+        <p:txBody>
+          <a:bodyPr rtlCol="0" anchor="ctr"/>
+          <a:lstStyle/>
+          <a:p>
+            <a:pPr algn="ctr"/>
+            <a:endParaRPr lang="en-US"/>
+          </a:p>
+        </p:txBody>
+      </p:sp>
+      <p:sp>
+        <p:nvSpPr>
+          <p:cNvPr id="212" name="Oval 211"/>
+          <p:cNvSpPr/>
+          <p:nvPr/>
+        </p:nvSpPr>
+        <p:spPr>
+          <a:xfrm>
+            <a:off x="950703" y="5646391"/>
+            <a:ext cx="148448" cy="164955"/>
+          </a:xfrm>
+          <a:prstGeom prst="ellipse">
+            <a:avLst/>
+          </a:prstGeom>
+        </p:spPr>
+        <p:style>
+          <a:lnRef idx="1">
+            <a:schemeClr val="accent1"/>
+          </a:lnRef>
+          <a:fillRef idx="3">
+            <a:schemeClr val="accent1"/>
+          </a:fillRef>
+          <a:effectRef idx="2">
+            <a:schemeClr val="accent1"/>
+          </a:effectRef>
+          <a:fontRef idx="minor">
+            <a:schemeClr val="lt1"/>
+          </a:fontRef>
+        </p:style>
+        <p:txBody>
+          <a:bodyPr rtlCol="0" anchor="ctr"/>
+          <a:lstStyle/>
+          <a:p>
+            <a:pPr algn="ctr"/>
+            <a:endParaRPr lang="en-US"/>
+          </a:p>
+        </p:txBody>
+      </p:sp>
+      <p:sp>
+        <p:nvSpPr>
+          <p:cNvPr id="213" name="Oval 212"/>
+          <p:cNvSpPr/>
+          <p:nvPr/>
+        </p:nvSpPr>
+        <p:spPr>
+          <a:xfrm>
+            <a:off x="2235555" y="3868964"/>
+            <a:ext cx="148448" cy="164955"/>
+          </a:xfrm>
+          <a:prstGeom prst="ellipse">
+            <a:avLst/>
+          </a:prstGeom>
+        </p:spPr>
+        <p:style>
+          <a:lnRef idx="1">
+            <a:schemeClr val="accent1"/>
+          </a:lnRef>
+          <a:fillRef idx="3">
+            <a:schemeClr val="accent1"/>
+          </a:fillRef>
+          <a:effectRef idx="2">
+            <a:schemeClr val="accent1"/>
+          </a:effectRef>
+          <a:fontRef idx="minor">
+            <a:schemeClr val="lt1"/>
+          </a:fontRef>
+        </p:style>
+        <p:txBody>
+          <a:bodyPr rtlCol="0" anchor="ctr"/>
+          <a:lstStyle/>
+          <a:p>
+            <a:pPr algn="ctr"/>
+            <a:endParaRPr lang="en-US"/>
+          </a:p>
+        </p:txBody>
+      </p:sp>
+      <p:sp>
+        <p:nvSpPr>
+          <p:cNvPr id="214" name="Oval 213"/>
+          <p:cNvSpPr/>
+          <p:nvPr/>
+        </p:nvSpPr>
+        <p:spPr>
+          <a:xfrm>
+            <a:off x="2338473" y="4087344"/>
+            <a:ext cx="148448" cy="164955"/>
+          </a:xfrm>
+          <a:prstGeom prst="ellipse">
+            <a:avLst/>
+          </a:prstGeom>
+        </p:spPr>
+        <p:style>
+          <a:lnRef idx="1">
+            <a:schemeClr val="accent1"/>
+          </a:lnRef>
+          <a:fillRef idx="3">
+            <a:schemeClr val="accent1"/>
+          </a:fillRef>
+          <a:effectRef idx="2">
+            <a:schemeClr val="accent1"/>
+          </a:effectRef>
+          <a:fontRef idx="minor">
+            <a:schemeClr val="lt1"/>
+          </a:fontRef>
+        </p:style>
+        <p:txBody>
+          <a:bodyPr rtlCol="0" anchor="ctr"/>
+          <a:lstStyle/>
+          <a:p>
+            <a:pPr algn="ctr"/>
+            <a:endParaRPr lang="en-US"/>
+          </a:p>
+        </p:txBody>
+      </p:sp>
+      <p:sp>
+        <p:nvSpPr>
+          <p:cNvPr id="215" name="Oval 214"/>
+          <p:cNvSpPr/>
+          <p:nvPr/>
+        </p:nvSpPr>
+        <p:spPr>
+          <a:xfrm>
+            <a:off x="2540355" y="3959329"/>
+            <a:ext cx="148448" cy="164955"/>
+          </a:xfrm>
+          <a:prstGeom prst="ellipse">
+            <a:avLst/>
+          </a:prstGeom>
+        </p:spPr>
+        <p:style>
+          <a:lnRef idx="1">
+            <a:schemeClr val="accent1"/>
+          </a:lnRef>
+          <a:fillRef idx="3">
+            <a:schemeClr val="accent1"/>
+          </a:fillRef>
+          <a:effectRef idx="2">
+            <a:schemeClr val="accent1"/>
+          </a:effectRef>
+          <a:fontRef idx="minor">
+            <a:schemeClr val="lt1"/>
+          </a:fontRef>
+        </p:style>
+        <p:txBody>
+          <a:bodyPr rtlCol="0" anchor="ctr"/>
+          <a:lstStyle/>
+          <a:p>
+            <a:pPr algn="ctr"/>
+            <a:endParaRPr lang="en-US"/>
+          </a:p>
+        </p:txBody>
+      </p:sp>
+      <p:sp>
+        <p:nvSpPr>
+          <p:cNvPr id="216" name="Oval 215"/>
+          <p:cNvSpPr/>
+          <p:nvPr/>
+        </p:nvSpPr>
+        <p:spPr>
+          <a:xfrm>
+            <a:off x="2172585" y="4502464"/>
+            <a:ext cx="148448" cy="164955"/>
+          </a:xfrm>
+          <a:prstGeom prst="ellipse">
+            <a:avLst/>
+          </a:prstGeom>
+        </p:spPr>
+        <p:style>
+          <a:lnRef idx="1">
+            <a:schemeClr val="accent1"/>
+          </a:lnRef>
+          <a:fillRef idx="3">
+            <a:schemeClr val="accent1"/>
+          </a:fillRef>
+          <a:effectRef idx="2">
+            <a:schemeClr val="accent1"/>
+          </a:effectRef>
+          <a:fontRef idx="minor">
+            <a:schemeClr val="lt1"/>
+          </a:fontRef>
+        </p:style>
+        <p:txBody>
+          <a:bodyPr rtlCol="0" anchor="ctr"/>
+          <a:lstStyle/>
+          <a:p>
+            <a:pPr algn="ctr"/>
+            <a:endParaRPr lang="en-US"/>
+          </a:p>
+        </p:txBody>
+      </p:sp>
+      <p:sp>
+        <p:nvSpPr>
+          <p:cNvPr id="217" name="Oval 216"/>
+          <p:cNvSpPr/>
+          <p:nvPr/>
+        </p:nvSpPr>
+        <p:spPr>
+          <a:xfrm>
+            <a:off x="2324985" y="4539399"/>
+            <a:ext cx="148448" cy="164955"/>
+          </a:xfrm>
+          <a:prstGeom prst="ellipse">
+            <a:avLst/>
+          </a:prstGeom>
+        </p:spPr>
+        <p:style>
+          <a:lnRef idx="1">
+            <a:schemeClr val="accent1"/>
+          </a:lnRef>
+          <a:fillRef idx="3">
+            <a:schemeClr val="accent1"/>
+          </a:fillRef>
+          <a:effectRef idx="2">
+            <a:schemeClr val="accent1"/>
+          </a:effectRef>
+          <a:fontRef idx="minor">
+            <a:schemeClr val="lt1"/>
+          </a:fontRef>
+        </p:style>
+        <p:txBody>
+          <a:bodyPr rtlCol="0" anchor="ctr"/>
+          <a:lstStyle/>
+          <a:p>
+            <a:pPr algn="ctr"/>
+            <a:endParaRPr lang="en-US"/>
+          </a:p>
+        </p:txBody>
+      </p:sp>
+      <p:sp>
+        <p:nvSpPr>
+          <p:cNvPr id="218" name="Oval 217"/>
+          <p:cNvSpPr/>
+          <p:nvPr/>
+        </p:nvSpPr>
+        <p:spPr>
+          <a:xfrm>
+            <a:off x="2768921" y="4211081"/>
+            <a:ext cx="148448" cy="164955"/>
+          </a:xfrm>
+          <a:prstGeom prst="ellipse">
+            <a:avLst/>
+          </a:prstGeom>
+        </p:spPr>
+        <p:style>
+          <a:lnRef idx="1">
+            <a:schemeClr val="accent1"/>
+          </a:lnRef>
+          <a:fillRef idx="3">
+            <a:schemeClr val="accent1"/>
+          </a:fillRef>
+          <a:effectRef idx="2">
+            <a:schemeClr val="accent1"/>
+          </a:effectRef>
+          <a:fontRef idx="minor">
+            <a:schemeClr val="lt1"/>
+          </a:fontRef>
+        </p:style>
+        <p:txBody>
+          <a:bodyPr rtlCol="0" anchor="ctr"/>
+          <a:lstStyle/>
+          <a:p>
+            <a:pPr algn="ctr"/>
+            <a:endParaRPr lang="en-US"/>
+          </a:p>
+        </p:txBody>
+      </p:sp>
+      <p:sp>
+        <p:nvSpPr>
+          <p:cNvPr id="219" name="Oval 218"/>
+          <p:cNvSpPr/>
+          <p:nvPr/>
+        </p:nvSpPr>
+        <p:spPr>
+          <a:xfrm>
+            <a:off x="2490873" y="3695409"/>
+            <a:ext cx="148448" cy="164955"/>
+          </a:xfrm>
+          <a:prstGeom prst="ellipse">
+            <a:avLst/>
+          </a:prstGeom>
+        </p:spPr>
+        <p:style>
+          <a:lnRef idx="1">
+            <a:schemeClr val="accent1"/>
+          </a:lnRef>
+          <a:fillRef idx="3">
+            <a:schemeClr val="accent1"/>
+          </a:fillRef>
+          <a:effectRef idx="2">
+            <a:schemeClr val="accent1"/>
+          </a:effectRef>
+          <a:fontRef idx="minor">
+            <a:schemeClr val="lt1"/>
+          </a:fontRef>
+        </p:style>
+        <p:txBody>
+          <a:bodyPr rtlCol="0" anchor="ctr"/>
+          <a:lstStyle/>
+          <a:p>
+            <a:pPr algn="ctr"/>
+            <a:endParaRPr lang="en-US"/>
+          </a:p>
+        </p:txBody>
+      </p:sp>
+      <p:sp>
+        <p:nvSpPr>
+          <p:cNvPr id="220" name="Oval 219"/>
+          <p:cNvSpPr/>
+          <p:nvPr/>
+        </p:nvSpPr>
+        <p:spPr>
+          <a:xfrm>
+            <a:off x="2782185" y="4551234"/>
+            <a:ext cx="148448" cy="164955"/>
+          </a:xfrm>
+          <a:prstGeom prst="ellipse">
+            <a:avLst/>
+          </a:prstGeom>
+        </p:spPr>
+        <p:style>
+          <a:lnRef idx="1">
+            <a:schemeClr val="accent1"/>
+          </a:lnRef>
+          <a:fillRef idx="3">
+            <a:schemeClr val="accent1"/>
+          </a:fillRef>
+          <a:effectRef idx="2">
+            <a:schemeClr val="accent1"/>
+          </a:effectRef>
+          <a:fontRef idx="minor">
+            <a:schemeClr val="lt1"/>
+          </a:fontRef>
+        </p:style>
+        <p:txBody>
+          <a:bodyPr rtlCol="0" anchor="ctr"/>
+          <a:lstStyle/>
+          <a:p>
+            <a:pPr algn="ctr"/>
+            <a:endParaRPr lang="en-US"/>
+          </a:p>
+        </p:txBody>
+      </p:sp>
+      <p:sp>
+        <p:nvSpPr>
+          <p:cNvPr id="221" name="Oval 220"/>
+          <p:cNvSpPr/>
+          <p:nvPr/>
+        </p:nvSpPr>
+        <p:spPr>
+          <a:xfrm>
+            <a:off x="1958163" y="5162264"/>
+            <a:ext cx="148448" cy="164955"/>
+          </a:xfrm>
+          <a:prstGeom prst="ellipse">
+            <a:avLst/>
+          </a:prstGeom>
+        </p:spPr>
+        <p:style>
+          <a:lnRef idx="1">
+            <a:schemeClr val="accent1"/>
+          </a:lnRef>
+          <a:fillRef idx="3">
+            <a:schemeClr val="accent1"/>
+          </a:fillRef>
+          <a:effectRef idx="2">
+            <a:schemeClr val="accent1"/>
+          </a:effectRef>
+          <a:fontRef idx="minor">
+            <a:schemeClr val="lt1"/>
+          </a:fontRef>
+        </p:style>
+        <p:txBody>
+          <a:bodyPr rtlCol="0" anchor="ctr"/>
+          <a:lstStyle/>
+          <a:p>
+            <a:pPr algn="ctr"/>
+            <a:endParaRPr lang="en-US"/>
+          </a:p>
+        </p:txBody>
+      </p:sp>
+      <p:sp>
+        <p:nvSpPr>
+          <p:cNvPr id="222" name="Oval 221"/>
+          <p:cNvSpPr/>
+          <p:nvPr/>
+        </p:nvSpPr>
+        <p:spPr>
+          <a:xfrm>
+            <a:off x="2021133" y="4215359"/>
+            <a:ext cx="148448" cy="164955"/>
+          </a:xfrm>
+          <a:prstGeom prst="ellipse">
+            <a:avLst/>
+          </a:prstGeom>
+        </p:spPr>
+        <p:style>
+          <a:lnRef idx="1">
+            <a:schemeClr val="accent1"/>
+          </a:lnRef>
+          <a:fillRef idx="3">
+            <a:schemeClr val="accent1"/>
+          </a:fillRef>
+          <a:effectRef idx="2">
+            <a:schemeClr val="accent1"/>
+          </a:effectRef>
+          <a:fontRef idx="minor">
+            <a:schemeClr val="lt1"/>
+          </a:fontRef>
+        </p:style>
+        <p:txBody>
+          <a:bodyPr rtlCol="0" anchor="ctr"/>
+          <a:lstStyle/>
+          <a:p>
+            <a:pPr algn="ctr"/>
+            <a:endParaRPr lang="en-US"/>
+          </a:p>
+        </p:txBody>
+      </p:sp>
+      <p:sp>
+        <p:nvSpPr>
+          <p:cNvPr id="223" name="Oval 222"/>
+          <p:cNvSpPr/>
+          <p:nvPr/>
+        </p:nvSpPr>
+        <p:spPr>
+          <a:xfrm>
+            <a:off x="2173533" y="4136829"/>
+            <a:ext cx="148448" cy="164955"/>
+          </a:xfrm>
+          <a:prstGeom prst="ellipse">
+            <a:avLst/>
+          </a:prstGeom>
+        </p:spPr>
+        <p:style>
+          <a:lnRef idx="1">
+            <a:schemeClr val="accent1"/>
+          </a:lnRef>
+          <a:fillRef idx="3">
+            <a:schemeClr val="accent1"/>
+          </a:fillRef>
+          <a:effectRef idx="2">
+            <a:schemeClr val="accent1"/>
+          </a:effectRef>
+          <a:fontRef idx="minor">
+            <a:schemeClr val="lt1"/>
+          </a:fontRef>
+        </p:style>
+        <p:txBody>
+          <a:bodyPr rtlCol="0" anchor="ctr"/>
+          <a:lstStyle/>
+          <a:p>
+            <a:pPr algn="ctr"/>
+            <a:endParaRPr lang="en-US"/>
+          </a:p>
+        </p:txBody>
+      </p:sp>
+      <p:sp>
+        <p:nvSpPr>
+          <p:cNvPr id="224" name="Oval 223"/>
+          <p:cNvSpPr/>
+          <p:nvPr/>
+        </p:nvSpPr>
+        <p:spPr>
+          <a:xfrm>
+            <a:off x="2276451" y="4355209"/>
+            <a:ext cx="148448" cy="164955"/>
+          </a:xfrm>
+          <a:prstGeom prst="ellipse">
+            <a:avLst/>
+          </a:prstGeom>
+        </p:spPr>
+        <p:style>
+          <a:lnRef idx="1">
+            <a:schemeClr val="accent1"/>
+          </a:lnRef>
+          <a:fillRef idx="3">
+            <a:schemeClr val="accent1"/>
+          </a:fillRef>
+          <a:effectRef idx="2">
+            <a:schemeClr val="accent1"/>
+          </a:effectRef>
+          <a:fontRef idx="minor">
+            <a:schemeClr val="lt1"/>
+          </a:fontRef>
+        </p:style>
+        <p:txBody>
+          <a:bodyPr rtlCol="0" anchor="ctr"/>
+          <a:lstStyle/>
+          <a:p>
+            <a:pPr algn="ctr"/>
+            <a:endParaRPr lang="en-US"/>
+          </a:p>
+        </p:txBody>
+      </p:sp>
+      <p:sp>
+        <p:nvSpPr>
+          <p:cNvPr id="225" name="Oval 224"/>
+          <p:cNvSpPr/>
+          <p:nvPr/>
+        </p:nvSpPr>
+        <p:spPr>
+          <a:xfrm>
+            <a:off x="2478333" y="4227194"/>
+            <a:ext cx="148448" cy="164955"/>
+          </a:xfrm>
+          <a:prstGeom prst="ellipse">
+            <a:avLst/>
+          </a:prstGeom>
+        </p:spPr>
+        <p:style>
+          <a:lnRef idx="1">
+            <a:schemeClr val="accent1"/>
+          </a:lnRef>
+          <a:fillRef idx="3">
+            <a:schemeClr val="accent1"/>
+          </a:fillRef>
+          <a:effectRef idx="2">
+            <a:schemeClr val="accent1"/>
+          </a:effectRef>
+          <a:fontRef idx="minor">
+            <a:schemeClr val="lt1"/>
+          </a:fontRef>
+        </p:style>
+        <p:txBody>
+          <a:bodyPr rtlCol="0" anchor="ctr"/>
+          <a:lstStyle/>
+          <a:p>
+            <a:pPr algn="ctr"/>
+            <a:endParaRPr lang="en-US"/>
+          </a:p>
+        </p:txBody>
+      </p:sp>
+      <p:sp>
+        <p:nvSpPr>
+          <p:cNvPr id="226" name="Oval 225"/>
+          <p:cNvSpPr/>
+          <p:nvPr/>
+        </p:nvSpPr>
+        <p:spPr>
+          <a:xfrm>
+            <a:off x="1529319" y="4321019"/>
+            <a:ext cx="148448" cy="164955"/>
+          </a:xfrm>
+          <a:prstGeom prst="ellipse">
+            <a:avLst/>
+          </a:prstGeom>
+        </p:spPr>
+        <p:style>
+          <a:lnRef idx="1">
+            <a:schemeClr val="accent1"/>
+          </a:lnRef>
+          <a:fillRef idx="3">
+            <a:schemeClr val="accent1"/>
+          </a:fillRef>
+          <a:effectRef idx="2">
+            <a:schemeClr val="accent1"/>
+          </a:effectRef>
+          <a:fontRef idx="minor">
+            <a:schemeClr val="lt1"/>
+          </a:fontRef>
+        </p:style>
+        <p:txBody>
+          <a:bodyPr rtlCol="0" anchor="ctr"/>
+          <a:lstStyle/>
+          <a:p>
+            <a:pPr algn="ctr"/>
+            <a:endParaRPr lang="en-US"/>
+          </a:p>
+        </p:txBody>
+      </p:sp>
+      <p:sp>
+        <p:nvSpPr>
+          <p:cNvPr id="227" name="Oval 226"/>
+          <p:cNvSpPr/>
+          <p:nvPr/>
+        </p:nvSpPr>
+        <p:spPr>
+          <a:xfrm>
+            <a:off x="1681719" y="4357954"/>
+            <a:ext cx="148448" cy="164955"/>
+          </a:xfrm>
+          <a:prstGeom prst="ellipse">
+            <a:avLst/>
+          </a:prstGeom>
+        </p:spPr>
+        <p:style>
+          <a:lnRef idx="1">
+            <a:schemeClr val="accent1"/>
+          </a:lnRef>
+          <a:fillRef idx="3">
+            <a:schemeClr val="accent1"/>
+          </a:fillRef>
+          <a:effectRef idx="2">
+            <a:schemeClr val="accent1"/>
+          </a:effectRef>
+          <a:fontRef idx="minor">
+            <a:schemeClr val="lt1"/>
+          </a:fontRef>
+        </p:style>
+        <p:txBody>
+          <a:bodyPr rtlCol="0" anchor="ctr"/>
+          <a:lstStyle/>
+          <a:p>
+            <a:pPr algn="ctr"/>
+            <a:endParaRPr lang="en-US"/>
+          </a:p>
+        </p:txBody>
+      </p:sp>
+      <p:sp>
+        <p:nvSpPr>
+          <p:cNvPr id="228" name="Oval 227"/>
+          <p:cNvSpPr/>
+          <p:nvPr/>
+        </p:nvSpPr>
+        <p:spPr>
+          <a:xfrm>
+            <a:off x="1834119" y="4279424"/>
+            <a:ext cx="148448" cy="164955"/>
+          </a:xfrm>
+          <a:prstGeom prst="ellipse">
+            <a:avLst/>
+          </a:prstGeom>
+        </p:spPr>
+        <p:style>
+          <a:lnRef idx="1">
+            <a:schemeClr val="accent1"/>
+          </a:lnRef>
+          <a:fillRef idx="3">
+            <a:schemeClr val="accent1"/>
+          </a:fillRef>
+          <a:effectRef idx="2">
+            <a:schemeClr val="accent1"/>
+          </a:effectRef>
+          <a:fontRef idx="minor">
+            <a:schemeClr val="lt1"/>
+          </a:fontRef>
+        </p:style>
+        <p:txBody>
+          <a:bodyPr rtlCol="0" anchor="ctr"/>
+          <a:lstStyle/>
+          <a:p>
+            <a:pPr algn="ctr"/>
+            <a:endParaRPr lang="en-US"/>
+          </a:p>
+        </p:txBody>
+      </p:sp>
+      <p:sp>
+        <p:nvSpPr>
+          <p:cNvPr id="229" name="Oval 228"/>
+          <p:cNvSpPr/>
+          <p:nvPr/>
+        </p:nvSpPr>
+        <p:spPr>
+          <a:xfrm>
+            <a:off x="1937037" y="4497804"/>
+            <a:ext cx="148448" cy="164955"/>
+          </a:xfrm>
+          <a:prstGeom prst="ellipse">
+            <a:avLst/>
+          </a:prstGeom>
+        </p:spPr>
+        <p:style>
+          <a:lnRef idx="1">
+            <a:schemeClr val="accent1"/>
+          </a:lnRef>
+          <a:fillRef idx="3">
+            <a:schemeClr val="accent1"/>
+          </a:fillRef>
+          <a:effectRef idx="2">
+            <a:schemeClr val="accent1"/>
+          </a:effectRef>
+          <a:fontRef idx="minor">
+            <a:schemeClr val="lt1"/>
+          </a:fontRef>
+        </p:style>
+        <p:txBody>
+          <a:bodyPr rtlCol="0" anchor="ctr"/>
+          <a:lstStyle/>
+          <a:p>
+            <a:pPr algn="ctr"/>
+            <a:endParaRPr lang="en-US"/>
+          </a:p>
+        </p:txBody>
+      </p:sp>
+      <p:sp>
+        <p:nvSpPr>
+          <p:cNvPr id="230" name="Oval 229"/>
+          <p:cNvSpPr/>
+          <p:nvPr/>
+        </p:nvSpPr>
+        <p:spPr>
+          <a:xfrm>
+            <a:off x="2138919" y="4369789"/>
+            <a:ext cx="148448" cy="164955"/>
+          </a:xfrm>
+          <a:prstGeom prst="ellipse">
+            <a:avLst/>
+          </a:prstGeom>
+        </p:spPr>
+        <p:style>
+          <a:lnRef idx="1">
+            <a:schemeClr val="accent1"/>
+          </a:lnRef>
+          <a:fillRef idx="3">
+            <a:schemeClr val="accent1"/>
+          </a:fillRef>
+          <a:effectRef idx="2">
+            <a:schemeClr val="accent1"/>
+          </a:effectRef>
+          <a:fontRef idx="minor">
+            <a:schemeClr val="lt1"/>
+          </a:fontRef>
+        </p:style>
+        <p:txBody>
+          <a:bodyPr rtlCol="0" anchor="ctr"/>
+          <a:lstStyle/>
+          <a:p>
+            <a:pPr algn="ctr"/>
+            <a:endParaRPr lang="en-US"/>
+          </a:p>
+        </p:txBody>
+      </p:sp>
+      <p:sp>
+        <p:nvSpPr>
+          <p:cNvPr id="231" name="Oval 230"/>
+          <p:cNvSpPr/>
+          <p:nvPr/>
+        </p:nvSpPr>
+        <p:spPr>
+          <a:xfrm rot="2797064">
+            <a:off x="2785961" y="556528"/>
+            <a:ext cx="2382371" cy="1054970"/>
+          </a:xfrm>
+          <a:prstGeom prst="ellipse">
+            <a:avLst/>
+          </a:prstGeom>
+          <a:noFill/>
+          <a:ln w="38100" cmpd="sng">
+            <a:solidFill>
+              <a:srgbClr val="FF0000"/>
+            </a:solidFill>
+            <a:prstDash val="dash"/>
+          </a:ln>
+        </p:spPr>
+        <p:style>
+          <a:lnRef idx="1">
+            <a:schemeClr val="accent1"/>
+          </a:lnRef>
+          <a:fillRef idx="3">
+            <a:schemeClr val="accent1"/>
+          </a:fillRef>
+          <a:effectRef idx="2">
+            <a:schemeClr val="accent1"/>
+          </a:effectRef>
+          <a:fontRef idx="minor">
+            <a:schemeClr val="lt1"/>
+          </a:fontRef>
+        </p:style>
+        <p:txBody>
+          <a:bodyPr rtlCol="0" anchor="ctr"/>
+          <a:lstStyle/>
+          <a:p>
+            <a:pPr algn="ctr"/>
+            <a:endParaRPr lang="en-US"/>
+          </a:p>
+        </p:txBody>
+      </p:sp>
+      <p:cxnSp>
+        <p:nvCxnSpPr>
+          <p:cNvPr id="59" name="Straight Connector 58"/>
+          <p:cNvCxnSpPr>
+            <a:stCxn id="231" idx="2"/>
+            <a:endCxn id="246" idx="5"/>
+          </p:cNvCxnSpPr>
+          <p:nvPr/>
+        </p:nvCxnSpPr>
+        <p:spPr>
+          <a:xfrm>
+            <a:off x="3158966" y="218275"/>
+            <a:ext cx="922866" cy="948609"/>
+          </a:xfrm>
+          <a:prstGeom prst="line">
+            <a:avLst/>
+          </a:prstGeom>
+        </p:spPr>
+        <p:style>
+          <a:lnRef idx="2">
+            <a:schemeClr val="accent1"/>
+          </a:lnRef>
+          <a:fillRef idx="0">
+            <a:schemeClr val="accent1"/>
+          </a:fillRef>
+          <a:effectRef idx="1">
+            <a:schemeClr val="accent1"/>
+          </a:effectRef>
+          <a:fontRef idx="minor">
+            <a:schemeClr val="tx1"/>
+          </a:fontRef>
+        </p:style>
+      </p:cxnSp>
+      <p:cxnSp>
+        <p:nvCxnSpPr>
+          <p:cNvPr id="238" name="Straight Connector 237"/>
+          <p:cNvCxnSpPr/>
+          <p:nvPr/>
+        </p:nvCxnSpPr>
+        <p:spPr>
+          <a:xfrm>
+            <a:off x="3988395" y="1092317"/>
+            <a:ext cx="728961" cy="9187"/>
+          </a:xfrm>
+          <a:prstGeom prst="line">
+            <a:avLst/>
+          </a:prstGeom>
+        </p:spPr>
+        <p:style>
+          <a:lnRef idx="2">
+            <a:schemeClr val="accent1"/>
+          </a:lnRef>
+          <a:fillRef idx="0">
+            <a:schemeClr val="accent1"/>
+          </a:fillRef>
+          <a:effectRef idx="1">
+            <a:schemeClr val="accent1"/>
+          </a:effectRef>
+          <a:fontRef idx="minor">
+            <a:schemeClr val="tx1"/>
+          </a:fontRef>
+        </p:style>
+      </p:cxnSp>
+      <p:sp>
+        <p:nvSpPr>
+          <p:cNvPr id="242" name="Arc 241"/>
+          <p:cNvSpPr/>
+          <p:nvPr/>
+        </p:nvSpPr>
+        <p:spPr>
+          <a:xfrm>
+            <a:off x="3389063" y="920000"/>
+            <a:ext cx="901390" cy="313405"/>
+          </a:xfrm>
+          <a:prstGeom prst="arc">
+            <a:avLst/>
+          </a:prstGeom>
+        </p:spPr>
+        <p:style>
+          <a:lnRef idx="2">
+            <a:schemeClr val="accent1"/>
+          </a:lnRef>
+          <a:fillRef idx="0">
+            <a:schemeClr val="accent1"/>
+          </a:fillRef>
+          <a:effectRef idx="1">
+            <a:schemeClr val="accent1"/>
+          </a:effectRef>
+          <a:fontRef idx="minor">
+            <a:schemeClr val="tx1"/>
+          </a:fontRef>
+        </p:style>
+        <p:txBody>
+          <a:bodyPr rtlCol="0" anchor="ctr"/>
+          <a:lstStyle/>
+          <a:p>
+            <a:pPr algn="ctr"/>
+            <a:endParaRPr lang="en-US"/>
+          </a:p>
+        </p:txBody>
+      </p:sp>
+      <p:sp>
+        <p:nvSpPr>
+          <p:cNvPr id="244" name="TextBox 243"/>
+          <p:cNvSpPr txBox="1"/>
+          <p:nvPr/>
+        </p:nvSpPr>
+        <p:spPr>
+          <a:xfrm>
+            <a:off x="5756493" y="4223942"/>
+            <a:ext cx="653643" cy="677108"/>
+          </a:xfrm>
+          <a:prstGeom prst="rect">
+            <a:avLst/>
+          </a:prstGeom>
+          <a:noFill/>
+        </p:spPr>
+        <p:txBody>
+          <a:bodyPr wrap="square" rtlCol="0">
+            <a:spAutoFit/>
+          </a:bodyPr>
+          <a:lstStyle/>
+          <a:p>
+            <a:r>
+              <a:rPr lang="en-US" sz="3800" dirty="0" smtClean="0"/>
+              <a:t>A</a:t>
+            </a:r>
+            <a:endParaRPr lang="en-US" sz="3800" dirty="0"/>
+          </a:p>
+        </p:txBody>
+      </p:sp>
+      <p:sp>
+        <p:nvSpPr>
+          <p:cNvPr id="245" name="TextBox 244"/>
+          <p:cNvSpPr txBox="1"/>
+          <p:nvPr/>
+        </p:nvSpPr>
+        <p:spPr>
+          <a:xfrm>
+            <a:off x="1192478" y="3530410"/>
+            <a:ext cx="653643" cy="677108"/>
+          </a:xfrm>
+          <a:prstGeom prst="rect">
+            <a:avLst/>
+          </a:prstGeom>
+          <a:noFill/>
+        </p:spPr>
+        <p:txBody>
+          <a:bodyPr wrap="square" rtlCol="0">
+            <a:spAutoFit/>
+          </a:bodyPr>
+          <a:lstStyle/>
+          <a:p>
+            <a:r>
+              <a:rPr lang="en-US" sz="3800" dirty="0"/>
+              <a:t>B</a:t>
+            </a:r>
+            <a:endParaRPr lang="en-US" sz="3800" dirty="0"/>
+          </a:p>
+        </p:txBody>
+      </p:sp>
+      <p:sp>
+        <p:nvSpPr>
+          <p:cNvPr id="246" name="Donut 245"/>
+          <p:cNvSpPr/>
+          <p:nvPr/>
+        </p:nvSpPr>
+        <p:spPr>
+          <a:xfrm>
+            <a:off x="3908391" y="986216"/>
+            <a:ext cx="203199" cy="211666"/>
           </a:xfrm>
           <a:prstGeom prst="donut">
             <a:avLst/>
           </a:prstGeom>
           <a:solidFill>
-            <a:srgbClr val="008000"/>
+            <a:srgbClr val="FF0000"/>
           </a:solidFill>
           <a:ln>
             <a:noFill/>
@@ -6435,7 +10287,15 @@
           <a:lstStyle/>
           <a:p>
             <a:pPr algn="ctr"/>
-            <a:endParaRPr lang="en-US">
+            <a:r>
+              <a:rPr lang="en-US" dirty="0" smtClean="0">
+                <a:solidFill>
+                  <a:schemeClr val="tx1"/>
+                </a:solidFill>
+              </a:rPr>
+              <a:t> </a:t>
+            </a:r>
+            <a:endParaRPr lang="en-US" dirty="0">
               <a:solidFill>
                 <a:schemeClr val="tx1"/>
               </a:solidFill>
@@ -6443,51 +10303,978 @@
           </a:p>
         </p:txBody>
       </p:sp>
-      <p:sp>
-        <p:nvSpPr>
-          <p:cNvPr id="99" name="Donut 98"/>
-          <p:cNvSpPr/>
-          <p:nvPr/>
-        </p:nvSpPr>
-        <p:spPr>
-          <a:xfrm>
-            <a:off x="8216394" y="1780171"/>
-            <a:ext cx="203199" cy="211666"/>
-          </a:xfrm>
-          <a:prstGeom prst="donut">
+      <p:cxnSp>
+        <p:nvCxnSpPr>
+          <p:cNvPr id="252" name="Straight Arrow Connector 251"/>
+          <p:cNvCxnSpPr/>
+          <p:nvPr/>
+        </p:nvCxnSpPr>
+        <p:spPr>
+          <a:xfrm flipV="1">
+            <a:off x="4141391" y="939099"/>
+            <a:ext cx="821488" cy="25504"/>
+          </a:xfrm>
+          <a:prstGeom prst="straightConnector1">
+            <a:avLst/>
+          </a:prstGeom>
+          <a:ln>
+            <a:tailEnd type="arrow"/>
+          </a:ln>
+        </p:spPr>
+        <p:style>
+          <a:lnRef idx="2">
+            <a:schemeClr val="accent1"/>
+          </a:lnRef>
+          <a:fillRef idx="0">
+            <a:schemeClr val="accent1"/>
+          </a:fillRef>
+          <a:effectRef idx="1">
+            <a:schemeClr val="accent1"/>
+          </a:effectRef>
+          <a:fontRef idx="minor">
+            <a:schemeClr val="tx1"/>
+          </a:fontRef>
+        </p:style>
+      </p:cxnSp>
+      <p:sp>
+        <p:nvSpPr>
+          <p:cNvPr id="254" name="TextBox 253"/>
+          <p:cNvSpPr txBox="1"/>
+          <p:nvPr/>
+        </p:nvSpPr>
+        <p:spPr>
+          <a:xfrm>
+            <a:off x="4971925" y="614218"/>
+            <a:ext cx="319958" cy="523220"/>
+          </a:xfrm>
+          <a:prstGeom prst="rect">
             <a:avLst/>
           </a:prstGeom>
           <a:noFill/>
-          <a:ln>
-            <a:solidFill>
-              <a:srgbClr val="008000"/>
-            </a:solidFill>
-          </a:ln>
-        </p:spPr>
-        <p:style>
-          <a:lnRef idx="1">
-            <a:schemeClr val="accent1"/>
-          </a:lnRef>
-          <a:fillRef idx="3">
-            <a:schemeClr val="accent1"/>
-          </a:fillRef>
-          <a:effectRef idx="2">
-            <a:schemeClr val="accent1"/>
-          </a:effectRef>
-          <a:fontRef idx="minor">
-            <a:schemeClr val="lt1"/>
-          </a:fontRef>
-        </p:style>
-        <p:txBody>
-          <a:bodyPr rtlCol="0" anchor="ctr"/>
-          <a:lstStyle/>
-          <a:p>
-            <a:pPr algn="ctr"/>
-            <a:endParaRPr lang="en-US">
-              <a:solidFill>
-                <a:schemeClr val="tx1"/>
-              </a:solidFill>
-            </a:endParaRPr>
+        </p:spPr>
+        <p:txBody>
+          <a:bodyPr wrap="square" rtlCol="0">
+            <a:spAutoFit/>
+          </a:bodyPr>
+          <a:lstStyle/>
+          <a:p>
+            <a:r>
+              <a:rPr lang="en-US" sz="2800" dirty="0" smtClean="0"/>
+              <a:t>α</a:t>
+            </a:r>
+            <a:endParaRPr lang="en-US" sz="2800" dirty="0"/>
+          </a:p>
+        </p:txBody>
+      </p:sp>
+      <p:sp>
+        <p:nvSpPr>
+          <p:cNvPr id="255" name="Oval 254"/>
+          <p:cNvSpPr/>
+          <p:nvPr/>
+        </p:nvSpPr>
+        <p:spPr>
+          <a:xfrm>
+            <a:off x="3760045" y="1284540"/>
+            <a:ext cx="148448" cy="164955"/>
+          </a:xfrm>
+          <a:prstGeom prst="ellipse">
+            <a:avLst/>
+          </a:prstGeom>
+        </p:spPr>
+        <p:style>
+          <a:lnRef idx="1">
+            <a:schemeClr val="accent1"/>
+          </a:lnRef>
+          <a:fillRef idx="3">
+            <a:schemeClr val="accent1"/>
+          </a:fillRef>
+          <a:effectRef idx="2">
+            <a:schemeClr val="accent1"/>
+          </a:effectRef>
+          <a:fontRef idx="minor">
+            <a:schemeClr val="lt1"/>
+          </a:fontRef>
+        </p:style>
+        <p:txBody>
+          <a:bodyPr rtlCol="0" anchor="ctr"/>
+          <a:lstStyle/>
+          <a:p>
+            <a:pPr algn="ctr"/>
+            <a:endParaRPr lang="en-US"/>
+          </a:p>
+        </p:txBody>
+      </p:sp>
+      <p:sp>
+        <p:nvSpPr>
+          <p:cNvPr id="256" name="Oval 255"/>
+          <p:cNvSpPr/>
+          <p:nvPr/>
+        </p:nvSpPr>
+        <p:spPr>
+          <a:xfrm>
+            <a:off x="3912445" y="1206010"/>
+            <a:ext cx="148448" cy="164955"/>
+          </a:xfrm>
+          <a:prstGeom prst="ellipse">
+            <a:avLst/>
+          </a:prstGeom>
+        </p:spPr>
+        <p:style>
+          <a:lnRef idx="1">
+            <a:schemeClr val="accent1"/>
+          </a:lnRef>
+          <a:fillRef idx="3">
+            <a:schemeClr val="accent1"/>
+          </a:fillRef>
+          <a:effectRef idx="2">
+            <a:schemeClr val="accent1"/>
+          </a:effectRef>
+          <a:fontRef idx="minor">
+            <a:schemeClr val="lt1"/>
+          </a:fontRef>
+        </p:style>
+        <p:txBody>
+          <a:bodyPr rtlCol="0" anchor="ctr"/>
+          <a:lstStyle/>
+          <a:p>
+            <a:pPr algn="ctr"/>
+            <a:endParaRPr lang="en-US"/>
+          </a:p>
+        </p:txBody>
+      </p:sp>
+      <p:sp>
+        <p:nvSpPr>
+          <p:cNvPr id="257" name="Oval 256"/>
+          <p:cNvSpPr/>
+          <p:nvPr/>
+        </p:nvSpPr>
+        <p:spPr>
+          <a:xfrm>
+            <a:off x="2810496" y="155692"/>
+            <a:ext cx="148448" cy="164955"/>
+          </a:xfrm>
+          <a:prstGeom prst="ellipse">
+            <a:avLst/>
+          </a:prstGeom>
+        </p:spPr>
+        <p:style>
+          <a:lnRef idx="1">
+            <a:schemeClr val="accent1"/>
+          </a:lnRef>
+          <a:fillRef idx="3">
+            <a:schemeClr val="accent1"/>
+          </a:fillRef>
+          <a:effectRef idx="2">
+            <a:schemeClr val="accent1"/>
+          </a:effectRef>
+          <a:fontRef idx="minor">
+            <a:schemeClr val="lt1"/>
+          </a:fontRef>
+        </p:style>
+        <p:txBody>
+          <a:bodyPr rtlCol="0" anchor="ctr"/>
+          <a:lstStyle/>
+          <a:p>
+            <a:pPr algn="ctr"/>
+            <a:endParaRPr lang="en-US"/>
+          </a:p>
+        </p:txBody>
+      </p:sp>
+      <p:sp>
+        <p:nvSpPr>
+          <p:cNvPr id="258" name="Oval 257"/>
+          <p:cNvSpPr/>
+          <p:nvPr/>
+        </p:nvSpPr>
+        <p:spPr>
+          <a:xfrm>
+            <a:off x="3656965" y="717481"/>
+            <a:ext cx="148448" cy="164955"/>
+          </a:xfrm>
+          <a:prstGeom prst="ellipse">
+            <a:avLst/>
+          </a:prstGeom>
+        </p:spPr>
+        <p:style>
+          <a:lnRef idx="1">
+            <a:schemeClr val="accent1"/>
+          </a:lnRef>
+          <a:fillRef idx="3">
+            <a:schemeClr val="accent1"/>
+          </a:fillRef>
+          <a:effectRef idx="2">
+            <a:schemeClr val="accent1"/>
+          </a:effectRef>
+          <a:fontRef idx="minor">
+            <a:schemeClr val="lt1"/>
+          </a:fontRef>
+        </p:style>
+        <p:txBody>
+          <a:bodyPr rtlCol="0" anchor="ctr"/>
+          <a:lstStyle/>
+          <a:p>
+            <a:pPr algn="ctr"/>
+            <a:endParaRPr lang="en-US"/>
+          </a:p>
+        </p:txBody>
+      </p:sp>
+      <p:sp>
+        <p:nvSpPr>
+          <p:cNvPr id="259" name="Oval 258"/>
+          <p:cNvSpPr/>
+          <p:nvPr/>
+        </p:nvSpPr>
+        <p:spPr>
+          <a:xfrm>
+            <a:off x="3199765" y="276776"/>
+            <a:ext cx="148448" cy="164955"/>
+          </a:xfrm>
+          <a:prstGeom prst="ellipse">
+            <a:avLst/>
+          </a:prstGeom>
+        </p:spPr>
+        <p:style>
+          <a:lnRef idx="1">
+            <a:schemeClr val="accent1"/>
+          </a:lnRef>
+          <a:fillRef idx="3">
+            <a:schemeClr val="accent1"/>
+          </a:fillRef>
+          <a:effectRef idx="2">
+            <a:schemeClr val="accent1"/>
+          </a:effectRef>
+          <a:fontRef idx="minor">
+            <a:schemeClr val="lt1"/>
+          </a:fontRef>
+        </p:style>
+        <p:txBody>
+          <a:bodyPr rtlCol="0" anchor="ctr"/>
+          <a:lstStyle/>
+          <a:p>
+            <a:pPr algn="ctr"/>
+            <a:endParaRPr lang="en-US"/>
+          </a:p>
+        </p:txBody>
+      </p:sp>
+      <p:sp>
+        <p:nvSpPr>
+          <p:cNvPr id="260" name="Oval 259"/>
+          <p:cNvSpPr/>
+          <p:nvPr/>
+        </p:nvSpPr>
+        <p:spPr>
+          <a:xfrm>
+            <a:off x="3352165" y="313711"/>
+            <a:ext cx="148448" cy="164955"/>
+          </a:xfrm>
+          <a:prstGeom prst="ellipse">
+            <a:avLst/>
+          </a:prstGeom>
+        </p:spPr>
+        <p:style>
+          <a:lnRef idx="1">
+            <a:schemeClr val="accent1"/>
+          </a:lnRef>
+          <a:fillRef idx="3">
+            <a:schemeClr val="accent1"/>
+          </a:fillRef>
+          <a:effectRef idx="2">
+            <a:schemeClr val="accent1"/>
+          </a:effectRef>
+          <a:fontRef idx="minor">
+            <a:schemeClr val="lt1"/>
+          </a:fontRef>
+        </p:style>
+        <p:txBody>
+          <a:bodyPr rtlCol="0" anchor="ctr"/>
+          <a:lstStyle/>
+          <a:p>
+            <a:pPr algn="ctr"/>
+            <a:endParaRPr lang="en-US"/>
+          </a:p>
+        </p:txBody>
+      </p:sp>
+      <p:sp>
+        <p:nvSpPr>
+          <p:cNvPr id="261" name="Oval 260"/>
+          <p:cNvSpPr/>
+          <p:nvPr/>
+        </p:nvSpPr>
+        <p:spPr>
+          <a:xfrm>
+            <a:off x="3336481" y="123137"/>
+            <a:ext cx="148448" cy="164955"/>
+          </a:xfrm>
+          <a:prstGeom prst="ellipse">
+            <a:avLst/>
+          </a:prstGeom>
+        </p:spPr>
+        <p:style>
+          <a:lnRef idx="1">
+            <a:schemeClr val="accent1"/>
+          </a:lnRef>
+          <a:fillRef idx="3">
+            <a:schemeClr val="accent1"/>
+          </a:fillRef>
+          <a:effectRef idx="2">
+            <a:schemeClr val="accent1"/>
+          </a:effectRef>
+          <a:fontRef idx="minor">
+            <a:schemeClr val="lt1"/>
+          </a:fontRef>
+        </p:style>
+        <p:txBody>
+          <a:bodyPr rtlCol="0" anchor="ctr"/>
+          <a:lstStyle/>
+          <a:p>
+            <a:pPr algn="ctr"/>
+            <a:endParaRPr lang="en-US"/>
+          </a:p>
+        </p:txBody>
+      </p:sp>
+      <p:sp>
+        <p:nvSpPr>
+          <p:cNvPr id="262" name="Oval 261"/>
+          <p:cNvSpPr/>
+          <p:nvPr/>
+        </p:nvSpPr>
+        <p:spPr>
+          <a:xfrm>
+            <a:off x="3607483" y="453561"/>
+            <a:ext cx="148448" cy="164955"/>
+          </a:xfrm>
+          <a:prstGeom prst="ellipse">
+            <a:avLst/>
+          </a:prstGeom>
+        </p:spPr>
+        <p:style>
+          <a:lnRef idx="1">
+            <a:schemeClr val="accent1"/>
+          </a:lnRef>
+          <a:fillRef idx="3">
+            <a:schemeClr val="accent1"/>
+          </a:fillRef>
+          <a:effectRef idx="2">
+            <a:schemeClr val="accent1"/>
+          </a:effectRef>
+          <a:fontRef idx="minor">
+            <a:schemeClr val="lt1"/>
+          </a:fontRef>
+        </p:style>
+        <p:txBody>
+          <a:bodyPr rtlCol="0" anchor="ctr"/>
+          <a:lstStyle/>
+          <a:p>
+            <a:pPr algn="ctr"/>
+            <a:endParaRPr lang="en-US"/>
+          </a:p>
+        </p:txBody>
+      </p:sp>
+      <p:sp>
+        <p:nvSpPr>
+          <p:cNvPr id="263" name="Oval 262"/>
+          <p:cNvSpPr/>
+          <p:nvPr/>
+        </p:nvSpPr>
+        <p:spPr>
+          <a:xfrm>
+            <a:off x="3137743" y="973511"/>
+            <a:ext cx="148448" cy="164955"/>
+          </a:xfrm>
+          <a:prstGeom prst="ellipse">
+            <a:avLst/>
+          </a:prstGeom>
+        </p:spPr>
+        <p:style>
+          <a:lnRef idx="1">
+            <a:schemeClr val="accent1"/>
+          </a:lnRef>
+          <a:fillRef idx="3">
+            <a:schemeClr val="accent1"/>
+          </a:fillRef>
+          <a:effectRef idx="2">
+            <a:schemeClr val="accent1"/>
+          </a:effectRef>
+          <a:fontRef idx="minor">
+            <a:schemeClr val="lt1"/>
+          </a:fontRef>
+        </p:style>
+        <p:txBody>
+          <a:bodyPr rtlCol="0" anchor="ctr"/>
+          <a:lstStyle/>
+          <a:p>
+            <a:pPr algn="ctr"/>
+            <a:endParaRPr lang="en-US"/>
+          </a:p>
+        </p:txBody>
+      </p:sp>
+      <p:sp>
+        <p:nvSpPr>
+          <p:cNvPr id="264" name="Oval 263"/>
+          <p:cNvSpPr/>
+          <p:nvPr/>
+        </p:nvSpPr>
+        <p:spPr>
+          <a:xfrm>
+            <a:off x="3850423" y="1473875"/>
+            <a:ext cx="148448" cy="164955"/>
+          </a:xfrm>
+          <a:prstGeom prst="ellipse">
+            <a:avLst/>
+          </a:prstGeom>
+        </p:spPr>
+        <p:style>
+          <a:lnRef idx="1">
+            <a:schemeClr val="accent1"/>
+          </a:lnRef>
+          <a:fillRef idx="3">
+            <a:schemeClr val="accent1"/>
+          </a:fillRef>
+          <a:effectRef idx="2">
+            <a:schemeClr val="accent1"/>
+          </a:effectRef>
+          <a:fontRef idx="minor">
+            <a:schemeClr val="lt1"/>
+          </a:fontRef>
+        </p:style>
+        <p:txBody>
+          <a:bodyPr rtlCol="0" anchor="ctr"/>
+          <a:lstStyle/>
+          <a:p>
+            <a:pPr algn="ctr"/>
+            <a:endParaRPr lang="en-US"/>
+          </a:p>
+        </p:txBody>
+      </p:sp>
+      <p:sp>
+        <p:nvSpPr>
+          <p:cNvPr id="265" name="Oval 264"/>
+          <p:cNvSpPr/>
+          <p:nvPr/>
+        </p:nvSpPr>
+        <p:spPr>
+          <a:xfrm>
+            <a:off x="3009669" y="160860"/>
+            <a:ext cx="148448" cy="164955"/>
+          </a:xfrm>
+          <a:prstGeom prst="ellipse">
+            <a:avLst/>
+          </a:prstGeom>
+        </p:spPr>
+        <p:style>
+          <a:lnRef idx="1">
+            <a:schemeClr val="accent1"/>
+          </a:lnRef>
+          <a:fillRef idx="3">
+            <a:schemeClr val="accent1"/>
+          </a:fillRef>
+          <a:effectRef idx="2">
+            <a:schemeClr val="accent1"/>
+          </a:effectRef>
+          <a:fontRef idx="minor">
+            <a:schemeClr val="lt1"/>
+          </a:fontRef>
+        </p:style>
+        <p:txBody>
+          <a:bodyPr rtlCol="0" anchor="ctr"/>
+          <a:lstStyle/>
+          <a:p>
+            <a:pPr algn="ctr"/>
+            <a:endParaRPr lang="en-US"/>
+          </a:p>
+        </p:txBody>
+      </p:sp>
+      <p:sp>
+        <p:nvSpPr>
+          <p:cNvPr id="266" name="Oval 265"/>
+          <p:cNvSpPr/>
+          <p:nvPr/>
+        </p:nvSpPr>
+        <p:spPr>
+          <a:xfrm>
+            <a:off x="3594943" y="985346"/>
+            <a:ext cx="148448" cy="164955"/>
+          </a:xfrm>
+          <a:prstGeom prst="ellipse">
+            <a:avLst/>
+          </a:prstGeom>
+        </p:spPr>
+        <p:style>
+          <a:lnRef idx="1">
+            <a:schemeClr val="accent1"/>
+          </a:lnRef>
+          <a:fillRef idx="3">
+            <a:schemeClr val="accent1"/>
+          </a:fillRef>
+          <a:effectRef idx="2">
+            <a:schemeClr val="accent1"/>
+          </a:effectRef>
+          <a:fontRef idx="minor">
+            <a:schemeClr val="lt1"/>
+          </a:fontRef>
+        </p:style>
+        <p:txBody>
+          <a:bodyPr rtlCol="0" anchor="ctr"/>
+          <a:lstStyle/>
+          <a:p>
+            <a:pPr algn="ctr"/>
+            <a:endParaRPr lang="en-US"/>
+          </a:p>
+        </p:txBody>
+      </p:sp>
+      <p:sp>
+        <p:nvSpPr>
+          <p:cNvPr id="267" name="Oval 266"/>
+          <p:cNvSpPr/>
+          <p:nvPr/>
+        </p:nvSpPr>
+        <p:spPr>
+          <a:xfrm>
+            <a:off x="3909453" y="556254"/>
+            <a:ext cx="148448" cy="164955"/>
+          </a:xfrm>
+          <a:prstGeom prst="ellipse">
+            <a:avLst/>
+          </a:prstGeom>
+        </p:spPr>
+        <p:style>
+          <a:lnRef idx="1">
+            <a:schemeClr val="accent1"/>
+          </a:lnRef>
+          <a:fillRef idx="3">
+            <a:schemeClr val="accent1"/>
+          </a:fillRef>
+          <a:effectRef idx="2">
+            <a:schemeClr val="accent1"/>
+          </a:effectRef>
+          <a:fontRef idx="minor">
+            <a:schemeClr val="lt1"/>
+          </a:fontRef>
+        </p:style>
+        <p:txBody>
+          <a:bodyPr rtlCol="0" anchor="ctr"/>
+          <a:lstStyle/>
+          <a:p>
+            <a:pPr algn="ctr"/>
+            <a:endParaRPr lang="en-US"/>
+          </a:p>
+        </p:txBody>
+      </p:sp>
+      <p:sp>
+        <p:nvSpPr>
+          <p:cNvPr id="268" name="Oval 267"/>
+          <p:cNvSpPr/>
+          <p:nvPr/>
+        </p:nvSpPr>
+        <p:spPr>
+          <a:xfrm>
+            <a:off x="4173909" y="496398"/>
+            <a:ext cx="148448" cy="164955"/>
+          </a:xfrm>
+          <a:prstGeom prst="ellipse">
+            <a:avLst/>
+          </a:prstGeom>
+        </p:spPr>
+        <p:style>
+          <a:lnRef idx="1">
+            <a:schemeClr val="accent1"/>
+          </a:lnRef>
+          <a:fillRef idx="3">
+            <a:schemeClr val="accent1"/>
+          </a:fillRef>
+          <a:effectRef idx="2">
+            <a:schemeClr val="accent1"/>
+          </a:effectRef>
+          <a:fontRef idx="minor">
+            <a:schemeClr val="lt1"/>
+          </a:fontRef>
+        </p:style>
+        <p:txBody>
+          <a:bodyPr rtlCol="0" anchor="ctr"/>
+          <a:lstStyle/>
+          <a:p>
+            <a:pPr algn="ctr"/>
+            <a:endParaRPr lang="en-US"/>
+          </a:p>
+        </p:txBody>
+      </p:sp>
+      <p:sp>
+        <p:nvSpPr>
+          <p:cNvPr id="269" name="Oval 268"/>
+          <p:cNvSpPr/>
+          <p:nvPr/>
+        </p:nvSpPr>
+        <p:spPr>
+          <a:xfrm>
+            <a:off x="4426235" y="1573782"/>
+            <a:ext cx="148448" cy="164955"/>
+          </a:xfrm>
+          <a:prstGeom prst="ellipse">
+            <a:avLst/>
+          </a:prstGeom>
+        </p:spPr>
+        <p:style>
+          <a:lnRef idx="1">
+            <a:schemeClr val="accent1"/>
+          </a:lnRef>
+          <a:fillRef idx="3">
+            <a:schemeClr val="accent1"/>
+          </a:fillRef>
+          <a:effectRef idx="2">
+            <a:schemeClr val="accent1"/>
+          </a:effectRef>
+          <a:fontRef idx="minor">
+            <a:schemeClr val="lt1"/>
+          </a:fontRef>
+        </p:style>
+        <p:txBody>
+          <a:bodyPr rtlCol="0" anchor="ctr"/>
+          <a:lstStyle/>
+          <a:p>
+            <a:pPr algn="ctr"/>
+            <a:endParaRPr lang="en-US"/>
+          </a:p>
+        </p:txBody>
+      </p:sp>
+      <p:sp>
+        <p:nvSpPr>
+          <p:cNvPr id="270" name="Oval 269"/>
+          <p:cNvSpPr/>
+          <p:nvPr/>
+        </p:nvSpPr>
+        <p:spPr>
+          <a:xfrm>
+            <a:off x="4628117" y="1445767"/>
+            <a:ext cx="148448" cy="164955"/>
+          </a:xfrm>
+          <a:prstGeom prst="ellipse">
+            <a:avLst/>
+          </a:prstGeom>
+        </p:spPr>
+        <p:style>
+          <a:lnRef idx="1">
+            <a:schemeClr val="accent1"/>
+          </a:lnRef>
+          <a:fillRef idx="3">
+            <a:schemeClr val="accent1"/>
+          </a:fillRef>
+          <a:effectRef idx="2">
+            <a:schemeClr val="accent1"/>
+          </a:effectRef>
+          <a:fontRef idx="minor">
+            <a:schemeClr val="lt1"/>
+          </a:fontRef>
+        </p:style>
+        <p:txBody>
+          <a:bodyPr rtlCol="0" anchor="ctr"/>
+          <a:lstStyle/>
+          <a:p>
+            <a:pPr algn="ctr"/>
+            <a:endParaRPr lang="en-US"/>
+          </a:p>
+        </p:txBody>
+      </p:sp>
+      <p:sp>
+        <p:nvSpPr>
+          <p:cNvPr id="271" name="Oval 270"/>
+          <p:cNvSpPr/>
+          <p:nvPr/>
+        </p:nvSpPr>
+        <p:spPr>
+          <a:xfrm>
+            <a:off x="3289468" y="536038"/>
+            <a:ext cx="148448" cy="164955"/>
+          </a:xfrm>
+          <a:prstGeom prst="ellipse">
+            <a:avLst/>
+          </a:prstGeom>
+        </p:spPr>
+        <p:style>
+          <a:lnRef idx="1">
+            <a:schemeClr val="accent1"/>
+          </a:lnRef>
+          <a:fillRef idx="3">
+            <a:schemeClr val="accent1"/>
+          </a:fillRef>
+          <a:effectRef idx="2">
+            <a:schemeClr val="accent1"/>
+          </a:effectRef>
+          <a:fontRef idx="minor">
+            <a:schemeClr val="lt1"/>
+          </a:fontRef>
+        </p:style>
+        <p:txBody>
+          <a:bodyPr rtlCol="0" anchor="ctr"/>
+          <a:lstStyle/>
+          <a:p>
+            <a:pPr algn="ctr"/>
+            <a:endParaRPr lang="en-US"/>
+          </a:p>
+        </p:txBody>
+      </p:sp>
+      <p:sp>
+        <p:nvSpPr>
+          <p:cNvPr id="272" name="Oval 271"/>
+          <p:cNvSpPr/>
+          <p:nvPr/>
+        </p:nvSpPr>
+        <p:spPr>
+          <a:xfrm>
+            <a:off x="4323317" y="1041997"/>
+            <a:ext cx="148448" cy="164955"/>
+          </a:xfrm>
+          <a:prstGeom prst="ellipse">
+            <a:avLst/>
+          </a:prstGeom>
+        </p:spPr>
+        <p:style>
+          <a:lnRef idx="1">
+            <a:schemeClr val="accent1"/>
+          </a:lnRef>
+          <a:fillRef idx="3">
+            <a:schemeClr val="accent1"/>
+          </a:fillRef>
+          <a:effectRef idx="2">
+            <a:schemeClr val="accent1"/>
+          </a:effectRef>
+          <a:fontRef idx="minor">
+            <a:schemeClr val="lt1"/>
+          </a:fontRef>
+        </p:style>
+        <p:txBody>
+          <a:bodyPr rtlCol="0" anchor="ctr"/>
+          <a:lstStyle/>
+          <a:p>
+            <a:pPr algn="ctr"/>
+            <a:endParaRPr lang="en-US"/>
+          </a:p>
+        </p:txBody>
+      </p:sp>
+      <p:sp>
+        <p:nvSpPr>
+          <p:cNvPr id="273" name="Oval 272"/>
+          <p:cNvSpPr/>
+          <p:nvPr/>
+        </p:nvSpPr>
+        <p:spPr>
+          <a:xfrm>
+            <a:off x="3262257" y="757512"/>
+            <a:ext cx="148448" cy="164955"/>
+          </a:xfrm>
+          <a:prstGeom prst="ellipse">
+            <a:avLst/>
+          </a:prstGeom>
+        </p:spPr>
+        <p:style>
+          <a:lnRef idx="1">
+            <a:schemeClr val="accent1"/>
+          </a:lnRef>
+          <a:fillRef idx="3">
+            <a:schemeClr val="accent1"/>
+          </a:fillRef>
+          <a:effectRef idx="2">
+            <a:schemeClr val="accent1"/>
+          </a:effectRef>
+          <a:fontRef idx="minor">
+            <a:schemeClr val="lt1"/>
+          </a:fontRef>
+        </p:style>
+        <p:txBody>
+          <a:bodyPr rtlCol="0" anchor="ctr"/>
+          <a:lstStyle/>
+          <a:p>
+            <a:pPr algn="ctr"/>
+            <a:endParaRPr lang="en-US"/>
+          </a:p>
+        </p:txBody>
+      </p:sp>
+      <p:sp>
+        <p:nvSpPr>
+          <p:cNvPr id="274" name="Oval 273"/>
+          <p:cNvSpPr/>
+          <p:nvPr/>
+        </p:nvSpPr>
+        <p:spPr>
+          <a:xfrm>
+            <a:off x="4578635" y="1181847"/>
+            <a:ext cx="148448" cy="164955"/>
+          </a:xfrm>
+          <a:prstGeom prst="ellipse">
+            <a:avLst/>
+          </a:prstGeom>
+        </p:spPr>
+        <p:style>
+          <a:lnRef idx="1">
+            <a:schemeClr val="accent1"/>
+          </a:lnRef>
+          <a:fillRef idx="3">
+            <a:schemeClr val="accent1"/>
+          </a:fillRef>
+          <a:effectRef idx="2">
+            <a:schemeClr val="accent1"/>
+          </a:effectRef>
+          <a:fontRef idx="minor">
+            <a:schemeClr val="lt1"/>
+          </a:fontRef>
+        </p:style>
+        <p:txBody>
+          <a:bodyPr rtlCol="0" anchor="ctr"/>
+          <a:lstStyle/>
+          <a:p>
+            <a:pPr algn="ctr"/>
+            <a:endParaRPr lang="en-US"/>
+          </a:p>
+        </p:txBody>
+      </p:sp>
+      <p:sp>
+        <p:nvSpPr>
+          <p:cNvPr id="275" name="Oval 274"/>
+          <p:cNvSpPr/>
+          <p:nvPr/>
+        </p:nvSpPr>
+        <p:spPr>
+          <a:xfrm>
+            <a:off x="3996839" y="1683123"/>
+            <a:ext cx="148448" cy="164955"/>
+          </a:xfrm>
+          <a:prstGeom prst="ellipse">
+            <a:avLst/>
+          </a:prstGeom>
+        </p:spPr>
+        <p:style>
+          <a:lnRef idx="1">
+            <a:schemeClr val="accent1"/>
+          </a:lnRef>
+          <a:fillRef idx="3">
+            <a:schemeClr val="accent1"/>
+          </a:fillRef>
+          <a:effectRef idx="2">
+            <a:schemeClr val="accent1"/>
+          </a:effectRef>
+          <a:fontRef idx="minor">
+            <a:schemeClr val="lt1"/>
+          </a:fontRef>
+        </p:style>
+        <p:txBody>
+          <a:bodyPr rtlCol="0" anchor="ctr"/>
+          <a:lstStyle/>
+          <a:p>
+            <a:pPr algn="ctr"/>
+            <a:endParaRPr lang="en-US"/>
+          </a:p>
+        </p:txBody>
+      </p:sp>
+      <p:sp>
+        <p:nvSpPr>
+          <p:cNvPr id="276" name="Oval 275"/>
+          <p:cNvSpPr/>
+          <p:nvPr/>
+        </p:nvSpPr>
+        <p:spPr>
+          <a:xfrm>
+            <a:off x="4261295" y="1623267"/>
+            <a:ext cx="148448" cy="164955"/>
+          </a:xfrm>
+          <a:prstGeom prst="ellipse">
+            <a:avLst/>
+          </a:prstGeom>
+        </p:spPr>
+        <p:style>
+          <a:lnRef idx="1">
+            <a:schemeClr val="accent1"/>
+          </a:lnRef>
+          <a:fillRef idx="3">
+            <a:schemeClr val="accent1"/>
+          </a:fillRef>
+          <a:effectRef idx="2">
+            <a:schemeClr val="accent1"/>
+          </a:effectRef>
+          <a:fontRef idx="minor">
+            <a:schemeClr val="lt1"/>
+          </a:fontRef>
+        </p:style>
+        <p:txBody>
+          <a:bodyPr rtlCol="0" anchor="ctr"/>
+          <a:lstStyle/>
+          <a:p>
+            <a:pPr algn="ctr"/>
+            <a:endParaRPr lang="en-US"/>
+          </a:p>
+        </p:txBody>
+      </p:sp>
+      <p:sp>
+        <p:nvSpPr>
+          <p:cNvPr id="277" name="Oval 276"/>
+          <p:cNvSpPr/>
+          <p:nvPr/>
+        </p:nvSpPr>
+        <p:spPr>
+          <a:xfrm>
+            <a:off x="4252157" y="1822973"/>
+            <a:ext cx="148448" cy="164955"/>
+          </a:xfrm>
+          <a:prstGeom prst="ellipse">
+            <a:avLst/>
+          </a:prstGeom>
+        </p:spPr>
+        <p:style>
+          <a:lnRef idx="1">
+            <a:schemeClr val="accent1"/>
+          </a:lnRef>
+          <a:fillRef idx="3">
+            <a:schemeClr val="accent1"/>
+          </a:fillRef>
+          <a:effectRef idx="2">
+            <a:schemeClr val="accent1"/>
+          </a:effectRef>
+          <a:fontRef idx="minor">
+            <a:schemeClr val="lt1"/>
+          </a:fontRef>
+        </p:style>
+        <p:txBody>
+          <a:bodyPr rtlCol="0" anchor="ctr"/>
+          <a:lstStyle/>
+          <a:p>
+            <a:pPr algn="ctr"/>
+            <a:endParaRPr lang="en-US"/>
+          </a:p>
+        </p:txBody>
+      </p:sp>
+      <p:sp>
+        <p:nvSpPr>
+          <p:cNvPr id="278" name="Oval 277"/>
+          <p:cNvSpPr/>
+          <p:nvPr/>
+        </p:nvSpPr>
+        <p:spPr>
+          <a:xfrm>
+            <a:off x="4566095" y="1713632"/>
+            <a:ext cx="148448" cy="164955"/>
+          </a:xfrm>
+          <a:prstGeom prst="ellipse">
+            <a:avLst/>
+          </a:prstGeom>
+        </p:spPr>
+        <p:style>
+          <a:lnRef idx="1">
+            <a:schemeClr val="accent1"/>
+          </a:lnRef>
+          <a:fillRef idx="3">
+            <a:schemeClr val="accent1"/>
+          </a:fillRef>
+          <a:effectRef idx="2">
+            <a:schemeClr val="accent1"/>
+          </a:effectRef>
+          <a:fontRef idx="minor">
+            <a:schemeClr val="lt1"/>
+          </a:fontRef>
+        </p:style>
+        <p:txBody>
+          <a:bodyPr rtlCol="0" anchor="ctr"/>
+          <a:lstStyle/>
+          <a:p>
+            <a:pPr algn="ctr"/>
+            <a:endParaRPr lang="en-US"/>
           </a:p>
         </p:txBody>
       </p:sp>

--- a/Project/Drawings.pptx
+++ b/Project/Drawings.pptx
@@ -5994,7 +5994,7 @@
             <a:avLst/>
           </a:prstGeom>
           <a:noFill/>
-          <a:ln w="38100" cmpd="sng">
+          <a:ln w="76200" cmpd="sng">
             <a:solidFill>
               <a:srgbClr val="008000"/>
             </a:solidFill>
@@ -6492,7 +6492,7 @@
             <a:avLst/>
           </a:prstGeom>
           <a:noFill/>
-          <a:ln w="38100" cmpd="sng">
+          <a:ln w="76200" cmpd="sng">
             <a:solidFill>
               <a:srgbClr val="1F497D"/>
             </a:solidFill>

--- a/Project/Drawings.pptx
+++ b/Project/Drawings.pptx
@@ -7,6 +7,13 @@
   <p:sldIdLst>
     <p:sldId id="256" r:id="rId2"/>
     <p:sldId id="257" r:id="rId3"/>
+    <p:sldId id="258" r:id="rId4"/>
+    <p:sldId id="259" r:id="rId5"/>
+    <p:sldId id="264" r:id="rId6"/>
+    <p:sldId id="261" r:id="rId7"/>
+    <p:sldId id="260" r:id="rId8"/>
+    <p:sldId id="262" r:id="rId9"/>
+    <p:sldId id="263" r:id="rId10"/>
   </p:sldIdLst>
   <p:sldSz cx="9144000" cy="6858000" type="screen4x3"/>
   <p:notesSz cx="6858000" cy="9144000"/>
@@ -289,7 +296,7 @@
           <a:p>
             <a:fld id="{0DBF645A-F2FA-6B44-9CD1-4A4883394FAA}" type="datetimeFigureOut">
               <a:rPr lang="en-US" smtClean="0"/>
-              <a:t>8/4/15</a:t>
+              <a:t>9/15/15</a:t>
             </a:fld>
             <a:endParaRPr lang="en-US"/>
           </a:p>
@@ -459,7 +466,7 @@
           <a:p>
             <a:fld id="{0DBF645A-F2FA-6B44-9CD1-4A4883394FAA}" type="datetimeFigureOut">
               <a:rPr lang="en-US" smtClean="0"/>
-              <a:t>8/4/15</a:t>
+              <a:t>9/15/15</a:t>
             </a:fld>
             <a:endParaRPr lang="en-US"/>
           </a:p>
@@ -639,7 +646,7 @@
           <a:p>
             <a:fld id="{0DBF645A-F2FA-6B44-9CD1-4A4883394FAA}" type="datetimeFigureOut">
               <a:rPr lang="en-US" smtClean="0"/>
-              <a:t>8/4/15</a:t>
+              <a:t>9/15/15</a:t>
             </a:fld>
             <a:endParaRPr lang="en-US"/>
           </a:p>
@@ -809,7 +816,7 @@
           <a:p>
             <a:fld id="{0DBF645A-F2FA-6B44-9CD1-4A4883394FAA}" type="datetimeFigureOut">
               <a:rPr lang="en-US" smtClean="0"/>
-              <a:t>8/4/15</a:t>
+              <a:t>9/15/15</a:t>
             </a:fld>
             <a:endParaRPr lang="en-US"/>
           </a:p>
@@ -1055,7 +1062,7 @@
           <a:p>
             <a:fld id="{0DBF645A-F2FA-6B44-9CD1-4A4883394FAA}" type="datetimeFigureOut">
               <a:rPr lang="en-US" smtClean="0"/>
-              <a:t>8/4/15</a:t>
+              <a:t>9/15/15</a:t>
             </a:fld>
             <a:endParaRPr lang="en-US"/>
           </a:p>
@@ -1343,7 +1350,7 @@
           <a:p>
             <a:fld id="{0DBF645A-F2FA-6B44-9CD1-4A4883394FAA}" type="datetimeFigureOut">
               <a:rPr lang="en-US" smtClean="0"/>
-              <a:t>8/4/15</a:t>
+              <a:t>9/15/15</a:t>
             </a:fld>
             <a:endParaRPr lang="en-US"/>
           </a:p>
@@ -1765,7 +1772,7 @@
           <a:p>
             <a:fld id="{0DBF645A-F2FA-6B44-9CD1-4A4883394FAA}" type="datetimeFigureOut">
               <a:rPr lang="en-US" smtClean="0"/>
-              <a:t>8/4/15</a:t>
+              <a:t>9/15/15</a:t>
             </a:fld>
             <a:endParaRPr lang="en-US"/>
           </a:p>
@@ -1883,7 +1890,7 @@
           <a:p>
             <a:fld id="{0DBF645A-F2FA-6B44-9CD1-4A4883394FAA}" type="datetimeFigureOut">
               <a:rPr lang="en-US" smtClean="0"/>
-              <a:t>8/4/15</a:t>
+              <a:t>9/15/15</a:t>
             </a:fld>
             <a:endParaRPr lang="en-US"/>
           </a:p>
@@ -1978,7 +1985,7 @@
           <a:p>
             <a:fld id="{0DBF645A-F2FA-6B44-9CD1-4A4883394FAA}" type="datetimeFigureOut">
               <a:rPr lang="en-US" smtClean="0"/>
-              <a:t>8/4/15</a:t>
+              <a:t>9/15/15</a:t>
             </a:fld>
             <a:endParaRPr lang="en-US"/>
           </a:p>
@@ -2255,7 +2262,7 @@
           <a:p>
             <a:fld id="{0DBF645A-F2FA-6B44-9CD1-4A4883394FAA}" type="datetimeFigureOut">
               <a:rPr lang="en-US" smtClean="0"/>
-              <a:t>8/4/15</a:t>
+              <a:t>9/15/15</a:t>
             </a:fld>
             <a:endParaRPr lang="en-US"/>
           </a:p>
@@ -2508,7 +2515,7 @@
           <a:p>
             <a:fld id="{0DBF645A-F2FA-6B44-9CD1-4A4883394FAA}" type="datetimeFigureOut">
               <a:rPr lang="en-US" smtClean="0"/>
-              <a:t>8/4/15</a:t>
+              <a:t>9/15/15</a:t>
             </a:fld>
             <a:endParaRPr lang="en-US"/>
           </a:p>
@@ -2721,7 +2728,7 @@
           <a:p>
             <a:fld id="{0DBF645A-F2FA-6B44-9CD1-4A4883394FAA}" type="datetimeFigureOut">
               <a:rPr lang="en-US" smtClean="0"/>
-              <a:t>8/4/15</a:t>
+              <a:t>9/15/15</a:t>
             </a:fld>
             <a:endParaRPr lang="en-US"/>
           </a:p>
@@ -3096,601 +3103,774 @@
           <a:chExt cx="0" cy="0"/>
         </a:xfrm>
       </p:grpSpPr>
-      <p:sp>
-        <p:nvSpPr>
-          <p:cNvPr id="4" name="Oval 3"/>
-          <p:cNvSpPr/>
-          <p:nvPr/>
-        </p:nvSpPr>
-        <p:spPr>
-          <a:xfrm>
-            <a:off x="3694713" y="2309368"/>
-            <a:ext cx="1187585" cy="1187675"/>
-          </a:xfrm>
-          <a:prstGeom prst="ellipse">
-            <a:avLst/>
-          </a:prstGeom>
-          <a:solidFill>
-            <a:schemeClr val="tx2"/>
-          </a:solidFill>
-          <a:ln>
+      <p:grpSp>
+        <p:nvGrpSpPr>
+          <p:cNvPr id="6" name="Group 5"/>
+          <p:cNvGrpSpPr/>
+          <p:nvPr/>
+        </p:nvGrpSpPr>
+        <p:grpSpPr>
+          <a:xfrm>
+            <a:off x="2292701" y="1113101"/>
+            <a:ext cx="4552413" cy="3966976"/>
+            <a:chOff x="2292701" y="1113101"/>
+            <a:chExt cx="4552413" cy="3966976"/>
+          </a:xfrm>
+        </p:grpSpPr>
+        <p:sp>
+          <p:nvSpPr>
+            <p:cNvPr id="4" name="Oval 3"/>
+            <p:cNvSpPr/>
+            <p:nvPr/>
+          </p:nvSpPr>
+          <p:spPr>
+            <a:xfrm>
+              <a:off x="3694713" y="3150104"/>
+              <a:ext cx="1187585" cy="1187675"/>
+            </a:xfrm>
+            <a:prstGeom prst="ellipse">
+              <a:avLst/>
+            </a:prstGeom>
+            <a:solidFill>
+              <a:schemeClr val="tx2"/>
+            </a:solidFill>
+            <a:ln>
+              <a:noFill/>
+            </a:ln>
+          </p:spPr>
+          <p:style>
+            <a:lnRef idx="1">
+              <a:schemeClr val="accent1"/>
+            </a:lnRef>
+            <a:fillRef idx="3">
+              <a:schemeClr val="accent1"/>
+            </a:fillRef>
+            <a:effectRef idx="2">
+              <a:schemeClr val="accent1"/>
+            </a:effectRef>
+            <a:fontRef idx="minor">
+              <a:schemeClr val="lt1"/>
+            </a:fontRef>
+          </p:style>
+          <p:txBody>
+            <a:bodyPr rtlCol="0" anchor="ctr"/>
+            <a:lstStyle/>
+            <a:p>
+              <a:pPr algn="ctr"/>
+              <a:endParaRPr lang="en-US">
+                <a:latin typeface="Times New Roman"/>
+                <a:cs typeface="Times New Roman"/>
+              </a:endParaRPr>
+            </a:p>
+          </p:txBody>
+        </p:sp>
+        <p:sp>
+          <p:nvSpPr>
+            <p:cNvPr id="5" name="Rectangle 4"/>
+            <p:cNvSpPr/>
+            <p:nvPr/>
+          </p:nvSpPr>
+          <p:spPr>
+            <a:xfrm>
+              <a:off x="2292701" y="4337780"/>
+              <a:ext cx="4552413" cy="742297"/>
+            </a:xfrm>
+            <a:prstGeom prst="rect">
+              <a:avLst/>
+            </a:prstGeom>
+            <a:solidFill>
+              <a:schemeClr val="accent2">
+                <a:lumMod val="75000"/>
+              </a:schemeClr>
+            </a:solidFill>
+            <a:ln>
+              <a:noFill/>
+            </a:ln>
+          </p:spPr>
+          <p:style>
+            <a:lnRef idx="1">
+              <a:schemeClr val="accent1"/>
+            </a:lnRef>
+            <a:fillRef idx="3">
+              <a:schemeClr val="accent1"/>
+            </a:fillRef>
+            <a:effectRef idx="2">
+              <a:schemeClr val="accent1"/>
+            </a:effectRef>
+            <a:fontRef idx="minor">
+              <a:schemeClr val="lt1"/>
+            </a:fontRef>
+          </p:style>
+          <p:txBody>
+            <a:bodyPr rtlCol="0" anchor="ctr"/>
+            <a:lstStyle/>
+            <a:p>
+              <a:pPr algn="ctr"/>
+              <a:endParaRPr lang="en-US">
+                <a:latin typeface="Times New Roman"/>
+                <a:cs typeface="Times New Roman"/>
+              </a:endParaRPr>
+            </a:p>
+          </p:txBody>
+        </p:sp>
+        <p:cxnSp>
+          <p:nvCxnSpPr>
+            <p:cNvPr id="7" name="Straight Arrow Connector 6"/>
+            <p:cNvCxnSpPr/>
+            <p:nvPr/>
+          </p:nvCxnSpPr>
+          <p:spPr>
+            <a:xfrm>
+              <a:off x="4288509" y="3710943"/>
+              <a:ext cx="1979310" cy="659820"/>
+            </a:xfrm>
+            <a:prstGeom prst="straightConnector1">
+              <a:avLst/>
+            </a:prstGeom>
+            <a:ln w="57150" cmpd="sng">
+              <a:solidFill>
+                <a:schemeClr val="tx1"/>
+              </a:solidFill>
+              <a:tailEnd type="arrow"/>
+            </a:ln>
+          </p:spPr>
+          <p:style>
+            <a:lnRef idx="2">
+              <a:schemeClr val="accent1"/>
+            </a:lnRef>
+            <a:fillRef idx="0">
+              <a:schemeClr val="accent1"/>
+            </a:fillRef>
+            <a:effectRef idx="1">
+              <a:schemeClr val="accent1"/>
+            </a:effectRef>
+            <a:fontRef idx="minor">
+              <a:schemeClr val="tx1"/>
+            </a:fontRef>
+          </p:style>
+        </p:cxnSp>
+        <p:cxnSp>
+          <p:nvCxnSpPr>
+            <p:cNvPr id="10" name="Straight Arrow Connector 9"/>
+            <p:cNvCxnSpPr/>
+            <p:nvPr/>
+          </p:nvCxnSpPr>
+          <p:spPr>
+            <a:xfrm>
+              <a:off x="4288509" y="3710943"/>
+              <a:ext cx="1979310" cy="0"/>
+            </a:xfrm>
+            <a:prstGeom prst="straightConnector1">
+              <a:avLst/>
+            </a:prstGeom>
+            <a:ln w="57150" cmpd="sng">
+              <a:solidFill>
+                <a:srgbClr val="000000"/>
+              </a:solidFill>
+              <a:tailEnd type="arrow"/>
+            </a:ln>
+          </p:spPr>
+          <p:style>
+            <a:lnRef idx="2">
+              <a:schemeClr val="accent1"/>
+            </a:lnRef>
+            <a:fillRef idx="0">
+              <a:schemeClr val="accent1"/>
+            </a:fillRef>
+            <a:effectRef idx="1">
+              <a:schemeClr val="accent1"/>
+            </a:effectRef>
+            <a:fontRef idx="minor">
+              <a:schemeClr val="tx1"/>
+            </a:fontRef>
+          </p:style>
+        </p:cxnSp>
+        <p:cxnSp>
+          <p:nvCxnSpPr>
+            <p:cNvPr id="12" name="Straight Arrow Connector 11"/>
+            <p:cNvCxnSpPr/>
+            <p:nvPr/>
+          </p:nvCxnSpPr>
+          <p:spPr>
+            <a:xfrm>
+              <a:off x="4288509" y="3710943"/>
+              <a:ext cx="0" cy="659820"/>
+            </a:xfrm>
+            <a:prstGeom prst="straightConnector1">
+              <a:avLst/>
+            </a:prstGeom>
+            <a:ln w="57150" cmpd="sng">
+              <a:solidFill>
+                <a:srgbClr val="000000"/>
+              </a:solidFill>
+              <a:tailEnd type="arrow"/>
+            </a:ln>
+          </p:spPr>
+          <p:style>
+            <a:lnRef idx="2">
+              <a:schemeClr val="accent1"/>
+            </a:lnRef>
+            <a:fillRef idx="0">
+              <a:schemeClr val="accent1"/>
+            </a:fillRef>
+            <a:effectRef idx="1">
+              <a:schemeClr val="accent1"/>
+            </a:effectRef>
+            <a:fontRef idx="minor">
+              <a:schemeClr val="tx1"/>
+            </a:fontRef>
+          </p:style>
+        </p:cxnSp>
+        <p:cxnSp>
+          <p:nvCxnSpPr>
+            <p:cNvPr id="13" name="Straight Arrow Connector 12"/>
+            <p:cNvCxnSpPr/>
+            <p:nvPr/>
+          </p:nvCxnSpPr>
+          <p:spPr>
+            <a:xfrm flipV="1">
+              <a:off x="4288509" y="3051123"/>
+              <a:ext cx="0" cy="659820"/>
+            </a:xfrm>
+            <a:prstGeom prst="straightConnector1">
+              <a:avLst/>
+            </a:prstGeom>
+            <a:ln w="57150" cmpd="sng">
+              <a:solidFill>
+                <a:srgbClr val="FF6600"/>
+              </a:solidFill>
+              <a:tailEnd type="arrow"/>
+            </a:ln>
+          </p:spPr>
+          <p:style>
+            <a:lnRef idx="2">
+              <a:schemeClr val="accent1"/>
+            </a:lnRef>
+            <a:fillRef idx="0">
+              <a:schemeClr val="accent1"/>
+            </a:fillRef>
+            <a:effectRef idx="1">
+              <a:schemeClr val="accent1"/>
+            </a:effectRef>
+            <a:fontRef idx="minor">
+              <a:schemeClr val="tx1"/>
+            </a:fontRef>
+          </p:style>
+        </p:cxnSp>
+        <p:cxnSp>
+          <p:nvCxnSpPr>
+            <p:cNvPr id="15" name="Straight Arrow Connector 14"/>
+            <p:cNvCxnSpPr/>
+            <p:nvPr/>
+          </p:nvCxnSpPr>
+          <p:spPr>
+            <a:xfrm flipH="1">
+              <a:off x="3152463" y="3710943"/>
+              <a:ext cx="1119548" cy="16504"/>
+            </a:xfrm>
+            <a:prstGeom prst="straightConnector1">
+              <a:avLst/>
+            </a:prstGeom>
+            <a:ln w="57150" cmpd="sng">
+              <a:solidFill>
+                <a:srgbClr val="FF0000"/>
+              </a:solidFill>
+              <a:tailEnd type="arrow"/>
+            </a:ln>
+          </p:spPr>
+          <p:style>
+            <a:lnRef idx="2">
+              <a:schemeClr val="accent1"/>
+            </a:lnRef>
+            <a:fillRef idx="0">
+              <a:schemeClr val="accent1"/>
+            </a:fillRef>
+            <a:effectRef idx="1">
+              <a:schemeClr val="accent1"/>
+            </a:effectRef>
+            <a:fontRef idx="minor">
+              <a:schemeClr val="tx1"/>
+            </a:fontRef>
+          </p:style>
+        </p:cxnSp>
+        <p:sp>
+          <p:nvSpPr>
+            <p:cNvPr id="18" name="TextBox 17"/>
+            <p:cNvSpPr txBox="1"/>
+            <p:nvPr/>
+          </p:nvSpPr>
+          <p:spPr>
+            <a:xfrm>
+              <a:off x="4032844" y="2259348"/>
+              <a:ext cx="519569" cy="707886"/>
+            </a:xfrm>
+            <a:prstGeom prst="rect">
+              <a:avLst/>
+            </a:prstGeom>
             <a:noFill/>
-          </a:ln>
-        </p:spPr>
-        <p:style>
-          <a:lnRef idx="1">
-            <a:schemeClr val="accent1"/>
-          </a:lnRef>
-          <a:fillRef idx="3">
-            <a:schemeClr val="accent1"/>
-          </a:fillRef>
-          <a:effectRef idx="2">
-            <a:schemeClr val="accent1"/>
-          </a:effectRef>
-          <a:fontRef idx="minor">
-            <a:schemeClr val="lt1"/>
-          </a:fontRef>
-        </p:style>
-        <p:txBody>
-          <a:bodyPr rtlCol="0" anchor="ctr"/>
-          <a:lstStyle/>
-          <a:p>
-            <a:pPr algn="ctr"/>
-            <a:endParaRPr lang="en-US"/>
-          </a:p>
-        </p:txBody>
-      </p:sp>
-      <p:sp>
-        <p:nvSpPr>
-          <p:cNvPr id="5" name="Rectangle 4"/>
-          <p:cNvSpPr/>
-          <p:nvPr/>
-        </p:nvSpPr>
-        <p:spPr>
-          <a:xfrm>
-            <a:off x="2292701" y="3497044"/>
-            <a:ext cx="4552413" cy="742297"/>
-          </a:xfrm>
-          <a:prstGeom prst="rect">
-            <a:avLst/>
-          </a:prstGeom>
-          <a:solidFill>
-            <a:schemeClr val="accent2">
-              <a:lumMod val="75000"/>
-            </a:schemeClr>
-          </a:solidFill>
-          <a:ln>
+            <a:ln>
+              <a:noFill/>
+            </a:ln>
+          </p:spPr>
+          <p:txBody>
+            <a:bodyPr wrap="square" rtlCol="0">
+              <a:spAutoFit/>
+            </a:bodyPr>
+            <a:lstStyle/>
+            <a:p>
+              <a:r>
+                <a:rPr lang="en-US" sz="4000" dirty="0">
+                  <a:solidFill>
+                    <a:srgbClr val="FF6600"/>
+                  </a:solidFill>
+                  <a:latin typeface="Times New Roman"/>
+                  <a:cs typeface="Times New Roman"/>
+                </a:rPr>
+                <a:t>N</a:t>
+              </a:r>
+            </a:p>
+          </p:txBody>
+        </p:sp>
+        <p:sp>
+          <p:nvSpPr>
+            <p:cNvPr id="19" name="TextBox 18"/>
+            <p:cNvSpPr txBox="1"/>
+            <p:nvPr/>
+          </p:nvSpPr>
+          <p:spPr>
+            <a:xfrm>
+              <a:off x="2733921" y="2967234"/>
+              <a:ext cx="1298923" cy="707886"/>
+            </a:xfrm>
+            <a:prstGeom prst="rect">
+              <a:avLst/>
+            </a:prstGeom>
             <a:noFill/>
-          </a:ln>
-        </p:spPr>
-        <p:style>
-          <a:lnRef idx="1">
-            <a:schemeClr val="accent1"/>
-          </a:lnRef>
-          <a:fillRef idx="3">
-            <a:schemeClr val="accent1"/>
-          </a:fillRef>
-          <a:effectRef idx="2">
-            <a:schemeClr val="accent1"/>
-          </a:effectRef>
-          <a:fontRef idx="minor">
-            <a:schemeClr val="lt1"/>
-          </a:fontRef>
-        </p:style>
-        <p:txBody>
-          <a:bodyPr rtlCol="0" anchor="ctr"/>
-          <a:lstStyle/>
-          <a:p>
-            <a:pPr algn="ctr"/>
-            <a:endParaRPr lang="en-US"/>
-          </a:p>
-        </p:txBody>
-      </p:sp>
-      <p:cxnSp>
-        <p:nvCxnSpPr>
-          <p:cNvPr id="7" name="Straight Arrow Connector 6"/>
-          <p:cNvCxnSpPr/>
-          <p:nvPr/>
-        </p:nvCxnSpPr>
-        <p:spPr>
-          <a:xfrm>
-            <a:off x="4288509" y="2870207"/>
-            <a:ext cx="1979310" cy="659820"/>
-          </a:xfrm>
-          <a:prstGeom prst="straightConnector1">
-            <a:avLst/>
-          </a:prstGeom>
-          <a:ln w="57150" cmpd="sng">
-            <a:solidFill>
-              <a:schemeClr val="tx1"/>
-            </a:solidFill>
-            <a:tailEnd type="arrow"/>
-          </a:ln>
-        </p:spPr>
-        <p:style>
-          <a:lnRef idx="2">
-            <a:schemeClr val="accent1"/>
-          </a:lnRef>
-          <a:fillRef idx="0">
-            <a:schemeClr val="accent1"/>
-          </a:fillRef>
-          <a:effectRef idx="1">
-            <a:schemeClr val="accent1"/>
-          </a:effectRef>
-          <a:fontRef idx="minor">
-            <a:schemeClr val="tx1"/>
-          </a:fontRef>
-        </p:style>
-      </p:cxnSp>
-      <p:cxnSp>
-        <p:nvCxnSpPr>
-          <p:cNvPr id="10" name="Straight Arrow Connector 9"/>
-          <p:cNvCxnSpPr/>
-          <p:nvPr/>
-        </p:nvCxnSpPr>
-        <p:spPr>
-          <a:xfrm>
-            <a:off x="4288509" y="2870207"/>
-            <a:ext cx="1979310" cy="0"/>
-          </a:xfrm>
-          <a:prstGeom prst="straightConnector1">
-            <a:avLst/>
-          </a:prstGeom>
-          <a:ln w="57150" cmpd="sng">
-            <a:solidFill>
-              <a:srgbClr val="000000"/>
-            </a:solidFill>
-            <a:tailEnd type="arrow"/>
-          </a:ln>
-        </p:spPr>
-        <p:style>
-          <a:lnRef idx="2">
-            <a:schemeClr val="accent1"/>
-          </a:lnRef>
-          <a:fillRef idx="0">
-            <a:schemeClr val="accent1"/>
-          </a:fillRef>
-          <a:effectRef idx="1">
-            <a:schemeClr val="accent1"/>
-          </a:effectRef>
-          <a:fontRef idx="minor">
-            <a:schemeClr val="tx1"/>
-          </a:fontRef>
-        </p:style>
-      </p:cxnSp>
-      <p:cxnSp>
-        <p:nvCxnSpPr>
-          <p:cNvPr id="12" name="Straight Arrow Connector 11"/>
-          <p:cNvCxnSpPr/>
-          <p:nvPr/>
-        </p:nvCxnSpPr>
-        <p:spPr>
-          <a:xfrm>
-            <a:off x="4288509" y="2870207"/>
-            <a:ext cx="0" cy="659820"/>
-          </a:xfrm>
-          <a:prstGeom prst="straightConnector1">
-            <a:avLst/>
-          </a:prstGeom>
-          <a:ln w="57150" cmpd="sng">
-            <a:solidFill>
-              <a:srgbClr val="000000"/>
-            </a:solidFill>
-            <a:tailEnd type="arrow"/>
-          </a:ln>
-        </p:spPr>
-        <p:style>
-          <a:lnRef idx="2">
-            <a:schemeClr val="accent1"/>
-          </a:lnRef>
-          <a:fillRef idx="0">
-            <a:schemeClr val="accent1"/>
-          </a:fillRef>
-          <a:effectRef idx="1">
-            <a:schemeClr val="accent1"/>
-          </a:effectRef>
-          <a:fontRef idx="minor">
-            <a:schemeClr val="tx1"/>
-          </a:fontRef>
-        </p:style>
-      </p:cxnSp>
-      <p:cxnSp>
-        <p:nvCxnSpPr>
-          <p:cNvPr id="13" name="Straight Arrow Connector 12"/>
-          <p:cNvCxnSpPr/>
-          <p:nvPr/>
-        </p:nvCxnSpPr>
-        <p:spPr>
-          <a:xfrm flipV="1">
-            <a:off x="4288509" y="2210387"/>
-            <a:ext cx="0" cy="659820"/>
-          </a:xfrm>
-          <a:prstGeom prst="straightConnector1">
-            <a:avLst/>
-          </a:prstGeom>
-          <a:ln w="57150" cmpd="sng">
-            <a:solidFill>
-              <a:srgbClr val="FF6600"/>
-            </a:solidFill>
-            <a:tailEnd type="arrow"/>
-          </a:ln>
-        </p:spPr>
-        <p:style>
-          <a:lnRef idx="2">
-            <a:schemeClr val="accent1"/>
-          </a:lnRef>
-          <a:fillRef idx="0">
-            <a:schemeClr val="accent1"/>
-          </a:fillRef>
-          <a:effectRef idx="1">
-            <a:schemeClr val="accent1"/>
-          </a:effectRef>
-          <a:fontRef idx="minor">
-            <a:schemeClr val="tx1"/>
-          </a:fontRef>
-        </p:style>
-      </p:cxnSp>
-      <p:cxnSp>
-        <p:nvCxnSpPr>
-          <p:cNvPr id="15" name="Straight Arrow Connector 14"/>
-          <p:cNvCxnSpPr/>
-          <p:nvPr/>
-        </p:nvCxnSpPr>
-        <p:spPr>
-          <a:xfrm flipH="1">
-            <a:off x="2292701" y="2870207"/>
-            <a:ext cx="1979310" cy="16504"/>
-          </a:xfrm>
-          <a:prstGeom prst="straightConnector1">
-            <a:avLst/>
-          </a:prstGeom>
-          <a:ln w="57150" cmpd="sng">
-            <a:solidFill>
-              <a:srgbClr val="FF0000"/>
-            </a:solidFill>
-            <a:tailEnd type="arrow"/>
-          </a:ln>
-        </p:spPr>
-        <p:style>
-          <a:lnRef idx="2">
-            <a:schemeClr val="accent1"/>
-          </a:lnRef>
-          <a:fillRef idx="0">
-            <a:schemeClr val="accent1"/>
-          </a:fillRef>
-          <a:effectRef idx="1">
-            <a:schemeClr val="accent1"/>
-          </a:effectRef>
-          <a:fontRef idx="minor">
-            <a:schemeClr val="tx1"/>
-          </a:fontRef>
-        </p:style>
-      </p:cxnSp>
-      <p:sp>
-        <p:nvSpPr>
-          <p:cNvPr id="18" name="TextBox 17"/>
-          <p:cNvSpPr txBox="1"/>
-          <p:nvPr/>
-        </p:nvSpPr>
-        <p:spPr>
-          <a:xfrm>
-            <a:off x="4032844" y="1418612"/>
-            <a:ext cx="519569" cy="707886"/>
-          </a:xfrm>
-          <a:prstGeom prst="rect">
-            <a:avLst/>
-          </a:prstGeom>
-          <a:noFill/>
-          <a:ln>
-            <a:noFill/>
-          </a:ln>
-        </p:spPr>
-        <p:txBody>
-          <a:bodyPr wrap="square" rtlCol="0">
-            <a:spAutoFit/>
-          </a:bodyPr>
-          <a:lstStyle/>
-          <a:p>
-            <a:r>
-              <a:rPr lang="en-US" sz="4000" dirty="0">
-                <a:solidFill>
-                  <a:srgbClr val="FF6600"/>
-                </a:solidFill>
-              </a:rPr>
-              <a:t>N</a:t>
-            </a:r>
-          </a:p>
-        </p:txBody>
-      </p:sp>
-      <p:sp>
-        <p:nvSpPr>
-          <p:cNvPr id="19" name="TextBox 18"/>
-          <p:cNvSpPr txBox="1"/>
-          <p:nvPr/>
-        </p:nvSpPr>
-        <p:spPr>
-          <a:xfrm>
-            <a:off x="2032916" y="2126498"/>
-            <a:ext cx="1298923" cy="707886"/>
-          </a:xfrm>
-          <a:prstGeom prst="rect">
-            <a:avLst/>
-          </a:prstGeom>
-          <a:noFill/>
-        </p:spPr>
-        <p:txBody>
-          <a:bodyPr wrap="square" rtlCol="0">
-            <a:spAutoFit/>
-          </a:bodyPr>
-          <a:lstStyle/>
-          <a:p>
-            <a:r>
-              <a:rPr lang="en-US" sz="4000" dirty="0" err="1" smtClean="0">
+          </p:spPr>
+          <p:txBody>
+            <a:bodyPr wrap="square" rtlCol="0">
+              <a:spAutoFit/>
+            </a:bodyPr>
+            <a:lstStyle/>
+            <a:p>
+              <a:r>
+                <a:rPr lang="en-US" sz="4000" dirty="0" err="1" smtClean="0">
+                  <a:solidFill>
+                    <a:srgbClr val="FF0000"/>
+                  </a:solidFill>
+                  <a:latin typeface="Times New Roman"/>
+                  <a:cs typeface="Times New Roman"/>
+                </a:rPr>
+                <a:t>F</a:t>
+              </a:r>
+              <a:r>
+                <a:rPr lang="en-US" sz="4000" baseline="-25000" dirty="0" err="1" smtClean="0">
+                  <a:solidFill>
+                    <a:srgbClr val="FF0000"/>
+                  </a:solidFill>
+                  <a:latin typeface="Times New Roman"/>
+                  <a:cs typeface="Times New Roman"/>
+                </a:rPr>
+                <a:t>f</a:t>
+              </a:r>
+              <a:endParaRPr lang="en-US" sz="4000" dirty="0">
                 <a:solidFill>
                   <a:srgbClr val="FF0000"/>
                 </a:solidFill>
-              </a:rPr>
-              <a:t>F</a:t>
-            </a:r>
-            <a:r>
-              <a:rPr lang="en-US" sz="4000" baseline="-25000" dirty="0" err="1" smtClean="0">
-                <a:solidFill>
-                  <a:srgbClr val="FF0000"/>
-                </a:solidFill>
-              </a:rPr>
-              <a:t>f</a:t>
-            </a:r>
-            <a:endParaRPr lang="en-US" sz="4000" dirty="0">
-              <a:solidFill>
-                <a:srgbClr val="FF0000"/>
-              </a:solidFill>
-            </a:endParaRPr>
-          </a:p>
-        </p:txBody>
-      </p:sp>
-      <p:sp>
-        <p:nvSpPr>
-          <p:cNvPr id="20" name="TextBox 19"/>
-          <p:cNvSpPr txBox="1"/>
-          <p:nvPr/>
-        </p:nvSpPr>
-        <p:spPr>
-          <a:xfrm>
-            <a:off x="4968896" y="2346987"/>
-            <a:ext cx="1298923" cy="523220"/>
-          </a:xfrm>
-          <a:prstGeom prst="rect">
-            <a:avLst/>
-          </a:prstGeom>
-          <a:noFill/>
-        </p:spPr>
-        <p:txBody>
-          <a:bodyPr wrap="square" rtlCol="0">
-            <a:spAutoFit/>
-          </a:bodyPr>
-          <a:lstStyle/>
-          <a:p>
-            <a:r>
-              <a:rPr lang="en-US" sz="2800" dirty="0" err="1" smtClean="0">
+                <a:latin typeface="Times New Roman"/>
+                <a:cs typeface="Times New Roman"/>
+              </a:endParaRPr>
+            </a:p>
+          </p:txBody>
+        </p:sp>
+        <p:sp>
+          <p:nvSpPr>
+            <p:cNvPr id="20" name="TextBox 19"/>
+            <p:cNvSpPr txBox="1"/>
+            <p:nvPr/>
+          </p:nvSpPr>
+          <p:spPr>
+            <a:xfrm>
+              <a:off x="4968896" y="3187723"/>
+              <a:ext cx="1298923" cy="523220"/>
+            </a:xfrm>
+            <a:prstGeom prst="rect">
+              <a:avLst/>
+            </a:prstGeom>
+            <a:noFill/>
+          </p:spPr>
+          <p:txBody>
+            <a:bodyPr wrap="square" rtlCol="0">
+              <a:spAutoFit/>
+            </a:bodyPr>
+            <a:lstStyle/>
+            <a:p>
+              <a:r>
+                <a:rPr lang="en-US" sz="2800" dirty="0" err="1" smtClean="0">
+                  <a:solidFill>
+                    <a:srgbClr val="000000"/>
+                  </a:solidFill>
+                  <a:latin typeface="Times New Roman"/>
+                  <a:cs typeface="Times New Roman"/>
+                </a:rPr>
+                <a:t>Fsinθ</a:t>
+              </a:r>
+              <a:endParaRPr lang="en-US" sz="2800" dirty="0" smtClean="0">
                 <a:solidFill>
                   <a:srgbClr val="000000"/>
                 </a:solidFill>
-              </a:rPr>
-              <a:t>Fsinθ</a:t>
-            </a:r>
-            <a:endParaRPr lang="en-US" sz="2800" dirty="0" smtClean="0">
-              <a:solidFill>
-                <a:srgbClr val="000000"/>
-              </a:solidFill>
-            </a:endParaRPr>
-          </a:p>
-        </p:txBody>
-      </p:sp>
-      <p:sp>
-        <p:nvSpPr>
-          <p:cNvPr id="21" name="TextBox 20"/>
-          <p:cNvSpPr txBox="1"/>
-          <p:nvPr/>
-        </p:nvSpPr>
-        <p:spPr>
-          <a:xfrm>
-            <a:off x="3152463" y="2909651"/>
-            <a:ext cx="1084499" cy="523220"/>
-          </a:xfrm>
-          <a:prstGeom prst="rect">
-            <a:avLst/>
-          </a:prstGeom>
-          <a:noFill/>
-        </p:spPr>
-        <p:txBody>
-          <a:bodyPr wrap="square" rtlCol="0">
-            <a:spAutoFit/>
-          </a:bodyPr>
-          <a:lstStyle/>
-          <a:p>
-            <a:r>
-              <a:rPr lang="en-US" sz="2800" dirty="0" err="1" smtClean="0">
+                <a:latin typeface="Times New Roman"/>
+                <a:cs typeface="Times New Roman"/>
+              </a:endParaRPr>
+            </a:p>
+          </p:txBody>
+        </p:sp>
+        <p:sp>
+          <p:nvSpPr>
+            <p:cNvPr id="21" name="TextBox 20"/>
+            <p:cNvSpPr txBox="1"/>
+            <p:nvPr/>
+          </p:nvSpPr>
+          <p:spPr>
+            <a:xfrm>
+              <a:off x="3152463" y="3750387"/>
+              <a:ext cx="1084499" cy="523220"/>
+            </a:xfrm>
+            <a:prstGeom prst="rect">
+              <a:avLst/>
+            </a:prstGeom>
+            <a:noFill/>
+          </p:spPr>
+          <p:txBody>
+            <a:bodyPr wrap="square" rtlCol="0">
+              <a:spAutoFit/>
+            </a:bodyPr>
+            <a:lstStyle/>
+            <a:p>
+              <a:r>
+                <a:rPr lang="en-US" sz="2800" dirty="0" err="1" smtClean="0">
+                  <a:solidFill>
+                    <a:srgbClr val="000000"/>
+                  </a:solidFill>
+                  <a:latin typeface="Times New Roman"/>
+                  <a:cs typeface="Times New Roman"/>
+                </a:rPr>
+                <a:t>Fcosθ</a:t>
+              </a:r>
+              <a:endParaRPr lang="en-US" sz="2800" dirty="0" smtClean="0">
                 <a:solidFill>
                   <a:srgbClr val="000000"/>
                 </a:solidFill>
-              </a:rPr>
-              <a:t>Fcosθ</a:t>
-            </a:r>
-            <a:endParaRPr lang="en-US" sz="2800" dirty="0" smtClean="0">
+                <a:latin typeface="Times New Roman"/>
+                <a:cs typeface="Times New Roman"/>
+              </a:endParaRPr>
+            </a:p>
+          </p:txBody>
+        </p:sp>
+        <p:sp>
+          <p:nvSpPr>
+            <p:cNvPr id="22" name="Freeform 21"/>
+            <p:cNvSpPr/>
+            <p:nvPr/>
+          </p:nvSpPr>
+          <p:spPr>
+            <a:xfrm>
+              <a:off x="4272011" y="3793429"/>
+              <a:ext cx="247428" cy="148459"/>
+            </a:xfrm>
+            <a:custGeom>
+              <a:avLst/>
+              <a:gdLst>
+                <a:gd name="connsiteX0" fmla="*/ 0 w 247428"/>
+                <a:gd name="connsiteY0" fmla="*/ 131964 h 148459"/>
+                <a:gd name="connsiteX1" fmla="*/ 82471 w 247428"/>
+                <a:gd name="connsiteY1" fmla="*/ 148459 h 148459"/>
+                <a:gd name="connsiteX2" fmla="*/ 214425 w 247428"/>
+                <a:gd name="connsiteY2" fmla="*/ 115468 h 148459"/>
+                <a:gd name="connsiteX3" fmla="*/ 247414 w 247428"/>
+                <a:gd name="connsiteY3" fmla="*/ 0 h 148459"/>
+              </a:gdLst>
+              <a:ahLst/>
+              <a:cxnLst>
+                <a:cxn ang="0">
+                  <a:pos x="connsiteX0" y="connsiteY0"/>
+                </a:cxn>
+                <a:cxn ang="0">
+                  <a:pos x="connsiteX1" y="connsiteY1"/>
+                </a:cxn>
+                <a:cxn ang="0">
+                  <a:pos x="connsiteX2" y="connsiteY2"/>
+                </a:cxn>
+                <a:cxn ang="0">
+                  <a:pos x="connsiteX3" y="connsiteY3"/>
+                </a:cxn>
+              </a:cxnLst>
+              <a:rect l="l" t="t" r="r" b="b"/>
+              <a:pathLst>
+                <a:path w="247428" h="148459">
+                  <a:moveTo>
+                    <a:pt x="0" y="131964"/>
+                  </a:moveTo>
+                  <a:cubicBezTo>
+                    <a:pt x="27490" y="137462"/>
+                    <a:pt x="54436" y="148459"/>
+                    <a:pt x="82471" y="148459"/>
+                  </a:cubicBezTo>
+                  <a:cubicBezTo>
+                    <a:pt x="122282" y="148459"/>
+                    <a:pt x="175377" y="128485"/>
+                    <a:pt x="214425" y="115468"/>
+                  </a:cubicBezTo>
+                  <a:cubicBezTo>
+                    <a:pt x="249153" y="11279"/>
+                    <a:pt x="247414" y="51270"/>
+                    <a:pt x="247414" y="0"/>
+                  </a:cubicBezTo>
+                </a:path>
+              </a:pathLst>
+            </a:custGeom>
+            <a:ln w="76200" cmpd="sng">
               <a:solidFill>
-                <a:srgbClr val="000000"/>
+                <a:schemeClr val="tx1"/>
               </a:solidFill>
-            </a:endParaRPr>
-          </a:p>
-        </p:txBody>
-      </p:sp>
-      <p:sp>
-        <p:nvSpPr>
-          <p:cNvPr id="22" name="Freeform 21"/>
-          <p:cNvSpPr/>
-          <p:nvPr/>
-        </p:nvSpPr>
-        <p:spPr>
-          <a:xfrm>
-            <a:off x="4272011" y="2952693"/>
-            <a:ext cx="247428" cy="148459"/>
-          </a:xfrm>
-          <a:custGeom>
-            <a:avLst/>
-            <a:gdLst>
-              <a:gd name="connsiteX0" fmla="*/ 0 w 247428"/>
-              <a:gd name="connsiteY0" fmla="*/ 131964 h 148459"/>
-              <a:gd name="connsiteX1" fmla="*/ 82471 w 247428"/>
-              <a:gd name="connsiteY1" fmla="*/ 148459 h 148459"/>
-              <a:gd name="connsiteX2" fmla="*/ 214425 w 247428"/>
-              <a:gd name="connsiteY2" fmla="*/ 115468 h 148459"/>
-              <a:gd name="connsiteX3" fmla="*/ 247414 w 247428"/>
-              <a:gd name="connsiteY3" fmla="*/ 0 h 148459"/>
-            </a:gdLst>
-            <a:ahLst/>
-            <a:cxnLst>
-              <a:cxn ang="0">
-                <a:pos x="connsiteX0" y="connsiteY0"/>
-              </a:cxn>
-              <a:cxn ang="0">
-                <a:pos x="connsiteX1" y="connsiteY1"/>
-              </a:cxn>
-              <a:cxn ang="0">
-                <a:pos x="connsiteX2" y="connsiteY2"/>
-              </a:cxn>
-              <a:cxn ang="0">
-                <a:pos x="connsiteX3" y="connsiteY3"/>
-              </a:cxn>
-            </a:cxnLst>
-            <a:rect l="l" t="t" r="r" b="b"/>
-            <a:pathLst>
-              <a:path w="247428" h="148459">
-                <a:moveTo>
-                  <a:pt x="0" y="131964"/>
-                </a:moveTo>
-                <a:cubicBezTo>
-                  <a:pt x="27490" y="137462"/>
-                  <a:pt x="54436" y="148459"/>
-                  <a:pt x="82471" y="148459"/>
-                </a:cubicBezTo>
-                <a:cubicBezTo>
-                  <a:pt x="122282" y="148459"/>
-                  <a:pt x="175377" y="128485"/>
-                  <a:pt x="214425" y="115468"/>
-                </a:cubicBezTo>
-                <a:cubicBezTo>
-                  <a:pt x="249153" y="11279"/>
-                  <a:pt x="247414" y="51270"/>
-                  <a:pt x="247414" y="0"/>
-                </a:cubicBezTo>
-              </a:path>
-            </a:pathLst>
-          </a:custGeom>
-          <a:ln w="76200" cmpd="sng">
-            <a:solidFill>
+            </a:ln>
+          </p:spPr>
+          <p:style>
+            <a:lnRef idx="2">
+              <a:schemeClr val="accent1"/>
+            </a:lnRef>
+            <a:fillRef idx="0">
+              <a:schemeClr val="accent1"/>
+            </a:fillRef>
+            <a:effectRef idx="1">
+              <a:schemeClr val="accent1"/>
+            </a:effectRef>
+            <a:fontRef idx="minor">
               <a:schemeClr val="tx1"/>
-            </a:solidFill>
-          </a:ln>
-        </p:spPr>
-        <p:style>
-          <a:lnRef idx="2">
-            <a:schemeClr val="accent1"/>
-          </a:lnRef>
-          <a:fillRef idx="0">
-            <a:schemeClr val="accent1"/>
-          </a:fillRef>
-          <a:effectRef idx="1">
-            <a:schemeClr val="accent1"/>
-          </a:effectRef>
-          <a:fontRef idx="minor">
-            <a:schemeClr val="tx1"/>
-          </a:fontRef>
-        </p:style>
-        <p:txBody>
-          <a:bodyPr rtlCol="0" anchor="ctr"/>
-          <a:lstStyle/>
-          <a:p>
-            <a:pPr algn="ctr"/>
-            <a:endParaRPr lang="en-US"/>
-          </a:p>
-        </p:txBody>
-      </p:sp>
-      <p:sp>
-        <p:nvSpPr>
-          <p:cNvPr id="23" name="TextBox 22"/>
-          <p:cNvSpPr txBox="1"/>
-          <p:nvPr/>
-        </p:nvSpPr>
-        <p:spPr>
-          <a:xfrm>
-            <a:off x="4519439" y="2973816"/>
-            <a:ext cx="649462" cy="523220"/>
-          </a:xfrm>
-          <a:prstGeom prst="rect">
-            <a:avLst/>
-          </a:prstGeom>
-          <a:noFill/>
-        </p:spPr>
-        <p:txBody>
-          <a:bodyPr wrap="square" rtlCol="0">
-            <a:spAutoFit/>
-          </a:bodyPr>
-          <a:lstStyle/>
-          <a:p>
-            <a:r>
-              <a:rPr lang="en-US" sz="2800" dirty="0" err="1" smtClean="0">
+            </a:fontRef>
+          </p:style>
+          <p:txBody>
+            <a:bodyPr rtlCol="0" anchor="ctr"/>
+            <a:lstStyle/>
+            <a:p>
+              <a:pPr algn="ctr"/>
+              <a:endParaRPr lang="en-US">
+                <a:latin typeface="Times New Roman"/>
+                <a:cs typeface="Times New Roman"/>
+              </a:endParaRPr>
+            </a:p>
+          </p:txBody>
+        </p:sp>
+        <p:sp>
+          <p:nvSpPr>
+            <p:cNvPr id="23" name="TextBox 22"/>
+            <p:cNvSpPr txBox="1"/>
+            <p:nvPr/>
+          </p:nvSpPr>
+          <p:spPr>
+            <a:xfrm>
+              <a:off x="4519439" y="3814552"/>
+              <a:ext cx="649462" cy="523220"/>
+            </a:xfrm>
+            <a:prstGeom prst="rect">
+              <a:avLst/>
+            </a:prstGeom>
+            <a:noFill/>
+          </p:spPr>
+          <p:txBody>
+            <a:bodyPr wrap="square" rtlCol="0">
+              <a:spAutoFit/>
+            </a:bodyPr>
+            <a:lstStyle/>
+            <a:p>
+              <a:r>
+                <a:rPr lang="en-US" sz="2800" dirty="0" err="1" smtClean="0">
+                  <a:solidFill>
+                    <a:srgbClr val="000000"/>
+                  </a:solidFill>
+                  <a:latin typeface="Times New Roman"/>
+                  <a:cs typeface="Times New Roman"/>
+                </a:rPr>
+                <a:t>θ</a:t>
+              </a:r>
+              <a:endParaRPr lang="en-US" sz="2800" dirty="0" smtClean="0">
                 <a:solidFill>
                   <a:srgbClr val="000000"/>
                 </a:solidFill>
-              </a:rPr>
-              <a:t>θ</a:t>
-            </a:r>
-            <a:endParaRPr lang="en-US" sz="2800" dirty="0" smtClean="0">
-              <a:solidFill>
-                <a:srgbClr val="000000"/>
-              </a:solidFill>
-            </a:endParaRPr>
-          </a:p>
-        </p:txBody>
-      </p:sp>
-      <p:sp>
-        <p:nvSpPr>
-          <p:cNvPr id="24" name="TextBox 23"/>
-          <p:cNvSpPr txBox="1"/>
-          <p:nvPr/>
-        </p:nvSpPr>
-        <p:spPr>
-          <a:xfrm>
-            <a:off x="6195652" y="2872736"/>
-            <a:ext cx="468025" cy="707886"/>
-          </a:xfrm>
-          <a:prstGeom prst="rect">
-            <a:avLst/>
-          </a:prstGeom>
-          <a:noFill/>
-        </p:spPr>
-        <p:txBody>
-          <a:bodyPr wrap="square" rtlCol="0">
-            <a:spAutoFit/>
-          </a:bodyPr>
-          <a:lstStyle/>
-          <a:p>
-            <a:r>
-              <a:rPr lang="en-US" sz="4000" dirty="0" smtClean="0">
+                <a:latin typeface="Times New Roman"/>
+                <a:cs typeface="Times New Roman"/>
+              </a:endParaRPr>
+            </a:p>
+          </p:txBody>
+        </p:sp>
+        <p:sp>
+          <p:nvSpPr>
+            <p:cNvPr id="24" name="TextBox 23"/>
+            <p:cNvSpPr txBox="1"/>
+            <p:nvPr/>
+          </p:nvSpPr>
+          <p:spPr>
+            <a:xfrm>
+              <a:off x="6195652" y="3713472"/>
+              <a:ext cx="468025" cy="707886"/>
+            </a:xfrm>
+            <a:prstGeom prst="rect">
+              <a:avLst/>
+            </a:prstGeom>
+            <a:noFill/>
+          </p:spPr>
+          <p:txBody>
+            <a:bodyPr wrap="square" rtlCol="0">
+              <a:spAutoFit/>
+            </a:bodyPr>
+            <a:lstStyle/>
+            <a:p>
+              <a:r>
+                <a:rPr lang="en-US" sz="4000" dirty="0" smtClean="0">
+                  <a:solidFill>
+                    <a:srgbClr val="000000"/>
+                  </a:solidFill>
+                  <a:latin typeface="Times New Roman"/>
+                  <a:cs typeface="Times New Roman"/>
+                </a:rPr>
+                <a:t>F</a:t>
+              </a:r>
+              <a:endParaRPr lang="en-US" sz="4000" dirty="0">
                 <a:solidFill>
                   <a:srgbClr val="000000"/>
                 </a:solidFill>
-              </a:rPr>
-              <a:t>F</a:t>
-            </a:r>
-            <a:endParaRPr lang="en-US" sz="4000" dirty="0">
+                <a:latin typeface="Times New Roman"/>
+                <a:cs typeface="Times New Roman"/>
+              </a:endParaRPr>
+            </a:p>
+          </p:txBody>
+        </p:sp>
+        <p:sp>
+          <p:nvSpPr>
+            <p:cNvPr id="25" name="Oval 24"/>
+            <p:cNvSpPr/>
+            <p:nvPr/>
+          </p:nvSpPr>
+          <p:spPr>
+            <a:xfrm>
+              <a:off x="2436848" y="1113101"/>
+              <a:ext cx="1187585" cy="1187675"/>
+            </a:xfrm>
+            <a:prstGeom prst="ellipse">
+              <a:avLst/>
+            </a:prstGeom>
+            <a:solidFill>
+              <a:schemeClr val="tx2"/>
+            </a:solidFill>
+            <a:ln>
+              <a:noFill/>
+            </a:ln>
+          </p:spPr>
+          <p:style>
+            <a:lnRef idx="1">
+              <a:schemeClr val="accent1"/>
+            </a:lnRef>
+            <a:fillRef idx="3">
+              <a:schemeClr val="accent1"/>
+            </a:fillRef>
+            <a:effectRef idx="2">
+              <a:schemeClr val="accent1"/>
+            </a:effectRef>
+            <a:fontRef idx="minor">
+              <a:schemeClr val="lt1"/>
+            </a:fontRef>
+          </p:style>
+          <p:txBody>
+            <a:bodyPr rtlCol="0" anchor="ctr"/>
+            <a:lstStyle/>
+            <a:p>
+              <a:pPr algn="ctr"/>
+              <a:endParaRPr lang="en-US">
+                <a:latin typeface="Times New Roman"/>
+                <a:cs typeface="Times New Roman"/>
+              </a:endParaRPr>
+            </a:p>
+          </p:txBody>
+        </p:sp>
+        <p:cxnSp>
+          <p:nvCxnSpPr>
+            <p:cNvPr id="26" name="Straight Arrow Connector 25"/>
+            <p:cNvCxnSpPr/>
+            <p:nvPr/>
+          </p:nvCxnSpPr>
+          <p:spPr>
+            <a:xfrm>
+              <a:off x="3030644" y="1673940"/>
+              <a:ext cx="1979310" cy="659820"/>
+            </a:xfrm>
+            <a:prstGeom prst="straightConnector1">
+              <a:avLst/>
+            </a:prstGeom>
+            <a:ln w="57150" cmpd="sng">
               <a:solidFill>
-                <a:srgbClr val="000000"/>
+                <a:schemeClr val="tx1"/>
               </a:solidFill>
-            </a:endParaRPr>
-          </a:p>
-        </p:txBody>
-      </p:sp>
+              <a:tailEnd type="arrow"/>
+            </a:ln>
+          </p:spPr>
+          <p:style>
+            <a:lnRef idx="2">
+              <a:schemeClr val="accent1"/>
+            </a:lnRef>
+            <a:fillRef idx="0">
+              <a:schemeClr val="accent1"/>
+            </a:fillRef>
+            <a:effectRef idx="1">
+              <a:schemeClr val="accent1"/>
+            </a:effectRef>
+            <a:fontRef idx="minor">
+              <a:schemeClr val="tx1"/>
+            </a:fontRef>
+          </p:style>
+        </p:cxnSp>
+        <p:sp>
+          <p:nvSpPr>
+            <p:cNvPr id="27" name="TextBox 26"/>
+            <p:cNvSpPr txBox="1"/>
+            <p:nvPr/>
+          </p:nvSpPr>
+          <p:spPr>
+            <a:xfrm>
+              <a:off x="4952944" y="1737200"/>
+              <a:ext cx="468025" cy="707886"/>
+            </a:xfrm>
+            <a:prstGeom prst="rect">
+              <a:avLst/>
+            </a:prstGeom>
+            <a:noFill/>
+          </p:spPr>
+          <p:txBody>
+            <a:bodyPr wrap="square" rtlCol="0">
+              <a:spAutoFit/>
+            </a:bodyPr>
+            <a:lstStyle/>
+            <a:p>
+              <a:r>
+                <a:rPr lang="en-US" sz="4000" dirty="0" smtClean="0">
+                  <a:solidFill>
+                    <a:srgbClr val="000000"/>
+                  </a:solidFill>
+                  <a:latin typeface="Times New Roman"/>
+                  <a:cs typeface="Times New Roman"/>
+                </a:rPr>
+                <a:t>F</a:t>
+              </a:r>
+              <a:endParaRPr lang="en-US" sz="4000" dirty="0">
+                <a:solidFill>
+                  <a:srgbClr val="000000"/>
+                </a:solidFill>
+                <a:latin typeface="Times New Roman"/>
+                <a:cs typeface="Times New Roman"/>
+              </a:endParaRPr>
+            </a:p>
+          </p:txBody>
+        </p:sp>
+      </p:grpSp>
     </p:spTree>
     <p:extLst>
       <p:ext uri="{BB962C8B-B14F-4D97-AF65-F5344CB8AC3E}">
@@ -6261,10 +6441,6 @@
               </a:rPr>
               <a:t> B</a:t>
             </a:r>
-            <a:endParaRPr lang="en-US" sz="1700" dirty="0" smtClean="0">
-              <a:latin typeface="Arial"/>
-              <a:cs typeface="Arial"/>
-            </a:endParaRPr>
           </a:p>
           <a:p>
             <a:r>
@@ -10243,7 +10419,6 @@
               <a:rPr lang="en-US" sz="3800" dirty="0"/>
               <a:t>B</a:t>
             </a:r>
-            <a:endParaRPr lang="en-US" sz="3800" dirty="0"/>
           </a:p>
         </p:txBody>
       </p:sp>
@@ -11295,6 +11470,3055 @@
       </p:par>
     </p:tnLst>
   </p:timing>
+</p:sld>
+</file>
+
+<file path=ppt/slides/slide3.xml><?xml version="1.0" encoding="utf-8"?>
+<p:sld xmlns:a="http://schemas.openxmlformats.org/drawingml/2006/main" xmlns:r="http://schemas.openxmlformats.org/officeDocument/2006/relationships" xmlns:p="http://schemas.openxmlformats.org/presentationml/2006/main">
+  <p:cSld>
+    <p:spTree>
+      <p:nvGrpSpPr>
+        <p:cNvPr id="1" name=""/>
+        <p:cNvGrpSpPr/>
+        <p:nvPr/>
+      </p:nvGrpSpPr>
+      <p:grpSpPr>
+        <a:xfrm>
+          <a:off x="0" y="0"/>
+          <a:ext cx="0" cy="0"/>
+          <a:chOff x="0" y="0"/>
+          <a:chExt cx="0" cy="0"/>
+        </a:xfrm>
+      </p:grpSpPr>
+      <p:pic>
+        <p:nvPicPr>
+          <p:cNvPr id="4" name="Picture 3" descr="CovControl2Try.eps"/>
+          <p:cNvPicPr>
+            <a:picLocks noChangeAspect="1"/>
+          </p:cNvPicPr>
+          <p:nvPr/>
+        </p:nvPicPr>
+        <p:blipFill>
+          <a:blip r:embed="rId2">
+            <a:extLst>
+              <a:ext uri="{28A0092B-C50C-407E-A947-70E740481C1C}">
+                <a14:useLocalDpi xmlns:a14="http://schemas.microsoft.com/office/drawing/2010/main" val="0"/>
+              </a:ext>
+            </a:extLst>
+          </a:blip>
+          <a:stretch>
+            <a:fillRect/>
+          </a:stretch>
+        </p:blipFill>
+        <p:spPr>
+          <a:xfrm>
+            <a:off x="-307334" y="1806738"/>
+            <a:ext cx="10273468" cy="5277106"/>
+          </a:xfrm>
+          <a:prstGeom prst="rect">
+            <a:avLst/>
+          </a:prstGeom>
+        </p:spPr>
+      </p:pic>
+    </p:spTree>
+    <p:extLst>
+      <p:ext uri="{BB962C8B-B14F-4D97-AF65-F5344CB8AC3E}">
+        <p14:creationId xmlns:p14="http://schemas.microsoft.com/office/powerpoint/2010/main" val="4041359197"/>
+      </p:ext>
+    </p:extLst>
+  </p:cSld>
+  <p:clrMapOvr>
+    <a:masterClrMapping/>
+  </p:clrMapOvr>
+</p:sld>
+</file>
+
+<file path=ppt/slides/slide4.xml><?xml version="1.0" encoding="utf-8"?>
+<p:sld xmlns:a="http://schemas.openxmlformats.org/drawingml/2006/main" xmlns:r="http://schemas.openxmlformats.org/officeDocument/2006/relationships" xmlns:p="http://schemas.openxmlformats.org/presentationml/2006/main">
+  <p:cSld>
+    <p:spTree>
+      <p:nvGrpSpPr>
+        <p:cNvPr id="1" name=""/>
+        <p:cNvGrpSpPr/>
+        <p:nvPr/>
+      </p:nvGrpSpPr>
+      <p:grpSpPr>
+        <a:xfrm>
+          <a:off x="0" y="0"/>
+          <a:ext cx="0" cy="0"/>
+          <a:chOff x="0" y="0"/>
+          <a:chExt cx="0" cy="0"/>
+        </a:xfrm>
+      </p:grpSpPr>
+      <p:pic>
+        <p:nvPicPr>
+          <p:cNvPr id="4" name="Picture 3" descr="twoR_5.jpg"/>
+          <p:cNvPicPr>
+            <a:picLocks noChangeAspect="1"/>
+          </p:cNvPicPr>
+          <p:nvPr/>
+        </p:nvPicPr>
+        <p:blipFill>
+          <a:blip r:embed="rId2">
+            <a:extLst>
+              <a:ext uri="{28A0092B-C50C-407E-A947-70E740481C1C}">
+                <a14:useLocalDpi xmlns:a14="http://schemas.microsoft.com/office/drawing/2010/main" val="0"/>
+              </a:ext>
+            </a:extLst>
+          </a:blip>
+          <a:stretch>
+            <a:fillRect/>
+          </a:stretch>
+        </p:blipFill>
+        <p:spPr>
+          <a:xfrm>
+            <a:off x="0" y="0"/>
+            <a:ext cx="8712531" cy="6858000"/>
+          </a:xfrm>
+          <a:prstGeom prst="rect">
+            <a:avLst/>
+          </a:prstGeom>
+        </p:spPr>
+      </p:pic>
+      <p:sp>
+        <p:nvSpPr>
+          <p:cNvPr id="6" name="Oval 5"/>
+          <p:cNvSpPr/>
+          <p:nvPr/>
+        </p:nvSpPr>
+        <p:spPr>
+          <a:xfrm>
+            <a:off x="5196145" y="2692551"/>
+            <a:ext cx="455694" cy="491602"/>
+          </a:xfrm>
+          <a:prstGeom prst="ellipse">
+            <a:avLst/>
+          </a:prstGeom>
+          <a:noFill/>
+          <a:ln w="76200" cmpd="sng">
+            <a:solidFill>
+              <a:srgbClr val="008000"/>
+            </a:solidFill>
+          </a:ln>
+        </p:spPr>
+        <p:style>
+          <a:lnRef idx="1">
+            <a:schemeClr val="accent1"/>
+          </a:lnRef>
+          <a:fillRef idx="3">
+            <a:schemeClr val="accent1"/>
+          </a:fillRef>
+          <a:effectRef idx="2">
+            <a:schemeClr val="accent1"/>
+          </a:effectRef>
+          <a:fontRef idx="minor">
+            <a:schemeClr val="lt1"/>
+          </a:fontRef>
+        </p:style>
+        <p:txBody>
+          <a:bodyPr rtlCol="0" anchor="ctr"/>
+          <a:lstStyle/>
+          <a:p>
+            <a:pPr algn="ctr"/>
+            <a:endParaRPr lang="en-US"/>
+          </a:p>
+        </p:txBody>
+      </p:sp>
+      <p:sp>
+        <p:nvSpPr>
+          <p:cNvPr id="7" name="Oval 6"/>
+          <p:cNvSpPr/>
+          <p:nvPr/>
+        </p:nvSpPr>
+        <p:spPr>
+          <a:xfrm>
+            <a:off x="4381963" y="1905457"/>
+            <a:ext cx="455694" cy="491602"/>
+          </a:xfrm>
+          <a:prstGeom prst="ellipse">
+            <a:avLst/>
+          </a:prstGeom>
+          <a:noFill/>
+          <a:ln w="76200" cmpd="sng">
+            <a:solidFill>
+              <a:srgbClr val="008000"/>
+            </a:solidFill>
+          </a:ln>
+        </p:spPr>
+        <p:style>
+          <a:lnRef idx="1">
+            <a:schemeClr val="accent1"/>
+          </a:lnRef>
+          <a:fillRef idx="3">
+            <a:schemeClr val="accent1"/>
+          </a:fillRef>
+          <a:effectRef idx="2">
+            <a:schemeClr val="accent1"/>
+          </a:effectRef>
+          <a:fontRef idx="minor">
+            <a:schemeClr val="lt1"/>
+          </a:fontRef>
+        </p:style>
+        <p:txBody>
+          <a:bodyPr rtlCol="0" anchor="ctr"/>
+          <a:lstStyle/>
+          <a:p>
+            <a:pPr algn="ctr"/>
+            <a:endParaRPr lang="en-US"/>
+          </a:p>
+        </p:txBody>
+      </p:sp>
+    </p:spTree>
+    <p:extLst>
+      <p:ext uri="{BB962C8B-B14F-4D97-AF65-F5344CB8AC3E}">
+        <p14:creationId xmlns:p14="http://schemas.microsoft.com/office/powerpoint/2010/main" val="3193148463"/>
+      </p:ext>
+    </p:extLst>
+  </p:cSld>
+  <p:clrMapOvr>
+    <a:masterClrMapping/>
+  </p:clrMapOvr>
+</p:sld>
+</file>
+
+<file path=ppt/slides/slide5.xml><?xml version="1.0" encoding="utf-8"?>
+<p:sld xmlns:a="http://schemas.openxmlformats.org/drawingml/2006/main" xmlns:r="http://schemas.openxmlformats.org/officeDocument/2006/relationships" xmlns:p="http://schemas.openxmlformats.org/presentationml/2006/main">
+  <p:cSld>
+    <p:spTree>
+      <p:nvGrpSpPr>
+        <p:cNvPr id="1" name=""/>
+        <p:cNvGrpSpPr/>
+        <p:nvPr/>
+      </p:nvGrpSpPr>
+      <p:grpSpPr>
+        <a:xfrm>
+          <a:off x="0" y="0"/>
+          <a:ext cx="0" cy="0"/>
+          <a:chOff x="0" y="0"/>
+          <a:chExt cx="0" cy="0"/>
+        </a:xfrm>
+      </p:grpSpPr>
+      <p:pic>
+        <p:nvPicPr>
+          <p:cNvPr id="4" name="Picture 3" descr="twoR_1.jpg"/>
+          <p:cNvPicPr>
+            <a:picLocks noChangeAspect="1"/>
+          </p:cNvPicPr>
+          <p:nvPr/>
+        </p:nvPicPr>
+        <p:blipFill>
+          <a:blip r:embed="rId2">
+            <a:extLst>
+              <a:ext uri="{28A0092B-C50C-407E-A947-70E740481C1C}">
+                <a14:useLocalDpi xmlns:a14="http://schemas.microsoft.com/office/drawing/2010/main" val="0"/>
+              </a:ext>
+            </a:extLst>
+          </a:blip>
+          <a:stretch>
+            <a:fillRect/>
+          </a:stretch>
+        </p:blipFill>
+        <p:spPr>
+          <a:xfrm>
+            <a:off x="0" y="0"/>
+            <a:ext cx="8759040" cy="6858000"/>
+          </a:xfrm>
+          <a:prstGeom prst="rect">
+            <a:avLst/>
+          </a:prstGeom>
+        </p:spPr>
+      </p:pic>
+      <p:sp>
+        <p:nvSpPr>
+          <p:cNvPr id="5" name="Oval 4"/>
+          <p:cNvSpPr/>
+          <p:nvPr/>
+        </p:nvSpPr>
+        <p:spPr>
+          <a:xfrm>
+            <a:off x="5196145" y="2692551"/>
+            <a:ext cx="455694" cy="491602"/>
+          </a:xfrm>
+          <a:prstGeom prst="ellipse">
+            <a:avLst/>
+          </a:prstGeom>
+          <a:noFill/>
+          <a:ln w="76200" cmpd="sng">
+            <a:solidFill>
+              <a:srgbClr val="008000"/>
+            </a:solidFill>
+          </a:ln>
+        </p:spPr>
+        <p:style>
+          <a:lnRef idx="1">
+            <a:schemeClr val="accent1"/>
+          </a:lnRef>
+          <a:fillRef idx="3">
+            <a:schemeClr val="accent1"/>
+          </a:fillRef>
+          <a:effectRef idx="2">
+            <a:schemeClr val="accent1"/>
+          </a:effectRef>
+          <a:fontRef idx="minor">
+            <a:schemeClr val="lt1"/>
+          </a:fontRef>
+        </p:style>
+        <p:txBody>
+          <a:bodyPr rtlCol="0" anchor="ctr"/>
+          <a:lstStyle/>
+          <a:p>
+            <a:pPr algn="ctr"/>
+            <a:endParaRPr lang="en-US"/>
+          </a:p>
+        </p:txBody>
+      </p:sp>
+      <p:sp>
+        <p:nvSpPr>
+          <p:cNvPr id="6" name="Oval 5"/>
+          <p:cNvSpPr/>
+          <p:nvPr/>
+        </p:nvSpPr>
+        <p:spPr>
+          <a:xfrm>
+            <a:off x="4381963" y="1905457"/>
+            <a:ext cx="455694" cy="491602"/>
+          </a:xfrm>
+          <a:prstGeom prst="ellipse">
+            <a:avLst/>
+          </a:prstGeom>
+          <a:noFill/>
+          <a:ln w="76200" cmpd="sng">
+            <a:solidFill>
+              <a:srgbClr val="008000"/>
+            </a:solidFill>
+          </a:ln>
+        </p:spPr>
+        <p:style>
+          <a:lnRef idx="1">
+            <a:schemeClr val="accent1"/>
+          </a:lnRef>
+          <a:fillRef idx="3">
+            <a:schemeClr val="accent1"/>
+          </a:fillRef>
+          <a:effectRef idx="2">
+            <a:schemeClr val="accent1"/>
+          </a:effectRef>
+          <a:fontRef idx="minor">
+            <a:schemeClr val="lt1"/>
+          </a:fontRef>
+        </p:style>
+        <p:txBody>
+          <a:bodyPr rtlCol="0" anchor="ctr"/>
+          <a:lstStyle/>
+          <a:p>
+            <a:pPr algn="ctr"/>
+            <a:endParaRPr lang="en-US"/>
+          </a:p>
+        </p:txBody>
+      </p:sp>
+      <p:cxnSp>
+        <p:nvCxnSpPr>
+          <p:cNvPr id="13" name="Straight Arrow Connector 12"/>
+          <p:cNvCxnSpPr/>
+          <p:nvPr/>
+        </p:nvCxnSpPr>
+        <p:spPr>
+          <a:xfrm>
+            <a:off x="6814404" y="3345149"/>
+            <a:ext cx="1944636" cy="679761"/>
+          </a:xfrm>
+          <a:prstGeom prst="straightConnector1">
+            <a:avLst/>
+          </a:prstGeom>
+          <a:ln w="63500">
+            <a:solidFill>
+              <a:schemeClr val="tx2"/>
+            </a:solidFill>
+            <a:tailEnd type="stealth" w="lg" len="lg"/>
+          </a:ln>
+        </p:spPr>
+        <p:style>
+          <a:lnRef idx="2">
+            <a:schemeClr val="accent1"/>
+          </a:lnRef>
+          <a:fillRef idx="0">
+            <a:schemeClr val="accent1"/>
+          </a:fillRef>
+          <a:effectRef idx="1">
+            <a:schemeClr val="accent1"/>
+          </a:effectRef>
+          <a:fontRef idx="minor">
+            <a:schemeClr val="tx1"/>
+          </a:fontRef>
+        </p:style>
+      </p:cxnSp>
+      <p:cxnSp>
+        <p:nvCxnSpPr>
+          <p:cNvPr id="18" name="Straight Arrow Connector 17"/>
+          <p:cNvCxnSpPr/>
+          <p:nvPr/>
+        </p:nvCxnSpPr>
+        <p:spPr>
+          <a:xfrm>
+            <a:off x="4873429" y="4678182"/>
+            <a:ext cx="1944636" cy="679761"/>
+          </a:xfrm>
+          <a:prstGeom prst="straightConnector1">
+            <a:avLst/>
+          </a:prstGeom>
+          <a:ln w="63500">
+            <a:solidFill>
+              <a:srgbClr val="953735"/>
+            </a:solidFill>
+            <a:tailEnd type="stealth" w="lg" len="lg"/>
+          </a:ln>
+        </p:spPr>
+        <p:style>
+          <a:lnRef idx="2">
+            <a:schemeClr val="accent1"/>
+          </a:lnRef>
+          <a:fillRef idx="0">
+            <a:schemeClr val="accent1"/>
+          </a:fillRef>
+          <a:effectRef idx="1">
+            <a:schemeClr val="accent1"/>
+          </a:effectRef>
+          <a:fontRef idx="minor">
+            <a:schemeClr val="tx1"/>
+          </a:fontRef>
+        </p:style>
+      </p:cxnSp>
+      <p:sp>
+        <p:nvSpPr>
+          <p:cNvPr id="19" name="Donut 18"/>
+          <p:cNvSpPr/>
+          <p:nvPr/>
+        </p:nvSpPr>
+        <p:spPr>
+          <a:xfrm>
+            <a:off x="2507680" y="931990"/>
+            <a:ext cx="203199" cy="211666"/>
+          </a:xfrm>
+          <a:prstGeom prst="donut">
+            <a:avLst/>
+          </a:prstGeom>
+          <a:solidFill>
+            <a:srgbClr val="FF0000"/>
+          </a:solidFill>
+          <a:ln>
+            <a:noFill/>
+          </a:ln>
+        </p:spPr>
+        <p:style>
+          <a:lnRef idx="1">
+            <a:schemeClr val="accent1"/>
+          </a:lnRef>
+          <a:fillRef idx="3">
+            <a:schemeClr val="accent1"/>
+          </a:fillRef>
+          <a:effectRef idx="2">
+            <a:schemeClr val="accent1"/>
+          </a:effectRef>
+          <a:fontRef idx="minor">
+            <a:schemeClr val="lt1"/>
+          </a:fontRef>
+        </p:style>
+        <p:txBody>
+          <a:bodyPr rtlCol="0" anchor="ctr"/>
+          <a:lstStyle/>
+          <a:p>
+            <a:pPr algn="ctr"/>
+            <a:endParaRPr lang="en-US">
+              <a:solidFill>
+                <a:schemeClr val="tx1"/>
+              </a:solidFill>
+            </a:endParaRPr>
+          </a:p>
+        </p:txBody>
+      </p:sp>
+      <p:sp>
+        <p:nvSpPr>
+          <p:cNvPr id="21" name="Rectangle 20"/>
+          <p:cNvSpPr/>
+          <p:nvPr/>
+        </p:nvSpPr>
+        <p:spPr>
+          <a:xfrm>
+            <a:off x="733309" y="804982"/>
+            <a:ext cx="2119607" cy="1217612"/>
+          </a:xfrm>
+          <a:prstGeom prst="rect">
+            <a:avLst/>
+          </a:prstGeom>
+          <a:noFill/>
+          <a:ln>
+            <a:solidFill>
+              <a:schemeClr val="accent6">
+                <a:lumMod val="50000"/>
+              </a:schemeClr>
+            </a:solidFill>
+          </a:ln>
+        </p:spPr>
+        <p:style>
+          <a:lnRef idx="1">
+            <a:schemeClr val="accent1"/>
+          </a:lnRef>
+          <a:fillRef idx="3">
+            <a:schemeClr val="accent1"/>
+          </a:fillRef>
+          <a:effectRef idx="2">
+            <a:schemeClr val="accent1"/>
+          </a:effectRef>
+          <a:fontRef idx="minor">
+            <a:schemeClr val="lt1"/>
+          </a:fontRef>
+        </p:style>
+        <p:txBody>
+          <a:bodyPr/>
+          <a:lstStyle/>
+          <a:p>
+            <a:endParaRPr lang="en-US">
+              <a:solidFill>
+                <a:srgbClr val="FF0000"/>
+              </a:solidFill>
+            </a:endParaRPr>
+          </a:p>
+        </p:txBody>
+      </p:sp>
+      <p:sp>
+        <p:nvSpPr>
+          <p:cNvPr id="24" name="Donut 23"/>
+          <p:cNvSpPr/>
+          <p:nvPr/>
+        </p:nvSpPr>
+        <p:spPr>
+          <a:xfrm>
+            <a:off x="2503485" y="1706817"/>
+            <a:ext cx="203199" cy="211666"/>
+          </a:xfrm>
+          <a:prstGeom prst="donut">
+            <a:avLst/>
+          </a:prstGeom>
+          <a:noFill/>
+          <a:ln>
+            <a:solidFill>
+              <a:srgbClr val="008000"/>
+            </a:solidFill>
+          </a:ln>
+        </p:spPr>
+        <p:style>
+          <a:lnRef idx="1">
+            <a:schemeClr val="accent1"/>
+          </a:lnRef>
+          <a:fillRef idx="3">
+            <a:schemeClr val="accent1"/>
+          </a:fillRef>
+          <a:effectRef idx="2">
+            <a:schemeClr val="accent1"/>
+          </a:effectRef>
+          <a:fontRef idx="minor">
+            <a:schemeClr val="lt1"/>
+          </a:fontRef>
+        </p:style>
+        <p:txBody>
+          <a:bodyPr rtlCol="0" anchor="ctr"/>
+          <a:lstStyle/>
+          <a:p>
+            <a:pPr algn="ctr"/>
+            <a:endParaRPr lang="en-US">
+              <a:solidFill>
+                <a:schemeClr val="tx1"/>
+              </a:solidFill>
+            </a:endParaRPr>
+          </a:p>
+        </p:txBody>
+      </p:sp>
+      <p:cxnSp>
+        <p:nvCxnSpPr>
+          <p:cNvPr id="27" name="Straight Arrow Connector 26"/>
+          <p:cNvCxnSpPr/>
+          <p:nvPr/>
+        </p:nvCxnSpPr>
+        <p:spPr>
+          <a:xfrm>
+            <a:off x="2471908" y="1556300"/>
+            <a:ext cx="304802" cy="0"/>
+          </a:xfrm>
+          <a:prstGeom prst="straightConnector1">
+            <a:avLst/>
+          </a:prstGeom>
+          <a:ln>
+            <a:solidFill>
+              <a:schemeClr val="tx2"/>
+            </a:solidFill>
+            <a:tailEnd type="arrow"/>
+          </a:ln>
+        </p:spPr>
+        <p:style>
+          <a:lnRef idx="2">
+            <a:schemeClr val="accent1"/>
+          </a:lnRef>
+          <a:fillRef idx="0">
+            <a:schemeClr val="accent1"/>
+          </a:fillRef>
+          <a:effectRef idx="1">
+            <a:schemeClr val="accent1"/>
+          </a:effectRef>
+          <a:fontRef idx="minor">
+            <a:schemeClr val="tx1"/>
+          </a:fontRef>
+        </p:style>
+      </p:cxnSp>
+      <p:cxnSp>
+        <p:nvCxnSpPr>
+          <p:cNvPr id="30" name="Straight Arrow Connector 29"/>
+          <p:cNvCxnSpPr/>
+          <p:nvPr/>
+        </p:nvCxnSpPr>
+        <p:spPr>
+          <a:xfrm>
+            <a:off x="2463334" y="1315164"/>
+            <a:ext cx="304802" cy="0"/>
+          </a:xfrm>
+          <a:prstGeom prst="straightConnector1">
+            <a:avLst/>
+          </a:prstGeom>
+          <a:ln>
+            <a:solidFill>
+              <a:schemeClr val="accent2">
+                <a:lumMod val="75000"/>
+              </a:schemeClr>
+            </a:solidFill>
+            <a:tailEnd type="arrow"/>
+          </a:ln>
+        </p:spPr>
+        <p:style>
+          <a:lnRef idx="2">
+            <a:schemeClr val="accent1"/>
+          </a:lnRef>
+          <a:fillRef idx="0">
+            <a:schemeClr val="accent1"/>
+          </a:fillRef>
+          <a:effectRef idx="1">
+            <a:schemeClr val="accent1"/>
+          </a:effectRef>
+          <a:fontRef idx="minor">
+            <a:schemeClr val="tx1"/>
+          </a:fontRef>
+        </p:style>
+      </p:cxnSp>
+      <p:sp>
+        <p:nvSpPr>
+          <p:cNvPr id="31" name="TextBox 30"/>
+          <p:cNvSpPr txBox="1"/>
+          <p:nvPr/>
+        </p:nvSpPr>
+        <p:spPr>
+          <a:xfrm>
+            <a:off x="733309" y="827988"/>
+            <a:ext cx="1545543" cy="1200329"/>
+          </a:xfrm>
+          <a:prstGeom prst="rect">
+            <a:avLst/>
+          </a:prstGeom>
+          <a:noFill/>
+        </p:spPr>
+        <p:txBody>
+          <a:bodyPr wrap="square" rtlCol="0">
+            <a:spAutoFit/>
+          </a:bodyPr>
+          <a:lstStyle/>
+          <a:p>
+            <a:r>
+              <a:rPr lang="en-US" dirty="0" smtClean="0"/>
+              <a:t>Robot</a:t>
+            </a:r>
+          </a:p>
+          <a:p>
+            <a:r>
+              <a:rPr lang="en-US" dirty="0" smtClean="0"/>
+              <a:t>Bottom Path</a:t>
+            </a:r>
+          </a:p>
+          <a:p>
+            <a:r>
+              <a:rPr lang="en-US" dirty="0" smtClean="0"/>
+              <a:t>Top Path</a:t>
+            </a:r>
+          </a:p>
+          <a:p>
+            <a:r>
+              <a:rPr lang="en-US" dirty="0" smtClean="0"/>
+              <a:t>Goal Positions</a:t>
+            </a:r>
+            <a:endParaRPr lang="en-US" dirty="0"/>
+          </a:p>
+        </p:txBody>
+      </p:sp>
+    </p:spTree>
+    <p:extLst>
+      <p:ext uri="{BB962C8B-B14F-4D97-AF65-F5344CB8AC3E}">
+        <p14:creationId xmlns:p14="http://schemas.microsoft.com/office/powerpoint/2010/main" val="442464281"/>
+      </p:ext>
+    </p:extLst>
+  </p:cSld>
+  <p:clrMapOvr>
+    <a:masterClrMapping/>
+  </p:clrMapOvr>
+</p:sld>
+</file>
+
+<file path=ppt/slides/slide6.xml><?xml version="1.0" encoding="utf-8"?>
+<p:sld xmlns:a="http://schemas.openxmlformats.org/drawingml/2006/main" xmlns:r="http://schemas.openxmlformats.org/officeDocument/2006/relationships" xmlns:p="http://schemas.openxmlformats.org/presentationml/2006/main">
+  <p:cSld>
+    <p:spTree>
+      <p:nvGrpSpPr>
+        <p:cNvPr id="1" name=""/>
+        <p:cNvGrpSpPr/>
+        <p:nvPr/>
+      </p:nvGrpSpPr>
+      <p:grpSpPr>
+        <a:xfrm>
+          <a:off x="0" y="0"/>
+          <a:ext cx="0" cy="0"/>
+          <a:chOff x="0" y="0"/>
+          <a:chExt cx="0" cy="0"/>
+        </a:xfrm>
+      </p:grpSpPr>
+      <p:pic>
+        <p:nvPicPr>
+          <p:cNvPr id="4" name="Picture 3" descr="twoR_3.jpg"/>
+          <p:cNvPicPr>
+            <a:picLocks noChangeAspect="1"/>
+          </p:cNvPicPr>
+          <p:nvPr/>
+        </p:nvPicPr>
+        <p:blipFill>
+          <a:blip r:embed="rId2">
+            <a:extLst>
+              <a:ext uri="{28A0092B-C50C-407E-A947-70E740481C1C}">
+                <a14:useLocalDpi xmlns:a14="http://schemas.microsoft.com/office/drawing/2010/main" val="0"/>
+              </a:ext>
+            </a:extLst>
+          </a:blip>
+          <a:stretch>
+            <a:fillRect/>
+          </a:stretch>
+        </p:blipFill>
+        <p:spPr>
+          <a:xfrm>
+            <a:off x="0" y="0"/>
+            <a:ext cx="8712025" cy="6858000"/>
+          </a:xfrm>
+          <a:prstGeom prst="rect">
+            <a:avLst/>
+          </a:prstGeom>
+        </p:spPr>
+      </p:pic>
+      <p:sp>
+        <p:nvSpPr>
+          <p:cNvPr id="5" name="Oval 4"/>
+          <p:cNvSpPr/>
+          <p:nvPr/>
+        </p:nvSpPr>
+        <p:spPr>
+          <a:xfrm>
+            <a:off x="5196145" y="2692551"/>
+            <a:ext cx="455694" cy="491602"/>
+          </a:xfrm>
+          <a:prstGeom prst="ellipse">
+            <a:avLst/>
+          </a:prstGeom>
+          <a:noFill/>
+          <a:ln w="76200" cmpd="sng">
+            <a:solidFill>
+              <a:srgbClr val="008000"/>
+            </a:solidFill>
+          </a:ln>
+        </p:spPr>
+        <p:style>
+          <a:lnRef idx="1">
+            <a:schemeClr val="accent1"/>
+          </a:lnRef>
+          <a:fillRef idx="3">
+            <a:schemeClr val="accent1"/>
+          </a:fillRef>
+          <a:effectRef idx="2">
+            <a:schemeClr val="accent1"/>
+          </a:effectRef>
+          <a:fontRef idx="minor">
+            <a:schemeClr val="lt1"/>
+          </a:fontRef>
+        </p:style>
+        <p:txBody>
+          <a:bodyPr rtlCol="0" anchor="ctr"/>
+          <a:lstStyle/>
+          <a:p>
+            <a:pPr algn="ctr"/>
+            <a:endParaRPr lang="en-US"/>
+          </a:p>
+        </p:txBody>
+      </p:sp>
+      <p:sp>
+        <p:nvSpPr>
+          <p:cNvPr id="6" name="Oval 5"/>
+          <p:cNvSpPr/>
+          <p:nvPr/>
+        </p:nvSpPr>
+        <p:spPr>
+          <a:xfrm>
+            <a:off x="4381963" y="1905457"/>
+            <a:ext cx="455694" cy="491602"/>
+          </a:xfrm>
+          <a:prstGeom prst="ellipse">
+            <a:avLst/>
+          </a:prstGeom>
+          <a:noFill/>
+          <a:ln w="76200" cmpd="sng">
+            <a:solidFill>
+              <a:srgbClr val="008000"/>
+            </a:solidFill>
+          </a:ln>
+        </p:spPr>
+        <p:style>
+          <a:lnRef idx="1">
+            <a:schemeClr val="accent1"/>
+          </a:lnRef>
+          <a:fillRef idx="3">
+            <a:schemeClr val="accent1"/>
+          </a:fillRef>
+          <a:effectRef idx="2">
+            <a:schemeClr val="accent1"/>
+          </a:effectRef>
+          <a:fontRef idx="minor">
+            <a:schemeClr val="lt1"/>
+          </a:fontRef>
+        </p:style>
+        <p:txBody>
+          <a:bodyPr rtlCol="0" anchor="ctr"/>
+          <a:lstStyle/>
+          <a:p>
+            <a:pPr algn="ctr"/>
+            <a:endParaRPr lang="en-US"/>
+          </a:p>
+        </p:txBody>
+      </p:sp>
+      <p:cxnSp>
+        <p:nvCxnSpPr>
+          <p:cNvPr id="10" name="Straight Arrow Connector 9"/>
+          <p:cNvCxnSpPr/>
+          <p:nvPr/>
+        </p:nvCxnSpPr>
+        <p:spPr>
+          <a:xfrm>
+            <a:off x="6814404" y="3345149"/>
+            <a:ext cx="1944636" cy="679761"/>
+          </a:xfrm>
+          <a:prstGeom prst="straightConnector1">
+            <a:avLst/>
+          </a:prstGeom>
+          <a:ln w="63500">
+            <a:solidFill>
+              <a:schemeClr val="tx2"/>
+            </a:solidFill>
+            <a:tailEnd type="stealth" w="lg" len="lg"/>
+          </a:ln>
+        </p:spPr>
+        <p:style>
+          <a:lnRef idx="2">
+            <a:schemeClr val="accent1"/>
+          </a:lnRef>
+          <a:fillRef idx="0">
+            <a:schemeClr val="accent1"/>
+          </a:fillRef>
+          <a:effectRef idx="1">
+            <a:schemeClr val="accent1"/>
+          </a:effectRef>
+          <a:fontRef idx="minor">
+            <a:schemeClr val="tx1"/>
+          </a:fontRef>
+        </p:style>
+      </p:cxnSp>
+      <p:cxnSp>
+        <p:nvCxnSpPr>
+          <p:cNvPr id="11" name="Straight Arrow Connector 10"/>
+          <p:cNvCxnSpPr/>
+          <p:nvPr/>
+        </p:nvCxnSpPr>
+        <p:spPr>
+          <a:xfrm>
+            <a:off x="4873429" y="4678182"/>
+            <a:ext cx="1944636" cy="679761"/>
+          </a:xfrm>
+          <a:prstGeom prst="straightConnector1">
+            <a:avLst/>
+          </a:prstGeom>
+          <a:ln w="63500">
+            <a:solidFill>
+              <a:srgbClr val="953735"/>
+            </a:solidFill>
+            <a:tailEnd type="stealth" w="lg" len="lg"/>
+          </a:ln>
+        </p:spPr>
+        <p:style>
+          <a:lnRef idx="2">
+            <a:schemeClr val="accent1"/>
+          </a:lnRef>
+          <a:fillRef idx="0">
+            <a:schemeClr val="accent1"/>
+          </a:fillRef>
+          <a:effectRef idx="1">
+            <a:schemeClr val="accent1"/>
+          </a:effectRef>
+          <a:fontRef idx="minor">
+            <a:schemeClr val="tx1"/>
+          </a:fontRef>
+        </p:style>
+      </p:cxnSp>
+      <p:cxnSp>
+        <p:nvCxnSpPr>
+          <p:cNvPr id="12" name="Straight Arrow Connector 11"/>
+          <p:cNvCxnSpPr/>
+          <p:nvPr/>
+        </p:nvCxnSpPr>
+        <p:spPr>
+          <a:xfrm flipV="1">
+            <a:off x="6814404" y="4239572"/>
+            <a:ext cx="178856" cy="1118374"/>
+          </a:xfrm>
+          <a:prstGeom prst="straightConnector1">
+            <a:avLst/>
+          </a:prstGeom>
+          <a:ln w="63500">
+            <a:solidFill>
+              <a:srgbClr val="953735"/>
+            </a:solidFill>
+            <a:tailEnd type="stealth" w="lg" len="lg"/>
+          </a:ln>
+        </p:spPr>
+        <p:style>
+          <a:lnRef idx="2">
+            <a:schemeClr val="accent1"/>
+          </a:lnRef>
+          <a:fillRef idx="0">
+            <a:schemeClr val="accent1"/>
+          </a:fillRef>
+          <a:effectRef idx="1">
+            <a:schemeClr val="accent1"/>
+          </a:effectRef>
+          <a:fontRef idx="minor">
+            <a:schemeClr val="tx1"/>
+          </a:fontRef>
+        </p:style>
+      </p:cxnSp>
+      <p:sp>
+        <p:nvSpPr>
+          <p:cNvPr id="20" name="Donut 19"/>
+          <p:cNvSpPr/>
+          <p:nvPr/>
+        </p:nvSpPr>
+        <p:spPr>
+          <a:xfrm>
+            <a:off x="2507680" y="931990"/>
+            <a:ext cx="203199" cy="211666"/>
+          </a:xfrm>
+          <a:prstGeom prst="donut">
+            <a:avLst/>
+          </a:prstGeom>
+          <a:solidFill>
+            <a:srgbClr val="FF0000"/>
+          </a:solidFill>
+          <a:ln>
+            <a:noFill/>
+          </a:ln>
+        </p:spPr>
+        <p:style>
+          <a:lnRef idx="1">
+            <a:schemeClr val="accent1"/>
+          </a:lnRef>
+          <a:fillRef idx="3">
+            <a:schemeClr val="accent1"/>
+          </a:fillRef>
+          <a:effectRef idx="2">
+            <a:schemeClr val="accent1"/>
+          </a:effectRef>
+          <a:fontRef idx="minor">
+            <a:schemeClr val="lt1"/>
+          </a:fontRef>
+        </p:style>
+        <p:txBody>
+          <a:bodyPr rtlCol="0" anchor="ctr"/>
+          <a:lstStyle/>
+          <a:p>
+            <a:pPr algn="ctr"/>
+            <a:endParaRPr lang="en-US">
+              <a:solidFill>
+                <a:schemeClr val="tx1"/>
+              </a:solidFill>
+            </a:endParaRPr>
+          </a:p>
+        </p:txBody>
+      </p:sp>
+      <p:sp>
+        <p:nvSpPr>
+          <p:cNvPr id="21" name="Rectangle 20"/>
+          <p:cNvSpPr/>
+          <p:nvPr/>
+        </p:nvSpPr>
+        <p:spPr>
+          <a:xfrm>
+            <a:off x="733309" y="804982"/>
+            <a:ext cx="2119607" cy="1217612"/>
+          </a:xfrm>
+          <a:prstGeom prst="rect">
+            <a:avLst/>
+          </a:prstGeom>
+          <a:noFill/>
+          <a:ln>
+            <a:solidFill>
+              <a:schemeClr val="accent6">
+                <a:lumMod val="50000"/>
+              </a:schemeClr>
+            </a:solidFill>
+          </a:ln>
+        </p:spPr>
+        <p:style>
+          <a:lnRef idx="1">
+            <a:schemeClr val="accent1"/>
+          </a:lnRef>
+          <a:fillRef idx="3">
+            <a:schemeClr val="accent1"/>
+          </a:fillRef>
+          <a:effectRef idx="2">
+            <a:schemeClr val="accent1"/>
+          </a:effectRef>
+          <a:fontRef idx="minor">
+            <a:schemeClr val="lt1"/>
+          </a:fontRef>
+        </p:style>
+        <p:txBody>
+          <a:bodyPr/>
+          <a:lstStyle/>
+          <a:p>
+            <a:endParaRPr lang="en-US">
+              <a:solidFill>
+                <a:srgbClr val="FF0000"/>
+              </a:solidFill>
+            </a:endParaRPr>
+          </a:p>
+        </p:txBody>
+      </p:sp>
+      <p:sp>
+        <p:nvSpPr>
+          <p:cNvPr id="22" name="Donut 21"/>
+          <p:cNvSpPr/>
+          <p:nvPr/>
+        </p:nvSpPr>
+        <p:spPr>
+          <a:xfrm>
+            <a:off x="2503485" y="1706817"/>
+            <a:ext cx="203199" cy="211666"/>
+          </a:xfrm>
+          <a:prstGeom prst="donut">
+            <a:avLst/>
+          </a:prstGeom>
+          <a:noFill/>
+          <a:ln>
+            <a:solidFill>
+              <a:srgbClr val="008000"/>
+            </a:solidFill>
+          </a:ln>
+        </p:spPr>
+        <p:style>
+          <a:lnRef idx="1">
+            <a:schemeClr val="accent1"/>
+          </a:lnRef>
+          <a:fillRef idx="3">
+            <a:schemeClr val="accent1"/>
+          </a:fillRef>
+          <a:effectRef idx="2">
+            <a:schemeClr val="accent1"/>
+          </a:effectRef>
+          <a:fontRef idx="minor">
+            <a:schemeClr val="lt1"/>
+          </a:fontRef>
+        </p:style>
+        <p:txBody>
+          <a:bodyPr rtlCol="0" anchor="ctr"/>
+          <a:lstStyle/>
+          <a:p>
+            <a:pPr algn="ctr"/>
+            <a:endParaRPr lang="en-US">
+              <a:solidFill>
+                <a:schemeClr val="tx1"/>
+              </a:solidFill>
+            </a:endParaRPr>
+          </a:p>
+        </p:txBody>
+      </p:sp>
+      <p:cxnSp>
+        <p:nvCxnSpPr>
+          <p:cNvPr id="23" name="Straight Arrow Connector 22"/>
+          <p:cNvCxnSpPr/>
+          <p:nvPr/>
+        </p:nvCxnSpPr>
+        <p:spPr>
+          <a:xfrm>
+            <a:off x="2471908" y="1556300"/>
+            <a:ext cx="304802" cy="0"/>
+          </a:xfrm>
+          <a:prstGeom prst="straightConnector1">
+            <a:avLst/>
+          </a:prstGeom>
+          <a:ln>
+            <a:solidFill>
+              <a:schemeClr val="tx2"/>
+            </a:solidFill>
+            <a:tailEnd type="arrow"/>
+          </a:ln>
+        </p:spPr>
+        <p:style>
+          <a:lnRef idx="2">
+            <a:schemeClr val="accent1"/>
+          </a:lnRef>
+          <a:fillRef idx="0">
+            <a:schemeClr val="accent1"/>
+          </a:fillRef>
+          <a:effectRef idx="1">
+            <a:schemeClr val="accent1"/>
+          </a:effectRef>
+          <a:fontRef idx="minor">
+            <a:schemeClr val="tx1"/>
+          </a:fontRef>
+        </p:style>
+      </p:cxnSp>
+      <p:cxnSp>
+        <p:nvCxnSpPr>
+          <p:cNvPr id="24" name="Straight Arrow Connector 23"/>
+          <p:cNvCxnSpPr/>
+          <p:nvPr/>
+        </p:nvCxnSpPr>
+        <p:spPr>
+          <a:xfrm>
+            <a:off x="2463334" y="1315164"/>
+            <a:ext cx="304802" cy="0"/>
+          </a:xfrm>
+          <a:prstGeom prst="straightConnector1">
+            <a:avLst/>
+          </a:prstGeom>
+          <a:ln>
+            <a:solidFill>
+              <a:schemeClr val="accent2">
+                <a:lumMod val="75000"/>
+              </a:schemeClr>
+            </a:solidFill>
+            <a:tailEnd type="arrow"/>
+          </a:ln>
+        </p:spPr>
+        <p:style>
+          <a:lnRef idx="2">
+            <a:schemeClr val="accent1"/>
+          </a:lnRef>
+          <a:fillRef idx="0">
+            <a:schemeClr val="accent1"/>
+          </a:fillRef>
+          <a:effectRef idx="1">
+            <a:schemeClr val="accent1"/>
+          </a:effectRef>
+          <a:fontRef idx="minor">
+            <a:schemeClr val="tx1"/>
+          </a:fontRef>
+        </p:style>
+      </p:cxnSp>
+      <p:sp>
+        <p:nvSpPr>
+          <p:cNvPr id="25" name="TextBox 24"/>
+          <p:cNvSpPr txBox="1"/>
+          <p:nvPr/>
+        </p:nvSpPr>
+        <p:spPr>
+          <a:xfrm>
+            <a:off x="733309" y="827988"/>
+            <a:ext cx="1545543" cy="1200329"/>
+          </a:xfrm>
+          <a:prstGeom prst="rect">
+            <a:avLst/>
+          </a:prstGeom>
+          <a:noFill/>
+        </p:spPr>
+        <p:txBody>
+          <a:bodyPr wrap="square" rtlCol="0">
+            <a:spAutoFit/>
+          </a:bodyPr>
+          <a:lstStyle/>
+          <a:p>
+            <a:r>
+              <a:rPr lang="en-US" dirty="0" smtClean="0"/>
+              <a:t>Robot</a:t>
+            </a:r>
+          </a:p>
+          <a:p>
+            <a:r>
+              <a:rPr lang="en-US" dirty="0" smtClean="0"/>
+              <a:t>Bottom Path</a:t>
+            </a:r>
+          </a:p>
+          <a:p>
+            <a:r>
+              <a:rPr lang="en-US" dirty="0" smtClean="0"/>
+              <a:t>Top Path</a:t>
+            </a:r>
+          </a:p>
+          <a:p>
+            <a:r>
+              <a:rPr lang="en-US" dirty="0" smtClean="0"/>
+              <a:t>Goal Positions</a:t>
+            </a:r>
+            <a:endParaRPr lang="en-US" dirty="0"/>
+          </a:p>
+        </p:txBody>
+      </p:sp>
+    </p:spTree>
+    <p:extLst>
+      <p:ext uri="{BB962C8B-B14F-4D97-AF65-F5344CB8AC3E}">
+        <p14:creationId xmlns:p14="http://schemas.microsoft.com/office/powerpoint/2010/main" val="1791654964"/>
+      </p:ext>
+    </p:extLst>
+  </p:cSld>
+  <p:clrMapOvr>
+    <a:masterClrMapping/>
+  </p:clrMapOvr>
+</p:sld>
+</file>
+
+<file path=ppt/slides/slide7.xml><?xml version="1.0" encoding="utf-8"?>
+<p:sld xmlns:a="http://schemas.openxmlformats.org/drawingml/2006/main" xmlns:r="http://schemas.openxmlformats.org/officeDocument/2006/relationships" xmlns:p="http://schemas.openxmlformats.org/presentationml/2006/main">
+  <p:cSld>
+    <p:spTree>
+      <p:nvGrpSpPr>
+        <p:cNvPr id="1" name=""/>
+        <p:cNvGrpSpPr/>
+        <p:nvPr/>
+      </p:nvGrpSpPr>
+      <p:grpSpPr>
+        <a:xfrm>
+          <a:off x="0" y="0"/>
+          <a:ext cx="0" cy="0"/>
+          <a:chOff x="0" y="0"/>
+          <a:chExt cx="0" cy="0"/>
+        </a:xfrm>
+      </p:grpSpPr>
+      <p:pic>
+        <p:nvPicPr>
+          <p:cNvPr id="4" name="Picture 3" descr="twoR_2.jpg"/>
+          <p:cNvPicPr>
+            <a:picLocks noChangeAspect="1"/>
+          </p:cNvPicPr>
+          <p:nvPr/>
+        </p:nvPicPr>
+        <p:blipFill>
+          <a:blip r:embed="rId2">
+            <a:extLst>
+              <a:ext uri="{28A0092B-C50C-407E-A947-70E740481C1C}">
+                <a14:useLocalDpi xmlns:a14="http://schemas.microsoft.com/office/drawing/2010/main" val="0"/>
+              </a:ext>
+            </a:extLst>
+          </a:blip>
+          <a:stretch>
+            <a:fillRect/>
+          </a:stretch>
+        </p:blipFill>
+        <p:spPr>
+          <a:xfrm>
+            <a:off x="0" y="0"/>
+            <a:ext cx="8662984" cy="6858000"/>
+          </a:xfrm>
+          <a:prstGeom prst="rect">
+            <a:avLst/>
+          </a:prstGeom>
+        </p:spPr>
+      </p:pic>
+      <p:sp>
+        <p:nvSpPr>
+          <p:cNvPr id="5" name="Oval 4"/>
+          <p:cNvSpPr/>
+          <p:nvPr/>
+        </p:nvSpPr>
+        <p:spPr>
+          <a:xfrm>
+            <a:off x="5196145" y="2692551"/>
+            <a:ext cx="455694" cy="491602"/>
+          </a:xfrm>
+          <a:prstGeom prst="ellipse">
+            <a:avLst/>
+          </a:prstGeom>
+          <a:noFill/>
+          <a:ln w="76200" cmpd="sng">
+            <a:solidFill>
+              <a:srgbClr val="008000"/>
+            </a:solidFill>
+          </a:ln>
+        </p:spPr>
+        <p:style>
+          <a:lnRef idx="1">
+            <a:schemeClr val="accent1"/>
+          </a:lnRef>
+          <a:fillRef idx="3">
+            <a:schemeClr val="accent1"/>
+          </a:fillRef>
+          <a:effectRef idx="2">
+            <a:schemeClr val="accent1"/>
+          </a:effectRef>
+          <a:fontRef idx="minor">
+            <a:schemeClr val="lt1"/>
+          </a:fontRef>
+        </p:style>
+        <p:txBody>
+          <a:bodyPr rtlCol="0" anchor="ctr"/>
+          <a:lstStyle/>
+          <a:p>
+            <a:pPr algn="ctr"/>
+            <a:endParaRPr lang="en-US"/>
+          </a:p>
+        </p:txBody>
+      </p:sp>
+      <p:sp>
+        <p:nvSpPr>
+          <p:cNvPr id="6" name="Oval 5"/>
+          <p:cNvSpPr/>
+          <p:nvPr/>
+        </p:nvSpPr>
+        <p:spPr>
+          <a:xfrm>
+            <a:off x="4381963" y="1905457"/>
+            <a:ext cx="455694" cy="491602"/>
+          </a:xfrm>
+          <a:prstGeom prst="ellipse">
+            <a:avLst/>
+          </a:prstGeom>
+          <a:noFill/>
+          <a:ln w="76200" cmpd="sng">
+            <a:solidFill>
+              <a:srgbClr val="008000"/>
+            </a:solidFill>
+          </a:ln>
+        </p:spPr>
+        <p:style>
+          <a:lnRef idx="1">
+            <a:schemeClr val="accent1"/>
+          </a:lnRef>
+          <a:fillRef idx="3">
+            <a:schemeClr val="accent1"/>
+          </a:fillRef>
+          <a:effectRef idx="2">
+            <a:schemeClr val="accent1"/>
+          </a:effectRef>
+          <a:fontRef idx="minor">
+            <a:schemeClr val="lt1"/>
+          </a:fontRef>
+        </p:style>
+        <p:txBody>
+          <a:bodyPr rtlCol="0" anchor="ctr"/>
+          <a:lstStyle/>
+          <a:p>
+            <a:pPr algn="ctr"/>
+            <a:endParaRPr lang="en-US"/>
+          </a:p>
+        </p:txBody>
+      </p:sp>
+      <p:cxnSp>
+        <p:nvCxnSpPr>
+          <p:cNvPr id="16" name="Straight Arrow Connector 15"/>
+          <p:cNvCxnSpPr/>
+          <p:nvPr/>
+        </p:nvCxnSpPr>
+        <p:spPr>
+          <a:xfrm>
+            <a:off x="6814404" y="3345149"/>
+            <a:ext cx="1944636" cy="679761"/>
+          </a:xfrm>
+          <a:prstGeom prst="straightConnector1">
+            <a:avLst/>
+          </a:prstGeom>
+          <a:ln w="63500">
+            <a:solidFill>
+              <a:schemeClr val="tx2"/>
+            </a:solidFill>
+            <a:tailEnd type="stealth" w="lg" len="lg"/>
+          </a:ln>
+        </p:spPr>
+        <p:style>
+          <a:lnRef idx="2">
+            <a:schemeClr val="accent1"/>
+          </a:lnRef>
+          <a:fillRef idx="0">
+            <a:schemeClr val="accent1"/>
+          </a:fillRef>
+          <a:effectRef idx="1">
+            <a:schemeClr val="accent1"/>
+          </a:effectRef>
+          <a:fontRef idx="minor">
+            <a:schemeClr val="tx1"/>
+          </a:fontRef>
+        </p:style>
+      </p:cxnSp>
+      <p:cxnSp>
+        <p:nvCxnSpPr>
+          <p:cNvPr id="17" name="Straight Arrow Connector 16"/>
+          <p:cNvCxnSpPr/>
+          <p:nvPr/>
+        </p:nvCxnSpPr>
+        <p:spPr>
+          <a:xfrm>
+            <a:off x="4873429" y="4678182"/>
+            <a:ext cx="1944636" cy="679761"/>
+          </a:xfrm>
+          <a:prstGeom prst="straightConnector1">
+            <a:avLst/>
+          </a:prstGeom>
+          <a:ln w="63500">
+            <a:solidFill>
+              <a:srgbClr val="953735"/>
+            </a:solidFill>
+            <a:tailEnd type="stealth" w="lg" len="lg"/>
+          </a:ln>
+        </p:spPr>
+        <p:style>
+          <a:lnRef idx="2">
+            <a:schemeClr val="accent1"/>
+          </a:lnRef>
+          <a:fillRef idx="0">
+            <a:schemeClr val="accent1"/>
+          </a:fillRef>
+          <a:effectRef idx="1">
+            <a:schemeClr val="accent1"/>
+          </a:effectRef>
+          <a:fontRef idx="minor">
+            <a:schemeClr val="tx1"/>
+          </a:fontRef>
+        </p:style>
+      </p:cxnSp>
+      <p:cxnSp>
+        <p:nvCxnSpPr>
+          <p:cNvPr id="27" name="Straight Arrow Connector 26"/>
+          <p:cNvCxnSpPr/>
+          <p:nvPr/>
+        </p:nvCxnSpPr>
+        <p:spPr>
+          <a:xfrm flipV="1">
+            <a:off x="6814404" y="4239572"/>
+            <a:ext cx="178856" cy="1118374"/>
+          </a:xfrm>
+          <a:prstGeom prst="straightConnector1">
+            <a:avLst/>
+          </a:prstGeom>
+          <a:ln w="63500">
+            <a:solidFill>
+              <a:srgbClr val="953735"/>
+            </a:solidFill>
+            <a:tailEnd type="stealth" w="lg" len="lg"/>
+          </a:ln>
+        </p:spPr>
+        <p:style>
+          <a:lnRef idx="2">
+            <a:schemeClr val="accent1"/>
+          </a:lnRef>
+          <a:fillRef idx="0">
+            <a:schemeClr val="accent1"/>
+          </a:fillRef>
+          <a:effectRef idx="1">
+            <a:schemeClr val="accent1"/>
+          </a:effectRef>
+          <a:fontRef idx="minor">
+            <a:schemeClr val="tx1"/>
+          </a:fontRef>
+        </p:style>
+      </p:cxnSp>
+      <p:cxnSp>
+        <p:nvCxnSpPr>
+          <p:cNvPr id="30" name="Straight Arrow Connector 29"/>
+          <p:cNvCxnSpPr/>
+          <p:nvPr/>
+        </p:nvCxnSpPr>
+        <p:spPr>
+          <a:xfrm flipV="1">
+            <a:off x="6993260" y="3881802"/>
+            <a:ext cx="89428" cy="357770"/>
+          </a:xfrm>
+          <a:prstGeom prst="straightConnector1">
+            <a:avLst/>
+          </a:prstGeom>
+          <a:ln w="63500">
+            <a:solidFill>
+              <a:srgbClr val="953735"/>
+            </a:solidFill>
+            <a:tailEnd type="stealth" w="lg" len="lg"/>
+          </a:ln>
+        </p:spPr>
+        <p:style>
+          <a:lnRef idx="2">
+            <a:schemeClr val="accent1"/>
+          </a:lnRef>
+          <a:fillRef idx="0">
+            <a:schemeClr val="accent1"/>
+          </a:fillRef>
+          <a:effectRef idx="1">
+            <a:schemeClr val="accent1"/>
+          </a:effectRef>
+          <a:fontRef idx="minor">
+            <a:schemeClr val="tx1"/>
+          </a:fontRef>
+        </p:style>
+      </p:cxnSp>
+      <p:sp>
+        <p:nvSpPr>
+          <p:cNvPr id="34" name="Donut 33"/>
+          <p:cNvSpPr/>
+          <p:nvPr/>
+        </p:nvSpPr>
+        <p:spPr>
+          <a:xfrm>
+            <a:off x="2507680" y="931990"/>
+            <a:ext cx="203199" cy="211666"/>
+          </a:xfrm>
+          <a:prstGeom prst="donut">
+            <a:avLst/>
+          </a:prstGeom>
+          <a:solidFill>
+            <a:srgbClr val="FF0000"/>
+          </a:solidFill>
+          <a:ln>
+            <a:noFill/>
+          </a:ln>
+        </p:spPr>
+        <p:style>
+          <a:lnRef idx="1">
+            <a:schemeClr val="accent1"/>
+          </a:lnRef>
+          <a:fillRef idx="3">
+            <a:schemeClr val="accent1"/>
+          </a:fillRef>
+          <a:effectRef idx="2">
+            <a:schemeClr val="accent1"/>
+          </a:effectRef>
+          <a:fontRef idx="minor">
+            <a:schemeClr val="lt1"/>
+          </a:fontRef>
+        </p:style>
+        <p:txBody>
+          <a:bodyPr rtlCol="0" anchor="ctr"/>
+          <a:lstStyle/>
+          <a:p>
+            <a:pPr algn="ctr"/>
+            <a:endParaRPr lang="en-US">
+              <a:solidFill>
+                <a:schemeClr val="tx1"/>
+              </a:solidFill>
+            </a:endParaRPr>
+          </a:p>
+        </p:txBody>
+      </p:sp>
+      <p:sp>
+        <p:nvSpPr>
+          <p:cNvPr id="35" name="Rectangle 34"/>
+          <p:cNvSpPr/>
+          <p:nvPr/>
+        </p:nvSpPr>
+        <p:spPr>
+          <a:xfrm>
+            <a:off x="733309" y="804982"/>
+            <a:ext cx="2119607" cy="1217612"/>
+          </a:xfrm>
+          <a:prstGeom prst="rect">
+            <a:avLst/>
+          </a:prstGeom>
+          <a:noFill/>
+          <a:ln>
+            <a:solidFill>
+              <a:schemeClr val="accent6">
+                <a:lumMod val="50000"/>
+              </a:schemeClr>
+            </a:solidFill>
+          </a:ln>
+        </p:spPr>
+        <p:style>
+          <a:lnRef idx="1">
+            <a:schemeClr val="accent1"/>
+          </a:lnRef>
+          <a:fillRef idx="3">
+            <a:schemeClr val="accent1"/>
+          </a:fillRef>
+          <a:effectRef idx="2">
+            <a:schemeClr val="accent1"/>
+          </a:effectRef>
+          <a:fontRef idx="minor">
+            <a:schemeClr val="lt1"/>
+          </a:fontRef>
+        </p:style>
+        <p:txBody>
+          <a:bodyPr/>
+          <a:lstStyle/>
+          <a:p>
+            <a:endParaRPr lang="en-US">
+              <a:solidFill>
+                <a:srgbClr val="FF0000"/>
+              </a:solidFill>
+            </a:endParaRPr>
+          </a:p>
+        </p:txBody>
+      </p:sp>
+      <p:sp>
+        <p:nvSpPr>
+          <p:cNvPr id="36" name="Donut 35"/>
+          <p:cNvSpPr/>
+          <p:nvPr/>
+        </p:nvSpPr>
+        <p:spPr>
+          <a:xfrm>
+            <a:off x="2503485" y="1706817"/>
+            <a:ext cx="203199" cy="211666"/>
+          </a:xfrm>
+          <a:prstGeom prst="donut">
+            <a:avLst/>
+          </a:prstGeom>
+          <a:noFill/>
+          <a:ln>
+            <a:solidFill>
+              <a:srgbClr val="008000"/>
+            </a:solidFill>
+          </a:ln>
+        </p:spPr>
+        <p:style>
+          <a:lnRef idx="1">
+            <a:schemeClr val="accent1"/>
+          </a:lnRef>
+          <a:fillRef idx="3">
+            <a:schemeClr val="accent1"/>
+          </a:fillRef>
+          <a:effectRef idx="2">
+            <a:schemeClr val="accent1"/>
+          </a:effectRef>
+          <a:fontRef idx="minor">
+            <a:schemeClr val="lt1"/>
+          </a:fontRef>
+        </p:style>
+        <p:txBody>
+          <a:bodyPr rtlCol="0" anchor="ctr"/>
+          <a:lstStyle/>
+          <a:p>
+            <a:pPr algn="ctr"/>
+            <a:endParaRPr lang="en-US">
+              <a:solidFill>
+                <a:schemeClr val="tx1"/>
+              </a:solidFill>
+            </a:endParaRPr>
+          </a:p>
+        </p:txBody>
+      </p:sp>
+      <p:cxnSp>
+        <p:nvCxnSpPr>
+          <p:cNvPr id="37" name="Straight Arrow Connector 36"/>
+          <p:cNvCxnSpPr/>
+          <p:nvPr/>
+        </p:nvCxnSpPr>
+        <p:spPr>
+          <a:xfrm>
+            <a:off x="2471908" y="1556300"/>
+            <a:ext cx="304802" cy="0"/>
+          </a:xfrm>
+          <a:prstGeom prst="straightConnector1">
+            <a:avLst/>
+          </a:prstGeom>
+          <a:ln>
+            <a:solidFill>
+              <a:schemeClr val="tx2"/>
+            </a:solidFill>
+            <a:tailEnd type="arrow"/>
+          </a:ln>
+        </p:spPr>
+        <p:style>
+          <a:lnRef idx="2">
+            <a:schemeClr val="accent1"/>
+          </a:lnRef>
+          <a:fillRef idx="0">
+            <a:schemeClr val="accent1"/>
+          </a:fillRef>
+          <a:effectRef idx="1">
+            <a:schemeClr val="accent1"/>
+          </a:effectRef>
+          <a:fontRef idx="minor">
+            <a:schemeClr val="tx1"/>
+          </a:fontRef>
+        </p:style>
+      </p:cxnSp>
+      <p:cxnSp>
+        <p:nvCxnSpPr>
+          <p:cNvPr id="38" name="Straight Arrow Connector 37"/>
+          <p:cNvCxnSpPr/>
+          <p:nvPr/>
+        </p:nvCxnSpPr>
+        <p:spPr>
+          <a:xfrm>
+            <a:off x="2463334" y="1315164"/>
+            <a:ext cx="304802" cy="0"/>
+          </a:xfrm>
+          <a:prstGeom prst="straightConnector1">
+            <a:avLst/>
+          </a:prstGeom>
+          <a:ln>
+            <a:solidFill>
+              <a:schemeClr val="accent2">
+                <a:lumMod val="75000"/>
+              </a:schemeClr>
+            </a:solidFill>
+            <a:tailEnd type="arrow"/>
+          </a:ln>
+        </p:spPr>
+        <p:style>
+          <a:lnRef idx="2">
+            <a:schemeClr val="accent1"/>
+          </a:lnRef>
+          <a:fillRef idx="0">
+            <a:schemeClr val="accent1"/>
+          </a:fillRef>
+          <a:effectRef idx="1">
+            <a:schemeClr val="accent1"/>
+          </a:effectRef>
+          <a:fontRef idx="minor">
+            <a:schemeClr val="tx1"/>
+          </a:fontRef>
+        </p:style>
+      </p:cxnSp>
+      <p:sp>
+        <p:nvSpPr>
+          <p:cNvPr id="39" name="TextBox 38"/>
+          <p:cNvSpPr txBox="1"/>
+          <p:nvPr/>
+        </p:nvSpPr>
+        <p:spPr>
+          <a:xfrm>
+            <a:off x="733309" y="827988"/>
+            <a:ext cx="1545543" cy="1200329"/>
+          </a:xfrm>
+          <a:prstGeom prst="rect">
+            <a:avLst/>
+          </a:prstGeom>
+          <a:noFill/>
+        </p:spPr>
+        <p:txBody>
+          <a:bodyPr wrap="square" rtlCol="0">
+            <a:spAutoFit/>
+          </a:bodyPr>
+          <a:lstStyle/>
+          <a:p>
+            <a:r>
+              <a:rPr lang="en-US" dirty="0" smtClean="0"/>
+              <a:t>Robot</a:t>
+            </a:r>
+          </a:p>
+          <a:p>
+            <a:r>
+              <a:rPr lang="en-US" dirty="0" smtClean="0"/>
+              <a:t>Bottom Path</a:t>
+            </a:r>
+          </a:p>
+          <a:p>
+            <a:r>
+              <a:rPr lang="en-US" dirty="0" smtClean="0"/>
+              <a:t>Top Path</a:t>
+            </a:r>
+          </a:p>
+          <a:p>
+            <a:r>
+              <a:rPr lang="en-US" dirty="0" smtClean="0"/>
+              <a:t>Goal Positions</a:t>
+            </a:r>
+            <a:endParaRPr lang="en-US" dirty="0"/>
+          </a:p>
+        </p:txBody>
+      </p:sp>
+    </p:spTree>
+    <p:extLst>
+      <p:ext uri="{BB962C8B-B14F-4D97-AF65-F5344CB8AC3E}">
+        <p14:creationId xmlns:p14="http://schemas.microsoft.com/office/powerpoint/2010/main" val="664200057"/>
+      </p:ext>
+    </p:extLst>
+  </p:cSld>
+  <p:clrMapOvr>
+    <a:masterClrMapping/>
+  </p:clrMapOvr>
+</p:sld>
+</file>
+
+<file path=ppt/slides/slide8.xml><?xml version="1.0" encoding="utf-8"?>
+<p:sld xmlns:a="http://schemas.openxmlformats.org/drawingml/2006/main" xmlns:r="http://schemas.openxmlformats.org/officeDocument/2006/relationships" xmlns:p="http://schemas.openxmlformats.org/presentationml/2006/main">
+  <p:cSld>
+    <p:spTree>
+      <p:nvGrpSpPr>
+        <p:cNvPr id="1" name=""/>
+        <p:cNvGrpSpPr/>
+        <p:nvPr/>
+      </p:nvGrpSpPr>
+      <p:grpSpPr>
+        <a:xfrm>
+          <a:off x="0" y="0"/>
+          <a:ext cx="0" cy="0"/>
+          <a:chOff x="0" y="0"/>
+          <a:chExt cx="0" cy="0"/>
+        </a:xfrm>
+      </p:grpSpPr>
+      <p:pic>
+        <p:nvPicPr>
+          <p:cNvPr id="6" name="Picture 5" descr="twoR_4.jpg"/>
+          <p:cNvPicPr>
+            <a:picLocks noChangeAspect="1"/>
+          </p:cNvPicPr>
+          <p:nvPr/>
+        </p:nvPicPr>
+        <p:blipFill>
+          <a:blip r:embed="rId2">
+            <a:extLst>
+              <a:ext uri="{28A0092B-C50C-407E-A947-70E740481C1C}">
+                <a14:useLocalDpi xmlns:a14="http://schemas.microsoft.com/office/drawing/2010/main" val="0"/>
+              </a:ext>
+            </a:extLst>
+          </a:blip>
+          <a:stretch>
+            <a:fillRect/>
+          </a:stretch>
+        </p:blipFill>
+        <p:spPr>
+          <a:xfrm>
+            <a:off x="0" y="0"/>
+            <a:ext cx="8692171" cy="6858000"/>
+          </a:xfrm>
+          <a:prstGeom prst="rect">
+            <a:avLst/>
+          </a:prstGeom>
+        </p:spPr>
+      </p:pic>
+      <p:sp>
+        <p:nvSpPr>
+          <p:cNvPr id="7" name="Oval 6"/>
+          <p:cNvSpPr/>
+          <p:nvPr/>
+        </p:nvSpPr>
+        <p:spPr>
+          <a:xfrm>
+            <a:off x="5196145" y="2692551"/>
+            <a:ext cx="455694" cy="491602"/>
+          </a:xfrm>
+          <a:prstGeom prst="ellipse">
+            <a:avLst/>
+          </a:prstGeom>
+          <a:noFill/>
+          <a:ln w="76200" cmpd="sng">
+            <a:solidFill>
+              <a:srgbClr val="008000"/>
+            </a:solidFill>
+          </a:ln>
+        </p:spPr>
+        <p:style>
+          <a:lnRef idx="1">
+            <a:schemeClr val="accent1"/>
+          </a:lnRef>
+          <a:fillRef idx="3">
+            <a:schemeClr val="accent1"/>
+          </a:fillRef>
+          <a:effectRef idx="2">
+            <a:schemeClr val="accent1"/>
+          </a:effectRef>
+          <a:fontRef idx="minor">
+            <a:schemeClr val="lt1"/>
+          </a:fontRef>
+        </p:style>
+        <p:txBody>
+          <a:bodyPr rtlCol="0" anchor="ctr"/>
+          <a:lstStyle/>
+          <a:p>
+            <a:pPr algn="ctr"/>
+            <a:endParaRPr lang="en-US"/>
+          </a:p>
+        </p:txBody>
+      </p:sp>
+      <p:sp>
+        <p:nvSpPr>
+          <p:cNvPr id="8" name="Oval 7"/>
+          <p:cNvSpPr/>
+          <p:nvPr/>
+        </p:nvSpPr>
+        <p:spPr>
+          <a:xfrm>
+            <a:off x="4381963" y="1905457"/>
+            <a:ext cx="455694" cy="491602"/>
+          </a:xfrm>
+          <a:prstGeom prst="ellipse">
+            <a:avLst/>
+          </a:prstGeom>
+          <a:noFill/>
+          <a:ln w="76200" cmpd="sng">
+            <a:solidFill>
+              <a:srgbClr val="008000"/>
+            </a:solidFill>
+          </a:ln>
+        </p:spPr>
+        <p:style>
+          <a:lnRef idx="1">
+            <a:schemeClr val="accent1"/>
+          </a:lnRef>
+          <a:fillRef idx="3">
+            <a:schemeClr val="accent1"/>
+          </a:fillRef>
+          <a:effectRef idx="2">
+            <a:schemeClr val="accent1"/>
+          </a:effectRef>
+          <a:fontRef idx="minor">
+            <a:schemeClr val="lt1"/>
+          </a:fontRef>
+        </p:style>
+        <p:txBody>
+          <a:bodyPr rtlCol="0" anchor="ctr"/>
+          <a:lstStyle/>
+          <a:p>
+            <a:pPr algn="ctr"/>
+            <a:endParaRPr lang="en-US"/>
+          </a:p>
+        </p:txBody>
+      </p:sp>
+      <p:cxnSp>
+        <p:nvCxnSpPr>
+          <p:cNvPr id="13" name="Straight Arrow Connector 12"/>
+          <p:cNvCxnSpPr/>
+          <p:nvPr/>
+        </p:nvCxnSpPr>
+        <p:spPr>
+          <a:xfrm>
+            <a:off x="6814404" y="3345149"/>
+            <a:ext cx="1944636" cy="679761"/>
+          </a:xfrm>
+          <a:prstGeom prst="straightConnector1">
+            <a:avLst/>
+          </a:prstGeom>
+          <a:ln w="63500">
+            <a:solidFill>
+              <a:schemeClr val="tx2"/>
+            </a:solidFill>
+            <a:tailEnd type="stealth" w="lg" len="lg"/>
+          </a:ln>
+        </p:spPr>
+        <p:style>
+          <a:lnRef idx="2">
+            <a:schemeClr val="accent1"/>
+          </a:lnRef>
+          <a:fillRef idx="0">
+            <a:schemeClr val="accent1"/>
+          </a:fillRef>
+          <a:effectRef idx="1">
+            <a:schemeClr val="accent1"/>
+          </a:effectRef>
+          <a:fontRef idx="minor">
+            <a:schemeClr val="tx1"/>
+          </a:fontRef>
+        </p:style>
+      </p:cxnSp>
+      <p:cxnSp>
+        <p:nvCxnSpPr>
+          <p:cNvPr id="14" name="Straight Arrow Connector 13"/>
+          <p:cNvCxnSpPr/>
+          <p:nvPr/>
+        </p:nvCxnSpPr>
+        <p:spPr>
+          <a:xfrm>
+            <a:off x="4873429" y="4678182"/>
+            <a:ext cx="1944636" cy="679761"/>
+          </a:xfrm>
+          <a:prstGeom prst="straightConnector1">
+            <a:avLst/>
+          </a:prstGeom>
+          <a:ln w="63500">
+            <a:solidFill>
+              <a:srgbClr val="953735"/>
+            </a:solidFill>
+            <a:tailEnd type="stealth" w="lg" len="lg"/>
+          </a:ln>
+        </p:spPr>
+        <p:style>
+          <a:lnRef idx="2">
+            <a:schemeClr val="accent1"/>
+          </a:lnRef>
+          <a:fillRef idx="0">
+            <a:schemeClr val="accent1"/>
+          </a:fillRef>
+          <a:effectRef idx="1">
+            <a:schemeClr val="accent1"/>
+          </a:effectRef>
+          <a:fontRef idx="minor">
+            <a:schemeClr val="tx1"/>
+          </a:fontRef>
+        </p:style>
+      </p:cxnSp>
+      <p:cxnSp>
+        <p:nvCxnSpPr>
+          <p:cNvPr id="15" name="Straight Arrow Connector 14"/>
+          <p:cNvCxnSpPr/>
+          <p:nvPr/>
+        </p:nvCxnSpPr>
+        <p:spPr>
+          <a:xfrm flipV="1">
+            <a:off x="6814404" y="4239572"/>
+            <a:ext cx="178856" cy="1118374"/>
+          </a:xfrm>
+          <a:prstGeom prst="straightConnector1">
+            <a:avLst/>
+          </a:prstGeom>
+          <a:ln w="63500">
+            <a:solidFill>
+              <a:srgbClr val="953735"/>
+            </a:solidFill>
+            <a:tailEnd type="stealth" w="lg" len="lg"/>
+          </a:ln>
+        </p:spPr>
+        <p:style>
+          <a:lnRef idx="2">
+            <a:schemeClr val="accent1"/>
+          </a:lnRef>
+          <a:fillRef idx="0">
+            <a:schemeClr val="accent1"/>
+          </a:fillRef>
+          <a:effectRef idx="1">
+            <a:schemeClr val="accent1"/>
+          </a:effectRef>
+          <a:fontRef idx="minor">
+            <a:schemeClr val="tx1"/>
+          </a:fontRef>
+        </p:style>
+      </p:cxnSp>
+      <p:cxnSp>
+        <p:nvCxnSpPr>
+          <p:cNvPr id="16" name="Straight Arrow Connector 15"/>
+          <p:cNvCxnSpPr/>
+          <p:nvPr/>
+        </p:nvCxnSpPr>
+        <p:spPr>
+          <a:xfrm flipV="1">
+            <a:off x="6993260" y="3881802"/>
+            <a:ext cx="89428" cy="357770"/>
+          </a:xfrm>
+          <a:prstGeom prst="straightConnector1">
+            <a:avLst/>
+          </a:prstGeom>
+          <a:ln w="63500">
+            <a:solidFill>
+              <a:srgbClr val="953735"/>
+            </a:solidFill>
+            <a:tailEnd type="stealth" w="lg" len="lg"/>
+          </a:ln>
+        </p:spPr>
+        <p:style>
+          <a:lnRef idx="2">
+            <a:schemeClr val="accent1"/>
+          </a:lnRef>
+          <a:fillRef idx="0">
+            <a:schemeClr val="accent1"/>
+          </a:fillRef>
+          <a:effectRef idx="1">
+            <a:schemeClr val="accent1"/>
+          </a:effectRef>
+          <a:fontRef idx="minor">
+            <a:schemeClr val="tx1"/>
+          </a:fontRef>
+        </p:style>
+      </p:cxnSp>
+      <p:cxnSp>
+        <p:nvCxnSpPr>
+          <p:cNvPr id="23" name="Straight Arrow Connector 22"/>
+          <p:cNvCxnSpPr/>
+          <p:nvPr/>
+        </p:nvCxnSpPr>
+        <p:spPr>
+          <a:xfrm flipV="1">
+            <a:off x="7082688" y="3345149"/>
+            <a:ext cx="178856" cy="536654"/>
+          </a:xfrm>
+          <a:prstGeom prst="straightConnector1">
+            <a:avLst/>
+          </a:prstGeom>
+          <a:ln w="63500">
+            <a:solidFill>
+              <a:srgbClr val="953735"/>
+            </a:solidFill>
+            <a:tailEnd type="stealth" w="lg" len="lg"/>
+          </a:ln>
+        </p:spPr>
+        <p:style>
+          <a:lnRef idx="2">
+            <a:schemeClr val="accent1"/>
+          </a:lnRef>
+          <a:fillRef idx="0">
+            <a:schemeClr val="accent1"/>
+          </a:fillRef>
+          <a:effectRef idx="1">
+            <a:schemeClr val="accent1"/>
+          </a:effectRef>
+          <a:fontRef idx="minor">
+            <a:schemeClr val="tx1"/>
+          </a:fontRef>
+        </p:style>
+      </p:cxnSp>
+      <p:sp>
+        <p:nvSpPr>
+          <p:cNvPr id="28" name="Donut 27"/>
+          <p:cNvSpPr/>
+          <p:nvPr/>
+        </p:nvSpPr>
+        <p:spPr>
+          <a:xfrm>
+            <a:off x="2507680" y="931990"/>
+            <a:ext cx="203199" cy="211666"/>
+          </a:xfrm>
+          <a:prstGeom prst="donut">
+            <a:avLst/>
+          </a:prstGeom>
+          <a:solidFill>
+            <a:srgbClr val="FF0000"/>
+          </a:solidFill>
+          <a:ln>
+            <a:noFill/>
+          </a:ln>
+        </p:spPr>
+        <p:style>
+          <a:lnRef idx="1">
+            <a:schemeClr val="accent1"/>
+          </a:lnRef>
+          <a:fillRef idx="3">
+            <a:schemeClr val="accent1"/>
+          </a:fillRef>
+          <a:effectRef idx="2">
+            <a:schemeClr val="accent1"/>
+          </a:effectRef>
+          <a:fontRef idx="minor">
+            <a:schemeClr val="lt1"/>
+          </a:fontRef>
+        </p:style>
+        <p:txBody>
+          <a:bodyPr rtlCol="0" anchor="ctr"/>
+          <a:lstStyle/>
+          <a:p>
+            <a:pPr algn="ctr"/>
+            <a:endParaRPr lang="en-US">
+              <a:solidFill>
+                <a:schemeClr val="tx1"/>
+              </a:solidFill>
+            </a:endParaRPr>
+          </a:p>
+        </p:txBody>
+      </p:sp>
+      <p:sp>
+        <p:nvSpPr>
+          <p:cNvPr id="29" name="Rectangle 28"/>
+          <p:cNvSpPr/>
+          <p:nvPr/>
+        </p:nvSpPr>
+        <p:spPr>
+          <a:xfrm>
+            <a:off x="733309" y="804982"/>
+            <a:ext cx="2119607" cy="1217612"/>
+          </a:xfrm>
+          <a:prstGeom prst="rect">
+            <a:avLst/>
+          </a:prstGeom>
+          <a:noFill/>
+          <a:ln>
+            <a:solidFill>
+              <a:schemeClr val="accent6">
+                <a:lumMod val="50000"/>
+              </a:schemeClr>
+            </a:solidFill>
+          </a:ln>
+        </p:spPr>
+        <p:style>
+          <a:lnRef idx="1">
+            <a:schemeClr val="accent1"/>
+          </a:lnRef>
+          <a:fillRef idx="3">
+            <a:schemeClr val="accent1"/>
+          </a:fillRef>
+          <a:effectRef idx="2">
+            <a:schemeClr val="accent1"/>
+          </a:effectRef>
+          <a:fontRef idx="minor">
+            <a:schemeClr val="lt1"/>
+          </a:fontRef>
+        </p:style>
+        <p:txBody>
+          <a:bodyPr/>
+          <a:lstStyle/>
+          <a:p>
+            <a:endParaRPr lang="en-US">
+              <a:solidFill>
+                <a:srgbClr val="FF0000"/>
+              </a:solidFill>
+            </a:endParaRPr>
+          </a:p>
+        </p:txBody>
+      </p:sp>
+      <p:sp>
+        <p:nvSpPr>
+          <p:cNvPr id="30" name="Donut 29"/>
+          <p:cNvSpPr/>
+          <p:nvPr/>
+        </p:nvSpPr>
+        <p:spPr>
+          <a:xfrm>
+            <a:off x="2503485" y="1706817"/>
+            <a:ext cx="203199" cy="211666"/>
+          </a:xfrm>
+          <a:prstGeom prst="donut">
+            <a:avLst/>
+          </a:prstGeom>
+          <a:noFill/>
+          <a:ln>
+            <a:solidFill>
+              <a:srgbClr val="008000"/>
+            </a:solidFill>
+          </a:ln>
+        </p:spPr>
+        <p:style>
+          <a:lnRef idx="1">
+            <a:schemeClr val="accent1"/>
+          </a:lnRef>
+          <a:fillRef idx="3">
+            <a:schemeClr val="accent1"/>
+          </a:fillRef>
+          <a:effectRef idx="2">
+            <a:schemeClr val="accent1"/>
+          </a:effectRef>
+          <a:fontRef idx="minor">
+            <a:schemeClr val="lt1"/>
+          </a:fontRef>
+        </p:style>
+        <p:txBody>
+          <a:bodyPr rtlCol="0" anchor="ctr"/>
+          <a:lstStyle/>
+          <a:p>
+            <a:pPr algn="ctr"/>
+            <a:endParaRPr lang="en-US">
+              <a:solidFill>
+                <a:schemeClr val="tx1"/>
+              </a:solidFill>
+            </a:endParaRPr>
+          </a:p>
+        </p:txBody>
+      </p:sp>
+      <p:cxnSp>
+        <p:nvCxnSpPr>
+          <p:cNvPr id="31" name="Straight Arrow Connector 30"/>
+          <p:cNvCxnSpPr/>
+          <p:nvPr/>
+        </p:nvCxnSpPr>
+        <p:spPr>
+          <a:xfrm>
+            <a:off x="2471908" y="1556300"/>
+            <a:ext cx="304802" cy="0"/>
+          </a:xfrm>
+          <a:prstGeom prst="straightConnector1">
+            <a:avLst/>
+          </a:prstGeom>
+          <a:ln>
+            <a:solidFill>
+              <a:schemeClr val="tx2"/>
+            </a:solidFill>
+            <a:tailEnd type="arrow"/>
+          </a:ln>
+        </p:spPr>
+        <p:style>
+          <a:lnRef idx="2">
+            <a:schemeClr val="accent1"/>
+          </a:lnRef>
+          <a:fillRef idx="0">
+            <a:schemeClr val="accent1"/>
+          </a:fillRef>
+          <a:effectRef idx="1">
+            <a:schemeClr val="accent1"/>
+          </a:effectRef>
+          <a:fontRef idx="minor">
+            <a:schemeClr val="tx1"/>
+          </a:fontRef>
+        </p:style>
+      </p:cxnSp>
+      <p:cxnSp>
+        <p:nvCxnSpPr>
+          <p:cNvPr id="32" name="Straight Arrow Connector 31"/>
+          <p:cNvCxnSpPr/>
+          <p:nvPr/>
+        </p:nvCxnSpPr>
+        <p:spPr>
+          <a:xfrm>
+            <a:off x="2463334" y="1315164"/>
+            <a:ext cx="304802" cy="0"/>
+          </a:xfrm>
+          <a:prstGeom prst="straightConnector1">
+            <a:avLst/>
+          </a:prstGeom>
+          <a:ln>
+            <a:solidFill>
+              <a:schemeClr val="accent2">
+                <a:lumMod val="75000"/>
+              </a:schemeClr>
+            </a:solidFill>
+            <a:tailEnd type="arrow"/>
+          </a:ln>
+        </p:spPr>
+        <p:style>
+          <a:lnRef idx="2">
+            <a:schemeClr val="accent1"/>
+          </a:lnRef>
+          <a:fillRef idx="0">
+            <a:schemeClr val="accent1"/>
+          </a:fillRef>
+          <a:effectRef idx="1">
+            <a:schemeClr val="accent1"/>
+          </a:effectRef>
+          <a:fontRef idx="minor">
+            <a:schemeClr val="tx1"/>
+          </a:fontRef>
+        </p:style>
+      </p:cxnSp>
+      <p:sp>
+        <p:nvSpPr>
+          <p:cNvPr id="33" name="TextBox 32"/>
+          <p:cNvSpPr txBox="1"/>
+          <p:nvPr/>
+        </p:nvSpPr>
+        <p:spPr>
+          <a:xfrm>
+            <a:off x="733309" y="827988"/>
+            <a:ext cx="1545543" cy="1200329"/>
+          </a:xfrm>
+          <a:prstGeom prst="rect">
+            <a:avLst/>
+          </a:prstGeom>
+          <a:noFill/>
+        </p:spPr>
+        <p:txBody>
+          <a:bodyPr wrap="square" rtlCol="0">
+            <a:spAutoFit/>
+          </a:bodyPr>
+          <a:lstStyle/>
+          <a:p>
+            <a:r>
+              <a:rPr lang="en-US" dirty="0" smtClean="0"/>
+              <a:t>Robot</a:t>
+            </a:r>
+          </a:p>
+          <a:p>
+            <a:r>
+              <a:rPr lang="en-US" dirty="0" smtClean="0"/>
+              <a:t>Bottom Path</a:t>
+            </a:r>
+          </a:p>
+          <a:p>
+            <a:r>
+              <a:rPr lang="en-US" dirty="0" smtClean="0"/>
+              <a:t>Top Path</a:t>
+            </a:r>
+          </a:p>
+          <a:p>
+            <a:r>
+              <a:rPr lang="en-US" dirty="0" smtClean="0"/>
+              <a:t>Goal Positions</a:t>
+            </a:r>
+            <a:endParaRPr lang="en-US" dirty="0"/>
+          </a:p>
+        </p:txBody>
+      </p:sp>
+    </p:spTree>
+    <p:extLst>
+      <p:ext uri="{BB962C8B-B14F-4D97-AF65-F5344CB8AC3E}">
+        <p14:creationId xmlns:p14="http://schemas.microsoft.com/office/powerpoint/2010/main" val="3814275113"/>
+      </p:ext>
+    </p:extLst>
+  </p:cSld>
+  <p:clrMapOvr>
+    <a:masterClrMapping/>
+  </p:clrMapOvr>
+</p:sld>
+</file>
+
+<file path=ppt/slides/slide9.xml><?xml version="1.0" encoding="utf-8"?>
+<p:sld xmlns:a="http://schemas.openxmlformats.org/drawingml/2006/main" xmlns:r="http://schemas.openxmlformats.org/officeDocument/2006/relationships" xmlns:p="http://schemas.openxmlformats.org/presentationml/2006/main">
+  <p:cSld>
+    <p:spTree>
+      <p:nvGrpSpPr>
+        <p:cNvPr id="1" name=""/>
+        <p:cNvGrpSpPr/>
+        <p:nvPr/>
+      </p:nvGrpSpPr>
+      <p:grpSpPr>
+        <a:xfrm>
+          <a:off x="0" y="0"/>
+          <a:ext cx="0" cy="0"/>
+          <a:chOff x="0" y="0"/>
+          <a:chExt cx="0" cy="0"/>
+        </a:xfrm>
+      </p:grpSpPr>
+      <p:pic>
+        <p:nvPicPr>
+          <p:cNvPr id="4" name="Picture 3" descr="twoR_5.jpg"/>
+          <p:cNvPicPr>
+            <a:picLocks noChangeAspect="1"/>
+          </p:cNvPicPr>
+          <p:nvPr/>
+        </p:nvPicPr>
+        <p:blipFill>
+          <a:blip r:embed="rId2">
+            <a:extLst>
+              <a:ext uri="{28A0092B-C50C-407E-A947-70E740481C1C}">
+                <a14:useLocalDpi xmlns:a14="http://schemas.microsoft.com/office/drawing/2010/main" val="0"/>
+              </a:ext>
+            </a:extLst>
+          </a:blip>
+          <a:stretch>
+            <a:fillRect/>
+          </a:stretch>
+        </p:blipFill>
+        <p:spPr>
+          <a:xfrm>
+            <a:off x="0" y="0"/>
+            <a:ext cx="8712531" cy="6858000"/>
+          </a:xfrm>
+          <a:prstGeom prst="rect">
+            <a:avLst/>
+          </a:prstGeom>
+        </p:spPr>
+      </p:pic>
+      <p:sp>
+        <p:nvSpPr>
+          <p:cNvPr id="5" name="Oval 4"/>
+          <p:cNvSpPr/>
+          <p:nvPr/>
+        </p:nvSpPr>
+        <p:spPr>
+          <a:xfrm>
+            <a:off x="5196145" y="2692551"/>
+            <a:ext cx="455694" cy="491602"/>
+          </a:xfrm>
+          <a:prstGeom prst="ellipse">
+            <a:avLst/>
+          </a:prstGeom>
+          <a:noFill/>
+          <a:ln w="76200" cmpd="sng">
+            <a:solidFill>
+              <a:srgbClr val="008000"/>
+            </a:solidFill>
+          </a:ln>
+        </p:spPr>
+        <p:style>
+          <a:lnRef idx="1">
+            <a:schemeClr val="accent1"/>
+          </a:lnRef>
+          <a:fillRef idx="3">
+            <a:schemeClr val="accent1"/>
+          </a:fillRef>
+          <a:effectRef idx="2">
+            <a:schemeClr val="accent1"/>
+          </a:effectRef>
+          <a:fontRef idx="minor">
+            <a:schemeClr val="lt1"/>
+          </a:fontRef>
+        </p:style>
+        <p:txBody>
+          <a:bodyPr rtlCol="0" anchor="ctr"/>
+          <a:lstStyle/>
+          <a:p>
+            <a:pPr algn="ctr"/>
+            <a:endParaRPr lang="en-US"/>
+          </a:p>
+        </p:txBody>
+      </p:sp>
+      <p:sp>
+        <p:nvSpPr>
+          <p:cNvPr id="6" name="Oval 5"/>
+          <p:cNvSpPr/>
+          <p:nvPr/>
+        </p:nvSpPr>
+        <p:spPr>
+          <a:xfrm>
+            <a:off x="4381963" y="1905457"/>
+            <a:ext cx="455694" cy="491602"/>
+          </a:xfrm>
+          <a:prstGeom prst="ellipse">
+            <a:avLst/>
+          </a:prstGeom>
+          <a:noFill/>
+          <a:ln w="76200" cmpd="sng">
+            <a:solidFill>
+              <a:srgbClr val="008000"/>
+            </a:solidFill>
+          </a:ln>
+        </p:spPr>
+        <p:style>
+          <a:lnRef idx="1">
+            <a:schemeClr val="accent1"/>
+          </a:lnRef>
+          <a:fillRef idx="3">
+            <a:schemeClr val="accent1"/>
+          </a:fillRef>
+          <a:effectRef idx="2">
+            <a:schemeClr val="accent1"/>
+          </a:effectRef>
+          <a:fontRef idx="minor">
+            <a:schemeClr val="lt1"/>
+          </a:fontRef>
+        </p:style>
+        <p:txBody>
+          <a:bodyPr rtlCol="0" anchor="ctr"/>
+          <a:lstStyle/>
+          <a:p>
+            <a:pPr algn="ctr"/>
+            <a:endParaRPr lang="en-US"/>
+          </a:p>
+        </p:txBody>
+      </p:sp>
+      <p:cxnSp>
+        <p:nvCxnSpPr>
+          <p:cNvPr id="11" name="Straight Arrow Connector 10"/>
+          <p:cNvCxnSpPr/>
+          <p:nvPr/>
+        </p:nvCxnSpPr>
+        <p:spPr>
+          <a:xfrm>
+            <a:off x="6814404" y="3345149"/>
+            <a:ext cx="1944636" cy="679761"/>
+          </a:xfrm>
+          <a:prstGeom prst="straightConnector1">
+            <a:avLst/>
+          </a:prstGeom>
+          <a:ln w="63500">
+            <a:solidFill>
+              <a:schemeClr val="tx2"/>
+            </a:solidFill>
+            <a:tailEnd type="stealth" w="lg" len="lg"/>
+          </a:ln>
+        </p:spPr>
+        <p:style>
+          <a:lnRef idx="2">
+            <a:schemeClr val="accent1"/>
+          </a:lnRef>
+          <a:fillRef idx="0">
+            <a:schemeClr val="accent1"/>
+          </a:fillRef>
+          <a:effectRef idx="1">
+            <a:schemeClr val="accent1"/>
+          </a:effectRef>
+          <a:fontRef idx="minor">
+            <a:schemeClr val="tx1"/>
+          </a:fontRef>
+        </p:style>
+      </p:cxnSp>
+      <p:cxnSp>
+        <p:nvCxnSpPr>
+          <p:cNvPr id="12" name="Straight Arrow Connector 11"/>
+          <p:cNvCxnSpPr/>
+          <p:nvPr/>
+        </p:nvCxnSpPr>
+        <p:spPr>
+          <a:xfrm>
+            <a:off x="4873429" y="4678182"/>
+            <a:ext cx="1944636" cy="679761"/>
+          </a:xfrm>
+          <a:prstGeom prst="straightConnector1">
+            <a:avLst/>
+          </a:prstGeom>
+          <a:ln w="63500">
+            <a:solidFill>
+              <a:schemeClr val="accent2">
+                <a:lumMod val="75000"/>
+              </a:schemeClr>
+            </a:solidFill>
+            <a:tailEnd type="stealth" w="lg" len="lg"/>
+          </a:ln>
+        </p:spPr>
+        <p:style>
+          <a:lnRef idx="2">
+            <a:schemeClr val="accent1"/>
+          </a:lnRef>
+          <a:fillRef idx="0">
+            <a:schemeClr val="accent1"/>
+          </a:fillRef>
+          <a:effectRef idx="1">
+            <a:schemeClr val="accent1"/>
+          </a:effectRef>
+          <a:fontRef idx="minor">
+            <a:schemeClr val="tx1"/>
+          </a:fontRef>
+        </p:style>
+      </p:cxnSp>
+      <p:cxnSp>
+        <p:nvCxnSpPr>
+          <p:cNvPr id="13" name="Straight Arrow Connector 12"/>
+          <p:cNvCxnSpPr/>
+          <p:nvPr/>
+        </p:nvCxnSpPr>
+        <p:spPr>
+          <a:xfrm flipV="1">
+            <a:off x="6814404" y="4239572"/>
+            <a:ext cx="178856" cy="1118374"/>
+          </a:xfrm>
+          <a:prstGeom prst="straightConnector1">
+            <a:avLst/>
+          </a:prstGeom>
+          <a:ln w="63500">
+            <a:solidFill>
+              <a:schemeClr val="accent2">
+                <a:lumMod val="75000"/>
+              </a:schemeClr>
+            </a:solidFill>
+            <a:tailEnd type="stealth" w="lg" len="lg"/>
+          </a:ln>
+        </p:spPr>
+        <p:style>
+          <a:lnRef idx="2">
+            <a:schemeClr val="accent1"/>
+          </a:lnRef>
+          <a:fillRef idx="0">
+            <a:schemeClr val="accent1"/>
+          </a:fillRef>
+          <a:effectRef idx="1">
+            <a:schemeClr val="accent1"/>
+          </a:effectRef>
+          <a:fontRef idx="minor">
+            <a:schemeClr val="tx1"/>
+          </a:fontRef>
+        </p:style>
+      </p:cxnSp>
+      <p:cxnSp>
+        <p:nvCxnSpPr>
+          <p:cNvPr id="14" name="Straight Arrow Connector 13"/>
+          <p:cNvCxnSpPr/>
+          <p:nvPr/>
+        </p:nvCxnSpPr>
+        <p:spPr>
+          <a:xfrm flipV="1">
+            <a:off x="6993260" y="3881802"/>
+            <a:ext cx="89428" cy="357770"/>
+          </a:xfrm>
+          <a:prstGeom prst="straightConnector1">
+            <a:avLst/>
+          </a:prstGeom>
+          <a:ln w="63500">
+            <a:solidFill>
+              <a:schemeClr val="accent2">
+                <a:lumMod val="75000"/>
+              </a:schemeClr>
+            </a:solidFill>
+            <a:tailEnd type="stealth" w="lg" len="lg"/>
+          </a:ln>
+        </p:spPr>
+        <p:style>
+          <a:lnRef idx="2">
+            <a:schemeClr val="accent1"/>
+          </a:lnRef>
+          <a:fillRef idx="0">
+            <a:schemeClr val="accent1"/>
+          </a:fillRef>
+          <a:effectRef idx="1">
+            <a:schemeClr val="accent1"/>
+          </a:effectRef>
+          <a:fontRef idx="minor">
+            <a:schemeClr val="tx1"/>
+          </a:fontRef>
+        </p:style>
+      </p:cxnSp>
+      <p:cxnSp>
+        <p:nvCxnSpPr>
+          <p:cNvPr id="15" name="Straight Arrow Connector 14"/>
+          <p:cNvCxnSpPr/>
+          <p:nvPr/>
+        </p:nvCxnSpPr>
+        <p:spPr>
+          <a:xfrm flipV="1">
+            <a:off x="7082688" y="3345149"/>
+            <a:ext cx="178856" cy="536654"/>
+          </a:xfrm>
+          <a:prstGeom prst="straightConnector1">
+            <a:avLst/>
+          </a:prstGeom>
+          <a:ln w="63500">
+            <a:solidFill>
+              <a:schemeClr val="accent2">
+                <a:lumMod val="75000"/>
+              </a:schemeClr>
+            </a:solidFill>
+            <a:tailEnd type="stealth" w="lg" len="lg"/>
+          </a:ln>
+        </p:spPr>
+        <p:style>
+          <a:lnRef idx="2">
+            <a:schemeClr val="accent1"/>
+          </a:lnRef>
+          <a:fillRef idx="0">
+            <a:schemeClr val="accent1"/>
+          </a:fillRef>
+          <a:effectRef idx="1">
+            <a:schemeClr val="accent1"/>
+          </a:effectRef>
+          <a:fontRef idx="minor">
+            <a:schemeClr val="tx1"/>
+          </a:fontRef>
+        </p:style>
+      </p:cxnSp>
+      <p:cxnSp>
+        <p:nvCxnSpPr>
+          <p:cNvPr id="21" name="Straight Arrow Connector 20"/>
+          <p:cNvCxnSpPr/>
+          <p:nvPr/>
+        </p:nvCxnSpPr>
+        <p:spPr>
+          <a:xfrm flipH="1" flipV="1">
+            <a:off x="4837658" y="2271841"/>
+            <a:ext cx="2423886" cy="912312"/>
+          </a:xfrm>
+          <a:prstGeom prst="straightConnector1">
+            <a:avLst/>
+          </a:prstGeom>
+          <a:ln w="63500">
+            <a:solidFill>
+              <a:schemeClr val="accent2">
+                <a:lumMod val="75000"/>
+              </a:schemeClr>
+            </a:solidFill>
+            <a:tailEnd type="stealth" w="lg" len="lg"/>
+          </a:ln>
+        </p:spPr>
+        <p:style>
+          <a:lnRef idx="2">
+            <a:schemeClr val="accent1"/>
+          </a:lnRef>
+          <a:fillRef idx="0">
+            <a:schemeClr val="accent1"/>
+          </a:fillRef>
+          <a:effectRef idx="1">
+            <a:schemeClr val="accent1"/>
+          </a:effectRef>
+          <a:fontRef idx="minor">
+            <a:schemeClr val="tx1"/>
+          </a:fontRef>
+        </p:style>
+      </p:cxnSp>
+      <p:cxnSp>
+        <p:nvCxnSpPr>
+          <p:cNvPr id="23" name="Straight Arrow Connector 22"/>
+          <p:cNvCxnSpPr/>
+          <p:nvPr/>
+        </p:nvCxnSpPr>
+        <p:spPr>
+          <a:xfrm flipH="1" flipV="1">
+            <a:off x="5602461" y="2969491"/>
+            <a:ext cx="2857416" cy="912311"/>
+          </a:xfrm>
+          <a:prstGeom prst="straightConnector1">
+            <a:avLst/>
+          </a:prstGeom>
+          <a:ln w="63500">
+            <a:solidFill>
+              <a:schemeClr val="tx2"/>
+            </a:solidFill>
+            <a:tailEnd type="stealth" w="lg" len="lg"/>
+          </a:ln>
+        </p:spPr>
+        <p:style>
+          <a:lnRef idx="2">
+            <a:schemeClr val="accent1"/>
+          </a:lnRef>
+          <a:fillRef idx="0">
+            <a:schemeClr val="accent1"/>
+          </a:fillRef>
+          <a:effectRef idx="1">
+            <a:schemeClr val="accent1"/>
+          </a:effectRef>
+          <a:fontRef idx="minor">
+            <a:schemeClr val="tx1"/>
+          </a:fontRef>
+        </p:style>
+      </p:cxnSp>
+      <p:sp>
+        <p:nvSpPr>
+          <p:cNvPr id="26" name="Donut 25"/>
+          <p:cNvSpPr/>
+          <p:nvPr/>
+        </p:nvSpPr>
+        <p:spPr>
+          <a:xfrm>
+            <a:off x="2507680" y="931990"/>
+            <a:ext cx="203199" cy="211666"/>
+          </a:xfrm>
+          <a:prstGeom prst="donut">
+            <a:avLst/>
+          </a:prstGeom>
+          <a:solidFill>
+            <a:srgbClr val="FF0000"/>
+          </a:solidFill>
+          <a:ln>
+            <a:noFill/>
+          </a:ln>
+        </p:spPr>
+        <p:style>
+          <a:lnRef idx="1">
+            <a:schemeClr val="accent1"/>
+          </a:lnRef>
+          <a:fillRef idx="3">
+            <a:schemeClr val="accent1"/>
+          </a:fillRef>
+          <a:effectRef idx="2">
+            <a:schemeClr val="accent1"/>
+          </a:effectRef>
+          <a:fontRef idx="minor">
+            <a:schemeClr val="lt1"/>
+          </a:fontRef>
+        </p:style>
+        <p:txBody>
+          <a:bodyPr rtlCol="0" anchor="ctr"/>
+          <a:lstStyle/>
+          <a:p>
+            <a:pPr algn="ctr"/>
+            <a:endParaRPr lang="en-US">
+              <a:solidFill>
+                <a:schemeClr val="tx1"/>
+              </a:solidFill>
+            </a:endParaRPr>
+          </a:p>
+        </p:txBody>
+      </p:sp>
+      <p:sp>
+        <p:nvSpPr>
+          <p:cNvPr id="27" name="Rectangle 26"/>
+          <p:cNvSpPr/>
+          <p:nvPr/>
+        </p:nvSpPr>
+        <p:spPr>
+          <a:xfrm>
+            <a:off x="733309" y="804982"/>
+            <a:ext cx="2119607" cy="1217612"/>
+          </a:xfrm>
+          <a:prstGeom prst="rect">
+            <a:avLst/>
+          </a:prstGeom>
+          <a:noFill/>
+          <a:ln>
+            <a:solidFill>
+              <a:schemeClr val="accent6">
+                <a:lumMod val="50000"/>
+              </a:schemeClr>
+            </a:solidFill>
+          </a:ln>
+        </p:spPr>
+        <p:style>
+          <a:lnRef idx="1">
+            <a:schemeClr val="accent1"/>
+          </a:lnRef>
+          <a:fillRef idx="3">
+            <a:schemeClr val="accent1"/>
+          </a:fillRef>
+          <a:effectRef idx="2">
+            <a:schemeClr val="accent1"/>
+          </a:effectRef>
+          <a:fontRef idx="minor">
+            <a:schemeClr val="lt1"/>
+          </a:fontRef>
+        </p:style>
+        <p:txBody>
+          <a:bodyPr/>
+          <a:lstStyle/>
+          <a:p>
+            <a:endParaRPr lang="en-US">
+              <a:solidFill>
+                <a:srgbClr val="FF0000"/>
+              </a:solidFill>
+            </a:endParaRPr>
+          </a:p>
+        </p:txBody>
+      </p:sp>
+      <p:sp>
+        <p:nvSpPr>
+          <p:cNvPr id="28" name="Donut 27"/>
+          <p:cNvSpPr/>
+          <p:nvPr/>
+        </p:nvSpPr>
+        <p:spPr>
+          <a:xfrm>
+            <a:off x="2503485" y="1706817"/>
+            <a:ext cx="203199" cy="211666"/>
+          </a:xfrm>
+          <a:prstGeom prst="donut">
+            <a:avLst/>
+          </a:prstGeom>
+          <a:noFill/>
+          <a:ln>
+            <a:solidFill>
+              <a:srgbClr val="008000"/>
+            </a:solidFill>
+          </a:ln>
+        </p:spPr>
+        <p:style>
+          <a:lnRef idx="1">
+            <a:schemeClr val="accent1"/>
+          </a:lnRef>
+          <a:fillRef idx="3">
+            <a:schemeClr val="accent1"/>
+          </a:fillRef>
+          <a:effectRef idx="2">
+            <a:schemeClr val="accent1"/>
+          </a:effectRef>
+          <a:fontRef idx="minor">
+            <a:schemeClr val="lt1"/>
+          </a:fontRef>
+        </p:style>
+        <p:txBody>
+          <a:bodyPr rtlCol="0" anchor="ctr"/>
+          <a:lstStyle/>
+          <a:p>
+            <a:pPr algn="ctr"/>
+            <a:endParaRPr lang="en-US">
+              <a:solidFill>
+                <a:schemeClr val="tx1"/>
+              </a:solidFill>
+            </a:endParaRPr>
+          </a:p>
+        </p:txBody>
+      </p:sp>
+      <p:cxnSp>
+        <p:nvCxnSpPr>
+          <p:cNvPr id="29" name="Straight Arrow Connector 28"/>
+          <p:cNvCxnSpPr/>
+          <p:nvPr/>
+        </p:nvCxnSpPr>
+        <p:spPr>
+          <a:xfrm>
+            <a:off x="2471908" y="1556300"/>
+            <a:ext cx="304802" cy="0"/>
+          </a:xfrm>
+          <a:prstGeom prst="straightConnector1">
+            <a:avLst/>
+          </a:prstGeom>
+          <a:ln>
+            <a:solidFill>
+              <a:schemeClr val="tx2"/>
+            </a:solidFill>
+            <a:tailEnd type="arrow"/>
+          </a:ln>
+        </p:spPr>
+        <p:style>
+          <a:lnRef idx="2">
+            <a:schemeClr val="accent1"/>
+          </a:lnRef>
+          <a:fillRef idx="0">
+            <a:schemeClr val="accent1"/>
+          </a:fillRef>
+          <a:effectRef idx="1">
+            <a:schemeClr val="accent1"/>
+          </a:effectRef>
+          <a:fontRef idx="minor">
+            <a:schemeClr val="tx1"/>
+          </a:fontRef>
+        </p:style>
+      </p:cxnSp>
+      <p:cxnSp>
+        <p:nvCxnSpPr>
+          <p:cNvPr id="30" name="Straight Arrow Connector 29"/>
+          <p:cNvCxnSpPr/>
+          <p:nvPr/>
+        </p:nvCxnSpPr>
+        <p:spPr>
+          <a:xfrm>
+            <a:off x="2463334" y="1315164"/>
+            <a:ext cx="304802" cy="0"/>
+          </a:xfrm>
+          <a:prstGeom prst="straightConnector1">
+            <a:avLst/>
+          </a:prstGeom>
+          <a:ln>
+            <a:solidFill>
+              <a:schemeClr val="accent2">
+                <a:lumMod val="75000"/>
+              </a:schemeClr>
+            </a:solidFill>
+            <a:tailEnd type="arrow"/>
+          </a:ln>
+        </p:spPr>
+        <p:style>
+          <a:lnRef idx="2">
+            <a:schemeClr val="accent1"/>
+          </a:lnRef>
+          <a:fillRef idx="0">
+            <a:schemeClr val="accent1"/>
+          </a:fillRef>
+          <a:effectRef idx="1">
+            <a:schemeClr val="accent1"/>
+          </a:effectRef>
+          <a:fontRef idx="minor">
+            <a:schemeClr val="tx1"/>
+          </a:fontRef>
+        </p:style>
+      </p:cxnSp>
+      <p:sp>
+        <p:nvSpPr>
+          <p:cNvPr id="31" name="TextBox 30"/>
+          <p:cNvSpPr txBox="1"/>
+          <p:nvPr/>
+        </p:nvSpPr>
+        <p:spPr>
+          <a:xfrm>
+            <a:off x="733309" y="827988"/>
+            <a:ext cx="1545543" cy="1200329"/>
+          </a:xfrm>
+          <a:prstGeom prst="rect">
+            <a:avLst/>
+          </a:prstGeom>
+          <a:noFill/>
+        </p:spPr>
+        <p:txBody>
+          <a:bodyPr wrap="square" rtlCol="0">
+            <a:spAutoFit/>
+          </a:bodyPr>
+          <a:lstStyle/>
+          <a:p>
+            <a:r>
+              <a:rPr lang="en-US" dirty="0" smtClean="0"/>
+              <a:t>Robot</a:t>
+            </a:r>
+          </a:p>
+          <a:p>
+            <a:r>
+              <a:rPr lang="en-US" dirty="0" smtClean="0"/>
+              <a:t>Bottom Path</a:t>
+            </a:r>
+          </a:p>
+          <a:p>
+            <a:r>
+              <a:rPr lang="en-US" dirty="0" smtClean="0"/>
+              <a:t>Top Path</a:t>
+            </a:r>
+          </a:p>
+          <a:p>
+            <a:r>
+              <a:rPr lang="en-US" dirty="0" smtClean="0"/>
+              <a:t>Goal Positions</a:t>
+            </a:r>
+            <a:endParaRPr lang="en-US" dirty="0"/>
+          </a:p>
+        </p:txBody>
+      </p:sp>
+    </p:spTree>
+    <p:extLst>
+      <p:ext uri="{BB962C8B-B14F-4D97-AF65-F5344CB8AC3E}">
+        <p14:creationId xmlns:p14="http://schemas.microsoft.com/office/powerpoint/2010/main" val="2099493331"/>
+      </p:ext>
+    </p:extLst>
+  </p:cSld>
+  <p:clrMapOvr>
+    <a:masterClrMapping/>
+  </p:clrMapOvr>
 </p:sld>
 </file>
 
